--- a/labs/WSAA 9 DR6.1 html_ed.pptx
+++ b/labs/WSAA 9 DR6.1 html_ed.pptx
@@ -63,20 +63,17 @@
             <a:noAutofit/>
           </a:bodyPr>
           <a:p>
-            <a:r>
-              <a:rPr b="0" lang="en-US" sz="1800" spc="-1" strike="noStrike">
-                <a:solidFill>
-                  <a:srgbClr val="000000"/>
-                </a:solidFill>
-                <a:latin typeface="Rockwell"/>
+            <a:pPr algn="ctr">
+              <a:buNone/>
+            </a:pPr>
+            <a:r>
+              <a:rPr b="0" lang="en-IE" sz="4400" spc="-1" strike="noStrike">
+                <a:latin typeface="Arial"/>
               </a:rPr>
               <a:t>Click to move the slide</a:t>
             </a:r>
-            <a:endParaRPr b="0" lang="en-US" sz="1800" spc="-1" strike="noStrike">
-              <a:solidFill>
-                <a:srgbClr val="000000"/>
-              </a:solidFill>
-              <a:latin typeface="Rockwell"/>
+            <a:endParaRPr b="0" lang="en-IE" sz="4400" spc="-1" strike="noStrike">
+              <a:latin typeface="Arial"/>
             </a:endParaRPr>
           </a:p>
         </p:txBody>
@@ -298,7 +295,7 @@
             <a:pPr algn="r">
               <a:buNone/>
             </a:pPr>
-            <a:fld id="{95FAF0B5-2792-4276-986E-F59719A985D9}" type="slidenum">
+            <a:fld id="{25F3432F-37A0-41AB-9E7D-A14DF6C4BD85}" type="slidenum">
               <a:rPr b="0" lang="en-IE" sz="1400" spc="-1" strike="noStrike">
                 <a:latin typeface="Times New Roman"/>
               </a:rPr>
@@ -346,7 +343,7 @@
         <p:spPr>
           <a:xfrm>
             <a:off x="216000" y="812520"/>
-            <a:ext cx="7127280" cy="4008960"/>
+            <a:ext cx="7126200" cy="4007880"/>
           </a:xfrm>
           <a:prstGeom prst="rect">
             <a:avLst/>
@@ -369,7 +366,7 @@
         <p:spPr>
           <a:xfrm>
             <a:off x="135000" y="5078520"/>
-            <a:ext cx="7335000" cy="4811040"/>
+            <a:ext cx="7333920" cy="4809960"/>
           </a:xfrm>
           <a:prstGeom prst="rect">
             <a:avLst/>
@@ -384,16 +381,385 @@
             <a:noAutofit/>
           </a:bodyPr>
           <a:p>
+            <a:pPr marL="216000" indent="-216000">
+              <a:lnSpc>
+                <a:spcPct val="100000"/>
+              </a:lnSpc>
+              <a:buNone/>
+              <a:tabLst>
+                <a:tab algn="l" pos="0"/>
+              </a:tabLst>
+            </a:pPr>
+            <a:r>
+              <a:rPr b="0" lang="en-IE" sz="2000" spc="-1" strike="noStrike">
+                <a:latin typeface="Arial"/>
+              </a:rPr>
+              <a:t>&gt; My9lecture1.html</a:t>
+            </a:r>
             <a:endParaRPr b="0" lang="en-IE" sz="2000" spc="-1" strike="noStrike">
               <a:latin typeface="Arial"/>
             </a:endParaRPr>
           </a:p>
           <a:p>
+            <a:pPr marL="216000" indent="-216000">
+              <a:lnSpc>
+                <a:spcPct val="100000"/>
+              </a:lnSpc>
+              <a:buNone/>
+              <a:tabLst>
+                <a:tab algn="l" pos="0"/>
+              </a:tabLst>
+            </a:pPr>
             <a:endParaRPr b="0" lang="en-IE" sz="2000" spc="-1" strike="noStrike">
               <a:latin typeface="Arial"/>
             </a:endParaRPr>
           </a:p>
           <a:p>
+            <a:pPr marL="216000" indent="-216000">
+              <a:lnSpc>
+                <a:spcPct val="100000"/>
+              </a:lnSpc>
+              <a:buNone/>
+              <a:tabLst>
+                <a:tab algn="l" pos="0"/>
+              </a:tabLst>
+            </a:pPr>
+            <a:endParaRPr b="0" lang="en-IE" sz="2000" spc="-1" strike="noStrike">
+              <a:latin typeface="Arial"/>
+            </a:endParaRPr>
+          </a:p>
+          <a:p>
+            <a:pPr marL="216000" indent="-216000">
+              <a:lnSpc>
+                <a:spcPct val="100000"/>
+              </a:lnSpc>
+              <a:buNone/>
+              <a:tabLst>
+                <a:tab algn="l" pos="0"/>
+              </a:tabLst>
+            </a:pPr>
+            <a:endParaRPr b="0" lang="en-IE" sz="2000" spc="-1" strike="noStrike">
+              <a:latin typeface="Arial"/>
+            </a:endParaRPr>
+          </a:p>
+        </p:txBody>
+      </p:sp>
+    </p:spTree>
+  </p:cSld>
+</p:notes>
+</file>
+
+<file path=ppt/notesSlides/notesSlide2.xml><?xml version="1.0" encoding="utf-8"?>
+<p:notes xmlns:a="http://schemas.openxmlformats.org/drawingml/2006/main" xmlns:p="http://schemas.openxmlformats.org/presentationml/2006/main" xmlns:r="http://schemas.openxmlformats.org/officeDocument/2006/relationships" xmlns:p14="http://schemas.microsoft.com/office/powerpoint/2010/main" xmlns:p15="http://schemas.microsoft.com/office/powerpoint/2012/main" xmlns:mc="http://schemas.openxmlformats.org/markup-compatibility/2006">
+  <p:cSld>
+    <p:spTree>
+      <p:nvGrpSpPr>
+        <p:cNvPr id="1" name=""/>
+        <p:cNvGrpSpPr/>
+        <p:nvPr/>
+      </p:nvGrpSpPr>
+      <p:grpSpPr>
+        <a:xfrm>
+          <a:off x="0" y="0"/>
+          <a:ext cx="0" cy="0"/>
+          <a:chOff x="0" y="0"/>
+          <a:chExt cx="0" cy="0"/>
+        </a:xfrm>
+      </p:grpSpPr>
+      <p:sp>
+        <p:nvSpPr>
+          <p:cNvPr id="113" name="PlaceHolder 1"/>
+          <p:cNvSpPr>
+            <a:spLocks noGrp="1"/>
+          </p:cNvSpPr>
+          <p:nvPr>
+            <p:ph type="sldImg"/>
+          </p:nvPr>
+        </p:nvSpPr>
+        <p:spPr>
+          <a:xfrm>
+            <a:off x="216000" y="812520"/>
+            <a:ext cx="7126560" cy="4008240"/>
+          </a:xfrm>
+          <a:prstGeom prst="rect">
+            <a:avLst/>
+          </a:prstGeom>
+          <a:ln w="0">
+            <a:noFill/>
+          </a:ln>
+        </p:spPr>
+      </p:sp>
+      <p:sp>
+        <p:nvSpPr>
+          <p:cNvPr id="114" name="PlaceHolder 2"/>
+          <p:cNvSpPr>
+            <a:spLocks noGrp="1"/>
+          </p:cNvSpPr>
+          <p:nvPr>
+            <p:ph type="body"/>
+          </p:nvPr>
+        </p:nvSpPr>
+        <p:spPr>
+          <a:xfrm>
+            <a:off x="0" y="4859280"/>
+            <a:ext cx="7558920" cy="5715000"/>
+          </a:xfrm>
+          <a:prstGeom prst="rect">
+            <a:avLst/>
+          </a:prstGeom>
+          <a:noFill/>
+          <a:ln w="0">
+            <a:noFill/>
+          </a:ln>
+        </p:spPr>
+        <p:txBody>
+          <a:bodyPr lIns="0" rIns="0" tIns="0" bIns="0" anchor="t">
+            <a:noAutofit/>
+          </a:bodyPr>
+          <a:p>
+            <a:pPr marL="216000" indent="-216000">
+              <a:lnSpc>
+                <a:spcPct val="100000"/>
+              </a:lnSpc>
+              <a:buNone/>
+              <a:tabLst>
+                <a:tab algn="l" pos="0"/>
+              </a:tabLst>
+            </a:pPr>
+            <a:r>
+              <a:rPr b="0" lang="en-IE" sz="1500" spc="-1" strike="noStrike">
+                <a:latin typeface="Arial"/>
+              </a:rPr>
+              <a:t>well formed HTML have beginning and end tags. The root tag in HTML pages is HTML. There's often a child of that called head which will have a beginning and an end tag and there will be a child element called body which will have a beginning and end.</a:t>
+            </a:r>
+            <a:endParaRPr b="0" lang="en-IE" sz="1500" spc="-1" strike="noStrike">
+              <a:latin typeface="Arial"/>
+            </a:endParaRPr>
+          </a:p>
+          <a:p>
+            <a:pPr marL="216000" indent="-216000">
+              <a:lnSpc>
+                <a:spcPct val="100000"/>
+              </a:lnSpc>
+              <a:buNone/>
+              <a:tabLst>
+                <a:tab algn="l" pos="0"/>
+              </a:tabLst>
+            </a:pPr>
+            <a:r>
+              <a:rPr b="0" lang="en-IE" sz="1500" spc="-1" strike="noStrike">
+                <a:latin typeface="Arial"/>
+              </a:rPr>
+              <a:t>Attributes which are very handy in HTML especially for JavaScript are ID and class. Class applies more for CSS. Cascading Style Sheets used to make your page looked nice. IDs are for uniquely identifying a particular element of particular tag. Very handy. The diva tag is very handy for JavaScript as well. It's basically divides up a page and says this part of the page so handy for things like output. So you could say make a Dave tag with ID output and then you could do in your JavaScript document getelementbyid output and set the inner text of that to be whatever you want the output to be.</a:t>
+            </a:r>
+            <a:endParaRPr b="0" lang="en-IE" sz="1500" spc="-1" strike="noStrike">
+              <a:latin typeface="Arial"/>
+            </a:endParaRPr>
+          </a:p>
+          <a:p>
+            <a:pPr marL="216000" indent="-216000">
+              <a:lnSpc>
+                <a:spcPct val="100000"/>
+              </a:lnSpc>
+              <a:buNone/>
+              <a:tabLst>
+                <a:tab algn="l" pos="0"/>
+              </a:tabLst>
+            </a:pPr>
+            <a:r>
+              <a:rPr b="0" lang="en-IE" sz="1500" spc="-1" strike="noStrike">
+                <a:latin typeface="Arial"/>
+              </a:rPr>
+              <a:t>The other tags which are handy for displaying data are table. Table comes with a whole pile of under tags like TR which is table row, TH which is a table held head element and TD which is a table data element.</a:t>
+            </a:r>
+            <a:endParaRPr b="0" lang="en-IE" sz="1500" spc="-1" strike="noStrike">
+              <a:latin typeface="Arial"/>
+            </a:endParaRPr>
+          </a:p>
+          <a:p>
+            <a:pPr marL="216000" indent="-216000">
+              <a:lnSpc>
+                <a:spcPct val="100000"/>
+              </a:lnSpc>
+              <a:buNone/>
+              <a:tabLst>
+                <a:tab algn="l" pos="0"/>
+              </a:tabLst>
+            </a:pPr>
+            <a:r>
+              <a:rPr b="0" lang="en-IE" sz="1500" spc="-1" strike="noStrike">
+                <a:latin typeface="Arial"/>
+              </a:rPr>
+              <a:t>There's also form tags, form. Traditionally in HTML you'd have a form tag and then you'd have inputs inside that and button.</a:t>
+            </a:r>
+            <a:endParaRPr b="0" lang="en-IE" sz="1500" spc="-1" strike="noStrike">
+              <a:latin typeface="Arial"/>
+            </a:endParaRPr>
+          </a:p>
+          <a:p>
+            <a:pPr marL="216000" indent="-216000">
+              <a:lnSpc>
+                <a:spcPct val="100000"/>
+              </a:lnSpc>
+              <a:buNone/>
+              <a:tabLst>
+                <a:tab algn="l" pos="0"/>
+              </a:tabLst>
+            </a:pPr>
+            <a:r>
+              <a:rPr b="0" lang="en-IE" sz="1500" spc="-1" strike="noStrike">
+                <a:latin typeface="Arial"/>
+              </a:rPr>
+              <a:t>And I'm going to be using JavaScript, so I don't want the form tag because I don't want the browser to do the submitting of data. I want my JavaScript to do that. So I'll just be showing you input tags.</a:t>
+            </a:r>
+            <a:endParaRPr b="0" lang="en-IE" sz="1500" spc="-1" strike="noStrike">
+              <a:latin typeface="Arial"/>
+            </a:endParaRPr>
+          </a:p>
+          <a:p>
+            <a:pPr marL="216000" indent="-216000">
+              <a:lnSpc>
+                <a:spcPct val="100000"/>
+              </a:lnSpc>
+              <a:buNone/>
+              <a:tabLst>
+                <a:tab algn="l" pos="0"/>
+              </a:tabLst>
+            </a:pPr>
+            <a:r>
+              <a:rPr b="0" lang="en-IE" sz="1500" spc="-1" strike="noStrike">
+                <a:latin typeface="Arial"/>
+              </a:rPr>
+              <a:t>I'm not going to go through too much of how to make a page look nice. That's whole course in multimedia on that itself.</a:t>
+            </a:r>
+            <a:endParaRPr b="0" lang="en-IE" sz="1500" spc="-1" strike="noStrike">
+              <a:latin typeface="Arial"/>
+            </a:endParaRPr>
+          </a:p>
+          <a:p>
+            <a:pPr marL="216000" indent="-216000">
+              <a:lnSpc>
+                <a:spcPct val="100000"/>
+              </a:lnSpc>
+              <a:buNone/>
+              <a:tabLst>
+                <a:tab algn="l" pos="0"/>
+              </a:tabLst>
+            </a:pPr>
+            <a:r>
+              <a:rPr b="0" lang="en-IE" sz="1500" spc="-1" strike="noStrike">
+                <a:latin typeface="Arial"/>
+              </a:rPr>
+              <a:t>I do want you to know that CSS Cascading style sheets do exist and there is a quick and easy way to make your page look nice which is import or the cascading style sheets from bootstrap or some other system. Bootstrap is what Twitter uses so I like using that. The last tag, which is of course for us one of the most important is the script tag and inside there you do your JavaScript.</a:t>
+            </a:r>
+            <a:endParaRPr b="0" lang="en-IE" sz="1500" spc="-1" strike="noStrike">
+              <a:latin typeface="Arial"/>
+            </a:endParaRPr>
+          </a:p>
+        </p:txBody>
+      </p:sp>
+    </p:spTree>
+  </p:cSld>
+</p:notes>
+</file>
+
+<file path=ppt/notesSlides/notesSlide3.xml><?xml version="1.0" encoding="utf-8"?>
+<p:notes xmlns:a="http://schemas.openxmlformats.org/drawingml/2006/main" xmlns:p="http://schemas.openxmlformats.org/presentationml/2006/main" xmlns:r="http://schemas.openxmlformats.org/officeDocument/2006/relationships" xmlns:p14="http://schemas.microsoft.com/office/powerpoint/2010/main" xmlns:p15="http://schemas.microsoft.com/office/powerpoint/2012/main" xmlns:mc="http://schemas.openxmlformats.org/markup-compatibility/2006">
+  <p:cSld>
+    <p:spTree>
+      <p:nvGrpSpPr>
+        <p:cNvPr id="1" name=""/>
+        <p:cNvGrpSpPr/>
+        <p:nvPr/>
+      </p:nvGrpSpPr>
+      <p:grpSpPr>
+        <a:xfrm>
+          <a:off x="0" y="0"/>
+          <a:ext cx="0" cy="0"/>
+          <a:chOff x="0" y="0"/>
+          <a:chExt cx="0" cy="0"/>
+        </a:xfrm>
+      </p:grpSpPr>
+      <p:sp>
+        <p:nvSpPr>
+          <p:cNvPr id="115" name="PlaceHolder 1"/>
+          <p:cNvSpPr>
+            <a:spLocks noGrp="1"/>
+          </p:cNvSpPr>
+          <p:nvPr>
+            <p:ph type="sldImg"/>
+          </p:nvPr>
+        </p:nvSpPr>
+        <p:spPr>
+          <a:xfrm>
+            <a:off x="216000" y="812520"/>
+            <a:ext cx="7126920" cy="4008600"/>
+          </a:xfrm>
+          <a:prstGeom prst="rect">
+            <a:avLst/>
+          </a:prstGeom>
+          <a:ln w="0">
+            <a:noFill/>
+          </a:ln>
+        </p:spPr>
+      </p:sp>
+      <p:sp>
+        <p:nvSpPr>
+          <p:cNvPr id="116" name="PlaceHolder 2"/>
+          <p:cNvSpPr>
+            <a:spLocks noGrp="1"/>
+          </p:cNvSpPr>
+          <p:nvPr>
+            <p:ph type="body"/>
+          </p:nvPr>
+        </p:nvSpPr>
+        <p:spPr>
+          <a:xfrm>
+            <a:off x="755640" y="5078520"/>
+            <a:ext cx="6046920" cy="4810320"/>
+          </a:xfrm>
+          <a:prstGeom prst="rect">
+            <a:avLst/>
+          </a:prstGeom>
+          <a:noFill/>
+          <a:ln w="0">
+            <a:noFill/>
+          </a:ln>
+        </p:spPr>
+        <p:txBody>
+          <a:bodyPr lIns="0" rIns="0" tIns="0" bIns="0" anchor="t">
+            <a:noAutofit/>
+          </a:bodyPr>
+          <a:p>
+            <a:pPr marL="216000" indent="-216000">
+              <a:lnSpc>
+                <a:spcPct val="100000"/>
+              </a:lnSpc>
+              <a:buNone/>
+            </a:pPr>
+            <a:r>
+              <a:rPr b="0" lang="en-IE" sz="2000" spc="-1" strike="noStrike">
+                <a:latin typeface="Arial"/>
+              </a:rPr>
+              <a:t>W3schools: html, css, javascript, bootstrap</a:t>
+            </a:r>
+            <a:endParaRPr b="0" lang="en-IE" sz="2000" spc="-1" strike="noStrike">
+              <a:latin typeface="Arial"/>
+            </a:endParaRPr>
+          </a:p>
+          <a:p>
+            <a:pPr marL="216000" indent="-216000">
+              <a:lnSpc>
+                <a:spcPct val="100000"/>
+              </a:lnSpc>
+              <a:buNone/>
+            </a:pPr>
+            <a:r>
+              <a:rPr b="0" lang="en-IE" sz="2000" spc="-1" strike="noStrike">
+                <a:latin typeface="Arial"/>
+              </a:rPr>
+              <a:t>https://getbootstrap.com</a:t>
+            </a:r>
             <a:endParaRPr b="0" lang="en-IE" sz="2000" spc="-1" strike="noStrike">
               <a:latin typeface="Arial"/>
             </a:endParaRPr>
@@ -429,7 +795,7 @@
             <a:spLocks noGrp="1"/>
           </p:cNvSpPr>
           <p:nvPr>
-            <p:ph type="ftr" idx="2"/>
+            <p:ph type="ftr" idx="1"/>
           </p:nvPr>
         </p:nvSpPr>
         <p:spPr/>
@@ -449,14 +815,14 @@
             <a:spLocks noGrp="1"/>
           </p:cNvSpPr>
           <p:nvPr>
-            <p:ph type="sldNum" idx="3"/>
+            <p:ph type="sldNum" idx="2"/>
           </p:nvPr>
         </p:nvSpPr>
         <p:spPr/>
         <p:txBody>
           <a:bodyPr/>
           <a:p>
-            <a:fld id="{BDF124AA-8414-429D-B461-1D592A54DADA}" type="slidenum">
+            <a:fld id="{91ECD86B-D60B-4570-9FF4-12B090CB449F}" type="slidenum">
               <a:t>&lt;#&gt;</a:t>
             </a:fld>
           </a:p>
@@ -469,7 +835,7 @@
             <a:spLocks noGrp="1"/>
           </p:cNvSpPr>
           <p:nvPr>
-            <p:ph type="dt" idx="1"/>
+            <p:ph type="dt" idx="3"/>
           </p:nvPr>
         </p:nvSpPr>
         <p:spPr/>
@@ -517,8 +883,8 @@
         </p:nvSpPr>
         <p:spPr>
           <a:xfrm>
-            <a:off x="1069920" y="484560"/>
-            <a:ext cx="10058040" cy="1608840"/>
+            <a:off x="609480" y="273600"/>
+            <a:ext cx="10972440" cy="1144800"/>
           </a:xfrm>
           <a:prstGeom prst="rect">
             <a:avLst/>
@@ -533,11 +899,11 @@
             <a:noAutofit/>
           </a:bodyPr>
           <a:p>
-            <a:endParaRPr b="0" lang="en-US" sz="1800" spc="-1" strike="noStrike">
-              <a:solidFill>
-                <a:srgbClr val="000000"/>
-              </a:solidFill>
-              <a:latin typeface="Rockwell"/>
+            <a:pPr algn="ctr">
+              <a:buNone/>
+            </a:pPr>
+            <a:endParaRPr b="0" lang="en-IE" sz="4400" spc="-1" strike="noStrike">
+              <a:latin typeface="Arial"/>
             </a:endParaRPr>
           </a:p>
         </p:txBody>
@@ -554,8 +920,8 @@
         </p:nvSpPr>
         <p:spPr>
           <a:xfrm>
-            <a:off x="1069920" y="2121480"/>
-            <a:ext cx="10058040" cy="1931760"/>
+            <a:off x="609480" y="1604520"/>
+            <a:ext cx="10972440" cy="1896840"/>
           </a:xfrm>
           <a:prstGeom prst="rect">
             <a:avLst/>
@@ -570,20 +936,8 @@
             <a:normAutofit/>
           </a:bodyPr>
           <a:p>
-            <a:pPr>
-              <a:lnSpc>
-                <a:spcPct val="90000"/>
-              </a:lnSpc>
-              <a:spcBef>
-                <a:spcPts val="1417"/>
-              </a:spcBef>
-              <a:buNone/>
-            </a:pPr>
-            <a:endParaRPr b="0" lang="en-US" sz="2000" spc="-1" strike="noStrike">
-              <a:solidFill>
-                <a:srgbClr val="000000"/>
-              </a:solidFill>
-              <a:latin typeface="Rockwell"/>
+            <a:endParaRPr b="0" lang="en-IE" sz="3200" spc="-1" strike="noStrike">
+              <a:latin typeface="Arial"/>
             </a:endParaRPr>
           </a:p>
         </p:txBody>
@@ -600,8 +954,8 @@
         </p:nvSpPr>
         <p:spPr>
           <a:xfrm>
-            <a:off x="1069920" y="4237200"/>
-            <a:ext cx="10058040" cy="1931760"/>
+            <a:off x="609480" y="3682080"/>
+            <a:ext cx="10972440" cy="1896840"/>
           </a:xfrm>
           <a:prstGeom prst="rect">
             <a:avLst/>
@@ -616,20 +970,8 @@
             <a:normAutofit/>
           </a:bodyPr>
           <a:p>
-            <a:pPr>
-              <a:lnSpc>
-                <a:spcPct val="90000"/>
-              </a:lnSpc>
-              <a:spcBef>
-                <a:spcPts val="1417"/>
-              </a:spcBef>
-              <a:buNone/>
-            </a:pPr>
-            <a:endParaRPr b="0" lang="en-US" sz="2000" spc="-1" strike="noStrike">
-              <a:solidFill>
-                <a:srgbClr val="000000"/>
-              </a:solidFill>
-              <a:latin typeface="Rockwell"/>
+            <a:endParaRPr b="0" lang="en-IE" sz="3200" spc="-1" strike="noStrike">
+              <a:latin typeface="Arial"/>
             </a:endParaRPr>
           </a:p>
         </p:txBody>
@@ -641,7 +983,7 @@
             <a:spLocks noGrp="1"/>
           </p:cNvSpPr>
           <p:nvPr>
-            <p:ph type="ftr" idx="2"/>
+            <p:ph type="ftr" idx="1"/>
           </p:nvPr>
         </p:nvSpPr>
         <p:spPr/>
@@ -661,14 +1003,14 @@
             <a:spLocks noGrp="1"/>
           </p:cNvSpPr>
           <p:nvPr>
-            <p:ph type="sldNum" idx="3"/>
+            <p:ph type="sldNum" idx="2"/>
           </p:nvPr>
         </p:nvSpPr>
         <p:spPr/>
         <p:txBody>
           <a:bodyPr/>
           <a:p>
-            <a:fld id="{D4E408F6-80C6-4BDC-A033-36497A80ADD1}" type="slidenum">
+            <a:fld id="{020255E7-7A17-4038-84CA-ADC4A6AA7262}" type="slidenum">
               <a:t>&lt;#&gt;</a:t>
             </a:fld>
           </a:p>
@@ -681,7 +1023,7 @@
             <a:spLocks noGrp="1"/>
           </p:cNvSpPr>
           <p:nvPr>
-            <p:ph type="dt" idx="1"/>
+            <p:ph type="dt" idx="3"/>
           </p:nvPr>
         </p:nvSpPr>
         <p:spPr/>
@@ -729,8 +1071,8 @@
         </p:nvSpPr>
         <p:spPr>
           <a:xfrm>
-            <a:off x="1069920" y="484560"/>
-            <a:ext cx="10058040" cy="1608840"/>
+            <a:off x="609480" y="273600"/>
+            <a:ext cx="10972440" cy="1144800"/>
           </a:xfrm>
           <a:prstGeom prst="rect">
             <a:avLst/>
@@ -745,11 +1087,11 @@
             <a:noAutofit/>
           </a:bodyPr>
           <a:p>
-            <a:endParaRPr b="0" lang="en-US" sz="1800" spc="-1" strike="noStrike">
-              <a:solidFill>
-                <a:srgbClr val="000000"/>
-              </a:solidFill>
-              <a:latin typeface="Rockwell"/>
+            <a:pPr algn="ctr">
+              <a:buNone/>
+            </a:pPr>
+            <a:endParaRPr b="0" lang="en-IE" sz="4400" spc="-1" strike="noStrike">
+              <a:latin typeface="Arial"/>
             </a:endParaRPr>
           </a:p>
         </p:txBody>
@@ -766,8 +1108,8 @@
         </p:nvSpPr>
         <p:spPr>
           <a:xfrm>
-            <a:off x="1069920" y="2121480"/>
-            <a:ext cx="4908240" cy="1931760"/>
+            <a:off x="609480" y="1604520"/>
+            <a:ext cx="5354280" cy="1896840"/>
           </a:xfrm>
           <a:prstGeom prst="rect">
             <a:avLst/>
@@ -782,20 +1124,8 @@
             <a:normAutofit/>
           </a:bodyPr>
           <a:p>
-            <a:pPr>
-              <a:lnSpc>
-                <a:spcPct val="90000"/>
-              </a:lnSpc>
-              <a:spcBef>
-                <a:spcPts val="1417"/>
-              </a:spcBef>
-              <a:buNone/>
-            </a:pPr>
-            <a:endParaRPr b="0" lang="en-US" sz="2000" spc="-1" strike="noStrike">
-              <a:solidFill>
-                <a:srgbClr val="000000"/>
-              </a:solidFill>
-              <a:latin typeface="Rockwell"/>
+            <a:endParaRPr b="0" lang="en-IE" sz="3200" spc="-1" strike="noStrike">
+              <a:latin typeface="Arial"/>
             </a:endParaRPr>
           </a:p>
         </p:txBody>
@@ -812,8 +1142,8 @@
         </p:nvSpPr>
         <p:spPr>
           <a:xfrm>
-            <a:off x="6224040" y="2121480"/>
-            <a:ext cx="4908240" cy="1931760"/>
+            <a:off x="6231960" y="1604520"/>
+            <a:ext cx="5354280" cy="1896840"/>
           </a:xfrm>
           <a:prstGeom prst="rect">
             <a:avLst/>
@@ -828,20 +1158,8 @@
             <a:normAutofit/>
           </a:bodyPr>
           <a:p>
-            <a:pPr>
-              <a:lnSpc>
-                <a:spcPct val="90000"/>
-              </a:lnSpc>
-              <a:spcBef>
-                <a:spcPts val="1417"/>
-              </a:spcBef>
-              <a:buNone/>
-            </a:pPr>
-            <a:endParaRPr b="0" lang="en-US" sz="2000" spc="-1" strike="noStrike">
-              <a:solidFill>
-                <a:srgbClr val="000000"/>
-              </a:solidFill>
-              <a:latin typeface="Rockwell"/>
+            <a:endParaRPr b="0" lang="en-IE" sz="3200" spc="-1" strike="noStrike">
+              <a:latin typeface="Arial"/>
             </a:endParaRPr>
           </a:p>
         </p:txBody>
@@ -858,8 +1176,8 @@
         </p:nvSpPr>
         <p:spPr>
           <a:xfrm>
-            <a:off x="1069920" y="4237200"/>
-            <a:ext cx="4908240" cy="1931760"/>
+            <a:off x="609480" y="3682080"/>
+            <a:ext cx="5354280" cy="1896840"/>
           </a:xfrm>
           <a:prstGeom prst="rect">
             <a:avLst/>
@@ -874,20 +1192,8 @@
             <a:normAutofit/>
           </a:bodyPr>
           <a:p>
-            <a:pPr>
-              <a:lnSpc>
-                <a:spcPct val="90000"/>
-              </a:lnSpc>
-              <a:spcBef>
-                <a:spcPts val="1417"/>
-              </a:spcBef>
-              <a:buNone/>
-            </a:pPr>
-            <a:endParaRPr b="0" lang="en-US" sz="2000" spc="-1" strike="noStrike">
-              <a:solidFill>
-                <a:srgbClr val="000000"/>
-              </a:solidFill>
-              <a:latin typeface="Rockwell"/>
+            <a:endParaRPr b="0" lang="en-IE" sz="3200" spc="-1" strike="noStrike">
+              <a:latin typeface="Arial"/>
             </a:endParaRPr>
           </a:p>
         </p:txBody>
@@ -904,8 +1210,8 @@
         </p:nvSpPr>
         <p:spPr>
           <a:xfrm>
-            <a:off x="6224040" y="4237200"/>
-            <a:ext cx="4908240" cy="1931760"/>
+            <a:off x="6231960" y="3682080"/>
+            <a:ext cx="5354280" cy="1896840"/>
           </a:xfrm>
           <a:prstGeom prst="rect">
             <a:avLst/>
@@ -920,20 +1226,8 @@
             <a:normAutofit/>
           </a:bodyPr>
           <a:p>
-            <a:pPr>
-              <a:lnSpc>
-                <a:spcPct val="90000"/>
-              </a:lnSpc>
-              <a:spcBef>
-                <a:spcPts val="1417"/>
-              </a:spcBef>
-              <a:buNone/>
-            </a:pPr>
-            <a:endParaRPr b="0" lang="en-US" sz="2000" spc="-1" strike="noStrike">
-              <a:solidFill>
-                <a:srgbClr val="000000"/>
-              </a:solidFill>
-              <a:latin typeface="Rockwell"/>
+            <a:endParaRPr b="0" lang="en-IE" sz="3200" spc="-1" strike="noStrike">
+              <a:latin typeface="Arial"/>
             </a:endParaRPr>
           </a:p>
         </p:txBody>
@@ -945,7 +1239,7 @@
             <a:spLocks noGrp="1"/>
           </p:cNvSpPr>
           <p:nvPr>
-            <p:ph type="ftr" idx="2"/>
+            <p:ph type="ftr" idx="1"/>
           </p:nvPr>
         </p:nvSpPr>
         <p:spPr/>
@@ -965,14 +1259,14 @@
             <a:spLocks noGrp="1"/>
           </p:cNvSpPr>
           <p:nvPr>
-            <p:ph type="sldNum" idx="3"/>
+            <p:ph type="sldNum" idx="2"/>
           </p:nvPr>
         </p:nvSpPr>
         <p:spPr/>
         <p:txBody>
           <a:bodyPr/>
           <a:p>
-            <a:fld id="{71B6EBFE-BD9A-4BF6-95CD-C20C185D9F74}" type="slidenum">
+            <a:fld id="{E314F57E-EDC1-4181-BD6D-710E838A95C2}" type="slidenum">
               <a:t>&lt;#&gt;</a:t>
             </a:fld>
           </a:p>
@@ -985,7 +1279,7 @@
             <a:spLocks noGrp="1"/>
           </p:cNvSpPr>
           <p:nvPr>
-            <p:ph type="dt" idx="1"/>
+            <p:ph type="dt" idx="3"/>
           </p:nvPr>
         </p:nvSpPr>
         <p:spPr/>
@@ -1033,8 +1327,8 @@
         </p:nvSpPr>
         <p:spPr>
           <a:xfrm>
-            <a:off x="1069920" y="484560"/>
-            <a:ext cx="10058040" cy="1608840"/>
+            <a:off x="609480" y="273600"/>
+            <a:ext cx="10972440" cy="1144800"/>
           </a:xfrm>
           <a:prstGeom prst="rect">
             <a:avLst/>
@@ -1049,11 +1343,11 @@
             <a:noAutofit/>
           </a:bodyPr>
           <a:p>
-            <a:endParaRPr b="0" lang="en-US" sz="1800" spc="-1" strike="noStrike">
-              <a:solidFill>
-                <a:srgbClr val="000000"/>
-              </a:solidFill>
-              <a:latin typeface="Rockwell"/>
+            <a:pPr algn="ctr">
+              <a:buNone/>
+            </a:pPr>
+            <a:endParaRPr b="0" lang="en-IE" sz="4400" spc="-1" strike="noStrike">
+              <a:latin typeface="Arial"/>
             </a:endParaRPr>
           </a:p>
         </p:txBody>
@@ -1070,8 +1364,8 @@
         </p:nvSpPr>
         <p:spPr>
           <a:xfrm>
-            <a:off x="1069920" y="2121480"/>
-            <a:ext cx="3238560" cy="1931760"/>
+            <a:off x="609480" y="1604520"/>
+            <a:ext cx="3533040" cy="1896840"/>
           </a:xfrm>
           <a:prstGeom prst="rect">
             <a:avLst/>
@@ -1086,20 +1380,8 @@
             <a:normAutofit/>
           </a:bodyPr>
           <a:p>
-            <a:pPr>
-              <a:lnSpc>
-                <a:spcPct val="90000"/>
-              </a:lnSpc>
-              <a:spcBef>
-                <a:spcPts val="1417"/>
-              </a:spcBef>
-              <a:buNone/>
-            </a:pPr>
-            <a:endParaRPr b="0" lang="en-US" sz="2000" spc="-1" strike="noStrike">
-              <a:solidFill>
-                <a:srgbClr val="000000"/>
-              </a:solidFill>
-              <a:latin typeface="Rockwell"/>
+            <a:endParaRPr b="0" lang="en-IE" sz="3200" spc="-1" strike="noStrike">
+              <a:latin typeface="Arial"/>
             </a:endParaRPr>
           </a:p>
         </p:txBody>
@@ -1116,8 +1398,8 @@
         </p:nvSpPr>
         <p:spPr>
           <a:xfrm>
-            <a:off x="4470840" y="2121480"/>
-            <a:ext cx="3238560" cy="1931760"/>
+            <a:off x="4319640" y="1604520"/>
+            <a:ext cx="3533040" cy="1896840"/>
           </a:xfrm>
           <a:prstGeom prst="rect">
             <a:avLst/>
@@ -1132,20 +1414,8 @@
             <a:normAutofit/>
           </a:bodyPr>
           <a:p>
-            <a:pPr>
-              <a:lnSpc>
-                <a:spcPct val="90000"/>
-              </a:lnSpc>
-              <a:spcBef>
-                <a:spcPts val="1417"/>
-              </a:spcBef>
-              <a:buNone/>
-            </a:pPr>
-            <a:endParaRPr b="0" lang="en-US" sz="2000" spc="-1" strike="noStrike">
-              <a:solidFill>
-                <a:srgbClr val="000000"/>
-              </a:solidFill>
-              <a:latin typeface="Rockwell"/>
+            <a:endParaRPr b="0" lang="en-IE" sz="3200" spc="-1" strike="noStrike">
+              <a:latin typeface="Arial"/>
             </a:endParaRPr>
           </a:p>
         </p:txBody>
@@ -1162,8 +1432,8 @@
         </p:nvSpPr>
         <p:spPr>
           <a:xfrm>
-            <a:off x="7871760" y="2121480"/>
-            <a:ext cx="3238560" cy="1931760"/>
+            <a:off x="8029800" y="1604520"/>
+            <a:ext cx="3533040" cy="1896840"/>
           </a:xfrm>
           <a:prstGeom prst="rect">
             <a:avLst/>
@@ -1178,20 +1448,8 @@
             <a:normAutofit/>
           </a:bodyPr>
           <a:p>
-            <a:pPr>
-              <a:lnSpc>
-                <a:spcPct val="90000"/>
-              </a:lnSpc>
-              <a:spcBef>
-                <a:spcPts val="1417"/>
-              </a:spcBef>
-              <a:buNone/>
-            </a:pPr>
-            <a:endParaRPr b="0" lang="en-US" sz="2000" spc="-1" strike="noStrike">
-              <a:solidFill>
-                <a:srgbClr val="000000"/>
-              </a:solidFill>
-              <a:latin typeface="Rockwell"/>
+            <a:endParaRPr b="0" lang="en-IE" sz="3200" spc="-1" strike="noStrike">
+              <a:latin typeface="Arial"/>
             </a:endParaRPr>
           </a:p>
         </p:txBody>
@@ -1208,8 +1466,8 @@
         </p:nvSpPr>
         <p:spPr>
           <a:xfrm>
-            <a:off x="1069920" y="4237200"/>
-            <a:ext cx="3238560" cy="1931760"/>
+            <a:off x="609480" y="3682080"/>
+            <a:ext cx="3533040" cy="1896840"/>
           </a:xfrm>
           <a:prstGeom prst="rect">
             <a:avLst/>
@@ -1224,20 +1482,8 @@
             <a:normAutofit/>
           </a:bodyPr>
           <a:p>
-            <a:pPr>
-              <a:lnSpc>
-                <a:spcPct val="90000"/>
-              </a:lnSpc>
-              <a:spcBef>
-                <a:spcPts val="1417"/>
-              </a:spcBef>
-              <a:buNone/>
-            </a:pPr>
-            <a:endParaRPr b="0" lang="en-US" sz="2000" spc="-1" strike="noStrike">
-              <a:solidFill>
-                <a:srgbClr val="000000"/>
-              </a:solidFill>
-              <a:latin typeface="Rockwell"/>
+            <a:endParaRPr b="0" lang="en-IE" sz="3200" spc="-1" strike="noStrike">
+              <a:latin typeface="Arial"/>
             </a:endParaRPr>
           </a:p>
         </p:txBody>
@@ -1254,8 +1500,8 @@
         </p:nvSpPr>
         <p:spPr>
           <a:xfrm>
-            <a:off x="4470840" y="4237200"/>
-            <a:ext cx="3238560" cy="1931760"/>
+            <a:off x="4319640" y="3682080"/>
+            <a:ext cx="3533040" cy="1896840"/>
           </a:xfrm>
           <a:prstGeom prst="rect">
             <a:avLst/>
@@ -1270,20 +1516,8 @@
             <a:normAutofit/>
           </a:bodyPr>
           <a:p>
-            <a:pPr>
-              <a:lnSpc>
-                <a:spcPct val="90000"/>
-              </a:lnSpc>
-              <a:spcBef>
-                <a:spcPts val="1417"/>
-              </a:spcBef>
-              <a:buNone/>
-            </a:pPr>
-            <a:endParaRPr b="0" lang="en-US" sz="2000" spc="-1" strike="noStrike">
-              <a:solidFill>
-                <a:srgbClr val="000000"/>
-              </a:solidFill>
-              <a:latin typeface="Rockwell"/>
+            <a:endParaRPr b="0" lang="en-IE" sz="3200" spc="-1" strike="noStrike">
+              <a:latin typeface="Arial"/>
             </a:endParaRPr>
           </a:p>
         </p:txBody>
@@ -1300,8 +1534,8 @@
         </p:nvSpPr>
         <p:spPr>
           <a:xfrm>
-            <a:off x="7871760" y="4237200"/>
-            <a:ext cx="3238560" cy="1931760"/>
+            <a:off x="8029800" y="3682080"/>
+            <a:ext cx="3533040" cy="1896840"/>
           </a:xfrm>
           <a:prstGeom prst="rect">
             <a:avLst/>
@@ -1316,20 +1550,8 @@
             <a:normAutofit/>
           </a:bodyPr>
           <a:p>
-            <a:pPr>
-              <a:lnSpc>
-                <a:spcPct val="90000"/>
-              </a:lnSpc>
-              <a:spcBef>
-                <a:spcPts val="1417"/>
-              </a:spcBef>
-              <a:buNone/>
-            </a:pPr>
-            <a:endParaRPr b="0" lang="en-US" sz="2000" spc="-1" strike="noStrike">
-              <a:solidFill>
-                <a:srgbClr val="000000"/>
-              </a:solidFill>
-              <a:latin typeface="Rockwell"/>
+            <a:endParaRPr b="0" lang="en-IE" sz="3200" spc="-1" strike="noStrike">
+              <a:latin typeface="Arial"/>
             </a:endParaRPr>
           </a:p>
         </p:txBody>
@@ -1341,7 +1563,7 @@
             <a:spLocks noGrp="1"/>
           </p:cNvSpPr>
           <p:nvPr>
-            <p:ph type="ftr" idx="2"/>
+            <p:ph type="ftr" idx="1"/>
           </p:nvPr>
         </p:nvSpPr>
         <p:spPr/>
@@ -1361,14 +1583,14 @@
             <a:spLocks noGrp="1"/>
           </p:cNvSpPr>
           <p:nvPr>
-            <p:ph type="sldNum" idx="3"/>
+            <p:ph type="sldNum" idx="2"/>
           </p:nvPr>
         </p:nvSpPr>
         <p:spPr/>
         <p:txBody>
           <a:bodyPr/>
           <a:p>
-            <a:fld id="{D667BACC-2B6D-4E02-935A-A9702187B51E}" type="slidenum">
+            <a:fld id="{B853BA2A-3A88-47D8-9805-6D43578494A6}" type="slidenum">
               <a:t>&lt;#&gt;</a:t>
             </a:fld>
           </a:p>
@@ -1381,7 +1603,7 @@
             <a:spLocks noGrp="1"/>
           </p:cNvSpPr>
           <p:nvPr>
-            <p:ph type="dt" idx="1"/>
+            <p:ph type="dt" idx="3"/>
           </p:nvPr>
         </p:nvSpPr>
         <p:spPr/>
@@ -1424,7 +1646,7 @@
             <a:spLocks noGrp="1"/>
           </p:cNvSpPr>
           <p:nvPr>
-            <p:ph type="ftr" idx="5"/>
+            <p:ph type="ftr" idx="4"/>
           </p:nvPr>
         </p:nvSpPr>
         <p:spPr/>
@@ -1444,14 +1666,14 @@
             <a:spLocks noGrp="1"/>
           </p:cNvSpPr>
           <p:nvPr>
-            <p:ph type="sldNum" idx="6"/>
+            <p:ph type="sldNum" idx="5"/>
           </p:nvPr>
         </p:nvSpPr>
         <p:spPr/>
         <p:txBody>
           <a:bodyPr/>
           <a:p>
-            <a:fld id="{B787602C-4C47-449D-A3E1-54D9BAB8D7CD}" type="slidenum">
+            <a:fld id="{E0B2B2EE-24B3-4225-B954-52951EB3DF6E}" type="slidenum">
               <a:t>&lt;#&gt;</a:t>
             </a:fld>
           </a:p>
@@ -1464,7 +1686,7 @@
             <a:spLocks noGrp="1"/>
           </p:cNvSpPr>
           <p:nvPr>
-            <p:ph type="dt" idx="4"/>
+            <p:ph type="dt" idx="6"/>
           </p:nvPr>
         </p:nvSpPr>
         <p:spPr/>
@@ -1512,8 +1734,8 @@
         </p:nvSpPr>
         <p:spPr>
           <a:xfrm>
-            <a:off x="1069920" y="484560"/>
-            <a:ext cx="10058040" cy="1608840"/>
+            <a:off x="609480" y="273600"/>
+            <a:ext cx="10972440" cy="1144800"/>
           </a:xfrm>
           <a:prstGeom prst="rect">
             <a:avLst/>
@@ -1528,11 +1750,11 @@
             <a:noAutofit/>
           </a:bodyPr>
           <a:p>
-            <a:endParaRPr b="0" lang="en-US" sz="1800" spc="-1" strike="noStrike">
-              <a:solidFill>
-                <a:srgbClr val="000000"/>
-              </a:solidFill>
-              <a:latin typeface="Rockwell"/>
+            <a:pPr algn="ctr">
+              <a:buNone/>
+            </a:pPr>
+            <a:endParaRPr b="0" lang="en-IE" sz="4400" spc="-1" strike="noStrike">
+              <a:latin typeface="Arial"/>
             </a:endParaRPr>
           </a:p>
         </p:txBody>
@@ -1549,8 +1771,8 @@
         </p:nvSpPr>
         <p:spPr>
           <a:xfrm>
-            <a:off x="1069920" y="2121480"/>
-            <a:ext cx="10058040" cy="4050360"/>
+            <a:off x="609480" y="1604520"/>
+            <a:ext cx="10972440" cy="3977280"/>
           </a:xfrm>
           <a:prstGeom prst="rect">
             <a:avLst/>
@@ -1581,7 +1803,7 @@
             <a:spLocks noGrp="1"/>
           </p:cNvSpPr>
           <p:nvPr>
-            <p:ph type="ftr" idx="5"/>
+            <p:ph type="ftr" idx="4"/>
           </p:nvPr>
         </p:nvSpPr>
         <p:spPr/>
@@ -1601,14 +1823,14 @@
             <a:spLocks noGrp="1"/>
           </p:cNvSpPr>
           <p:nvPr>
-            <p:ph type="sldNum" idx="6"/>
+            <p:ph type="sldNum" idx="5"/>
           </p:nvPr>
         </p:nvSpPr>
         <p:spPr/>
         <p:txBody>
           <a:bodyPr/>
           <a:p>
-            <a:fld id="{F4F87E3F-B3B7-46EB-9CBA-B87E037D902C}" type="slidenum">
+            <a:fld id="{0638C358-BF71-4ED1-B835-936C2AD026C0}" type="slidenum">
               <a:t>&lt;#&gt;</a:t>
             </a:fld>
           </a:p>
@@ -1621,7 +1843,7 @@
             <a:spLocks noGrp="1"/>
           </p:cNvSpPr>
           <p:nvPr>
-            <p:ph type="dt" idx="4"/>
+            <p:ph type="dt" idx="6"/>
           </p:nvPr>
         </p:nvSpPr>
         <p:spPr/>
@@ -1669,8 +1891,8 @@
         </p:nvSpPr>
         <p:spPr>
           <a:xfrm>
-            <a:off x="1069920" y="484560"/>
-            <a:ext cx="10058040" cy="1608840"/>
+            <a:off x="609480" y="273600"/>
+            <a:ext cx="10972440" cy="1144800"/>
           </a:xfrm>
           <a:prstGeom prst="rect">
             <a:avLst/>
@@ -1685,11 +1907,11 @@
             <a:noAutofit/>
           </a:bodyPr>
           <a:p>
-            <a:endParaRPr b="0" lang="en-US" sz="1800" spc="-1" strike="noStrike">
-              <a:solidFill>
-                <a:srgbClr val="000000"/>
-              </a:solidFill>
-              <a:latin typeface="Rockwell"/>
+            <a:pPr algn="ctr">
+              <a:buNone/>
+            </a:pPr>
+            <a:endParaRPr b="0" lang="en-IE" sz="4400" spc="-1" strike="noStrike">
+              <a:latin typeface="Arial"/>
             </a:endParaRPr>
           </a:p>
         </p:txBody>
@@ -1706,8 +1928,8 @@
         </p:nvSpPr>
         <p:spPr>
           <a:xfrm>
-            <a:off x="1069920" y="2121480"/>
-            <a:ext cx="10058040" cy="4050360"/>
+            <a:off x="609480" y="1604520"/>
+            <a:ext cx="10972440" cy="3977280"/>
           </a:xfrm>
           <a:prstGeom prst="rect">
             <a:avLst/>
@@ -1722,20 +1944,8 @@
             <a:normAutofit/>
           </a:bodyPr>
           <a:p>
-            <a:pPr>
-              <a:lnSpc>
-                <a:spcPct val="90000"/>
-              </a:lnSpc>
-              <a:spcBef>
-                <a:spcPts val="1417"/>
-              </a:spcBef>
-              <a:buNone/>
-            </a:pPr>
-            <a:endParaRPr b="0" lang="en-US" sz="2000" spc="-1" strike="noStrike">
-              <a:solidFill>
-                <a:srgbClr val="000000"/>
-              </a:solidFill>
-              <a:latin typeface="Rockwell"/>
+            <a:endParaRPr b="0" lang="en-IE" sz="3200" spc="-1" strike="noStrike">
+              <a:latin typeface="Arial"/>
             </a:endParaRPr>
           </a:p>
         </p:txBody>
@@ -1747,7 +1957,7 @@
             <a:spLocks noGrp="1"/>
           </p:cNvSpPr>
           <p:nvPr>
-            <p:ph type="ftr" idx="5"/>
+            <p:ph type="ftr" idx="4"/>
           </p:nvPr>
         </p:nvSpPr>
         <p:spPr/>
@@ -1767,14 +1977,14 @@
             <a:spLocks noGrp="1"/>
           </p:cNvSpPr>
           <p:nvPr>
-            <p:ph type="sldNum" idx="6"/>
+            <p:ph type="sldNum" idx="5"/>
           </p:nvPr>
         </p:nvSpPr>
         <p:spPr/>
         <p:txBody>
           <a:bodyPr/>
           <a:p>
-            <a:fld id="{D210B847-BE96-4C7F-AC80-9A08B54E11A0}" type="slidenum">
+            <a:fld id="{4F7D9350-7750-4AEA-933A-26368BB55196}" type="slidenum">
               <a:t>&lt;#&gt;</a:t>
             </a:fld>
           </a:p>
@@ -1787,7 +1997,7 @@
             <a:spLocks noGrp="1"/>
           </p:cNvSpPr>
           <p:nvPr>
-            <p:ph type="dt" idx="4"/>
+            <p:ph type="dt" idx="6"/>
           </p:nvPr>
         </p:nvSpPr>
         <p:spPr/>
@@ -1835,8 +2045,8 @@
         </p:nvSpPr>
         <p:spPr>
           <a:xfrm>
-            <a:off x="1069920" y="484560"/>
-            <a:ext cx="10058040" cy="1608840"/>
+            <a:off x="609480" y="273600"/>
+            <a:ext cx="10972440" cy="1144800"/>
           </a:xfrm>
           <a:prstGeom prst="rect">
             <a:avLst/>
@@ -1851,11 +2061,11 @@
             <a:noAutofit/>
           </a:bodyPr>
           <a:p>
-            <a:endParaRPr b="0" lang="en-US" sz="1800" spc="-1" strike="noStrike">
-              <a:solidFill>
-                <a:srgbClr val="000000"/>
-              </a:solidFill>
-              <a:latin typeface="Rockwell"/>
+            <a:pPr algn="ctr">
+              <a:buNone/>
+            </a:pPr>
+            <a:endParaRPr b="0" lang="en-IE" sz="4400" spc="-1" strike="noStrike">
+              <a:latin typeface="Arial"/>
             </a:endParaRPr>
           </a:p>
         </p:txBody>
@@ -1872,8 +2082,8 @@
         </p:nvSpPr>
         <p:spPr>
           <a:xfrm>
-            <a:off x="1069920" y="2121480"/>
-            <a:ext cx="4908240" cy="4050360"/>
+            <a:off x="609480" y="1604520"/>
+            <a:ext cx="5354280" cy="3977280"/>
           </a:xfrm>
           <a:prstGeom prst="rect">
             <a:avLst/>
@@ -1888,20 +2098,8 @@
             <a:normAutofit/>
           </a:bodyPr>
           <a:p>
-            <a:pPr>
-              <a:lnSpc>
-                <a:spcPct val="90000"/>
-              </a:lnSpc>
-              <a:spcBef>
-                <a:spcPts val="1417"/>
-              </a:spcBef>
-              <a:buNone/>
-            </a:pPr>
-            <a:endParaRPr b="0" lang="en-US" sz="2000" spc="-1" strike="noStrike">
-              <a:solidFill>
-                <a:srgbClr val="000000"/>
-              </a:solidFill>
-              <a:latin typeface="Rockwell"/>
+            <a:endParaRPr b="0" lang="en-IE" sz="3200" spc="-1" strike="noStrike">
+              <a:latin typeface="Arial"/>
             </a:endParaRPr>
           </a:p>
         </p:txBody>
@@ -1918,8 +2116,8 @@
         </p:nvSpPr>
         <p:spPr>
           <a:xfrm>
-            <a:off x="6224040" y="2121480"/>
-            <a:ext cx="4908240" cy="4050360"/>
+            <a:off x="6231960" y="1604520"/>
+            <a:ext cx="5354280" cy="3977280"/>
           </a:xfrm>
           <a:prstGeom prst="rect">
             <a:avLst/>
@@ -1934,20 +2132,8 @@
             <a:normAutofit/>
           </a:bodyPr>
           <a:p>
-            <a:pPr>
-              <a:lnSpc>
-                <a:spcPct val="90000"/>
-              </a:lnSpc>
-              <a:spcBef>
-                <a:spcPts val="1417"/>
-              </a:spcBef>
-              <a:buNone/>
-            </a:pPr>
-            <a:endParaRPr b="0" lang="en-US" sz="2000" spc="-1" strike="noStrike">
-              <a:solidFill>
-                <a:srgbClr val="000000"/>
-              </a:solidFill>
-              <a:latin typeface="Rockwell"/>
+            <a:endParaRPr b="0" lang="en-IE" sz="3200" spc="-1" strike="noStrike">
+              <a:latin typeface="Arial"/>
             </a:endParaRPr>
           </a:p>
         </p:txBody>
@@ -1959,7 +2145,7 @@
             <a:spLocks noGrp="1"/>
           </p:cNvSpPr>
           <p:nvPr>
-            <p:ph type="ftr" idx="5"/>
+            <p:ph type="ftr" idx="4"/>
           </p:nvPr>
         </p:nvSpPr>
         <p:spPr/>
@@ -1979,14 +2165,14 @@
             <a:spLocks noGrp="1"/>
           </p:cNvSpPr>
           <p:nvPr>
-            <p:ph type="sldNum" idx="6"/>
+            <p:ph type="sldNum" idx="5"/>
           </p:nvPr>
         </p:nvSpPr>
         <p:spPr/>
         <p:txBody>
           <a:bodyPr/>
           <a:p>
-            <a:fld id="{C17E85F2-4987-4AB0-AA20-6ABE8D4B3C5B}" type="slidenum">
+            <a:fld id="{1DC1031A-55DD-4734-90CA-1EB41D2523B8}" type="slidenum">
               <a:t>&lt;#&gt;</a:t>
             </a:fld>
           </a:p>
@@ -1999,7 +2185,7 @@
             <a:spLocks noGrp="1"/>
           </p:cNvSpPr>
           <p:nvPr>
-            <p:ph type="dt" idx="4"/>
+            <p:ph type="dt" idx="6"/>
           </p:nvPr>
         </p:nvSpPr>
         <p:spPr/>
@@ -2047,8 +2233,8 @@
         </p:nvSpPr>
         <p:spPr>
           <a:xfrm>
-            <a:off x="1069920" y="484560"/>
-            <a:ext cx="10058040" cy="1608840"/>
+            <a:off x="609480" y="273600"/>
+            <a:ext cx="10972440" cy="1144800"/>
           </a:xfrm>
           <a:prstGeom prst="rect">
             <a:avLst/>
@@ -2063,11 +2249,11 @@
             <a:noAutofit/>
           </a:bodyPr>
           <a:p>
-            <a:endParaRPr b="0" lang="en-US" sz="1800" spc="-1" strike="noStrike">
-              <a:solidFill>
-                <a:srgbClr val="000000"/>
-              </a:solidFill>
-              <a:latin typeface="Rockwell"/>
+            <a:pPr algn="ctr">
+              <a:buNone/>
+            </a:pPr>
+            <a:endParaRPr b="0" lang="en-IE" sz="4400" spc="-1" strike="noStrike">
+              <a:latin typeface="Arial"/>
             </a:endParaRPr>
           </a:p>
         </p:txBody>
@@ -2079,7 +2265,7 @@
             <a:spLocks noGrp="1"/>
           </p:cNvSpPr>
           <p:nvPr>
-            <p:ph type="ftr" idx="5"/>
+            <p:ph type="ftr" idx="4"/>
           </p:nvPr>
         </p:nvSpPr>
         <p:spPr/>
@@ -2099,14 +2285,14 @@
             <a:spLocks noGrp="1"/>
           </p:cNvSpPr>
           <p:nvPr>
-            <p:ph type="sldNum" idx="6"/>
+            <p:ph type="sldNum" idx="5"/>
           </p:nvPr>
         </p:nvSpPr>
         <p:spPr/>
         <p:txBody>
           <a:bodyPr/>
           <a:p>
-            <a:fld id="{567B6A14-14EC-4B28-90E9-D584B96A63D6}" type="slidenum">
+            <a:fld id="{0DBF60C0-EE13-474F-B540-00191C4F5056}" type="slidenum">
               <a:t>&lt;#&gt;</a:t>
             </a:fld>
           </a:p>
@@ -2119,7 +2305,7 @@
             <a:spLocks noGrp="1"/>
           </p:cNvSpPr>
           <p:nvPr>
-            <p:ph type="dt" idx="4"/>
+            <p:ph type="dt" idx="6"/>
           </p:nvPr>
         </p:nvSpPr>
         <p:spPr/>
@@ -2167,8 +2353,8 @@
         </p:nvSpPr>
         <p:spPr>
           <a:xfrm>
-            <a:off x="1069920" y="484560"/>
-            <a:ext cx="10058040" cy="7458840"/>
+            <a:off x="609480" y="273600"/>
+            <a:ext cx="10972440" cy="5307840"/>
           </a:xfrm>
           <a:prstGeom prst="rect">
             <a:avLst/>
@@ -2199,7 +2385,7 @@
             <a:spLocks noGrp="1"/>
           </p:cNvSpPr>
           <p:nvPr>
-            <p:ph type="ftr" idx="5"/>
+            <p:ph type="ftr" idx="4"/>
           </p:nvPr>
         </p:nvSpPr>
         <p:spPr/>
@@ -2219,14 +2405,14 @@
             <a:spLocks noGrp="1"/>
           </p:cNvSpPr>
           <p:nvPr>
-            <p:ph type="sldNum" idx="6"/>
+            <p:ph type="sldNum" idx="5"/>
           </p:nvPr>
         </p:nvSpPr>
         <p:spPr/>
         <p:txBody>
           <a:bodyPr/>
           <a:p>
-            <a:fld id="{169B3146-2C0B-4ABD-A930-D3B9CA5E07CB}" type="slidenum">
+            <a:fld id="{215C02AC-12BC-45B1-AB56-03D3A6EC101C}" type="slidenum">
               <a:t>&lt;#&gt;</a:t>
             </a:fld>
           </a:p>
@@ -2239,7 +2425,7 @@
             <a:spLocks noGrp="1"/>
           </p:cNvSpPr>
           <p:nvPr>
-            <p:ph type="dt" idx="4"/>
+            <p:ph type="dt" idx="6"/>
           </p:nvPr>
         </p:nvSpPr>
         <p:spPr/>
@@ -2287,8 +2473,8 @@
         </p:nvSpPr>
         <p:spPr>
           <a:xfrm>
-            <a:off x="1069920" y="484560"/>
-            <a:ext cx="10058040" cy="1608840"/>
+            <a:off x="609480" y="273600"/>
+            <a:ext cx="10972440" cy="1144800"/>
           </a:xfrm>
           <a:prstGeom prst="rect">
             <a:avLst/>
@@ -2303,11 +2489,11 @@
             <a:noAutofit/>
           </a:bodyPr>
           <a:p>
-            <a:endParaRPr b="0" lang="en-US" sz="1800" spc="-1" strike="noStrike">
-              <a:solidFill>
-                <a:srgbClr val="000000"/>
-              </a:solidFill>
-              <a:latin typeface="Rockwell"/>
+            <a:pPr algn="ctr">
+              <a:buNone/>
+            </a:pPr>
+            <a:endParaRPr b="0" lang="en-IE" sz="4400" spc="-1" strike="noStrike">
+              <a:latin typeface="Arial"/>
             </a:endParaRPr>
           </a:p>
         </p:txBody>
@@ -2324,8 +2510,8 @@
         </p:nvSpPr>
         <p:spPr>
           <a:xfrm>
-            <a:off x="1069920" y="2121480"/>
-            <a:ext cx="4908240" cy="1931760"/>
+            <a:off x="609480" y="1604520"/>
+            <a:ext cx="5354280" cy="1896840"/>
           </a:xfrm>
           <a:prstGeom prst="rect">
             <a:avLst/>
@@ -2340,20 +2526,8 @@
             <a:normAutofit/>
           </a:bodyPr>
           <a:p>
-            <a:pPr>
-              <a:lnSpc>
-                <a:spcPct val="90000"/>
-              </a:lnSpc>
-              <a:spcBef>
-                <a:spcPts val="1417"/>
-              </a:spcBef>
-              <a:buNone/>
-            </a:pPr>
-            <a:endParaRPr b="0" lang="en-US" sz="2000" spc="-1" strike="noStrike">
-              <a:solidFill>
-                <a:srgbClr val="000000"/>
-              </a:solidFill>
-              <a:latin typeface="Rockwell"/>
+            <a:endParaRPr b="0" lang="en-IE" sz="3200" spc="-1" strike="noStrike">
+              <a:latin typeface="Arial"/>
             </a:endParaRPr>
           </a:p>
         </p:txBody>
@@ -2370,8 +2544,8 @@
         </p:nvSpPr>
         <p:spPr>
           <a:xfrm>
-            <a:off x="6224040" y="2121480"/>
-            <a:ext cx="4908240" cy="4050360"/>
+            <a:off x="6231960" y="1604520"/>
+            <a:ext cx="5354280" cy="3977280"/>
           </a:xfrm>
           <a:prstGeom prst="rect">
             <a:avLst/>
@@ -2386,20 +2560,8 @@
             <a:normAutofit/>
           </a:bodyPr>
           <a:p>
-            <a:pPr>
-              <a:lnSpc>
-                <a:spcPct val="90000"/>
-              </a:lnSpc>
-              <a:spcBef>
-                <a:spcPts val="1417"/>
-              </a:spcBef>
-              <a:buNone/>
-            </a:pPr>
-            <a:endParaRPr b="0" lang="en-US" sz="2000" spc="-1" strike="noStrike">
-              <a:solidFill>
-                <a:srgbClr val="000000"/>
-              </a:solidFill>
-              <a:latin typeface="Rockwell"/>
+            <a:endParaRPr b="0" lang="en-IE" sz="3200" spc="-1" strike="noStrike">
+              <a:latin typeface="Arial"/>
             </a:endParaRPr>
           </a:p>
         </p:txBody>
@@ -2416,8 +2578,8 @@
         </p:nvSpPr>
         <p:spPr>
           <a:xfrm>
-            <a:off x="1069920" y="4237200"/>
-            <a:ext cx="4908240" cy="1931760"/>
+            <a:off x="609480" y="3682080"/>
+            <a:ext cx="5354280" cy="1896840"/>
           </a:xfrm>
           <a:prstGeom prst="rect">
             <a:avLst/>
@@ -2432,20 +2594,8 @@
             <a:normAutofit/>
           </a:bodyPr>
           <a:p>
-            <a:pPr>
-              <a:lnSpc>
-                <a:spcPct val="90000"/>
-              </a:lnSpc>
-              <a:spcBef>
-                <a:spcPts val="1417"/>
-              </a:spcBef>
-              <a:buNone/>
-            </a:pPr>
-            <a:endParaRPr b="0" lang="en-US" sz="2000" spc="-1" strike="noStrike">
-              <a:solidFill>
-                <a:srgbClr val="000000"/>
-              </a:solidFill>
-              <a:latin typeface="Rockwell"/>
+            <a:endParaRPr b="0" lang="en-IE" sz="3200" spc="-1" strike="noStrike">
+              <a:latin typeface="Arial"/>
             </a:endParaRPr>
           </a:p>
         </p:txBody>
@@ -2457,7 +2607,7 @@
             <a:spLocks noGrp="1"/>
           </p:cNvSpPr>
           <p:nvPr>
-            <p:ph type="ftr" idx="5"/>
+            <p:ph type="ftr" idx="4"/>
           </p:nvPr>
         </p:nvSpPr>
         <p:spPr/>
@@ -2477,14 +2627,14 @@
             <a:spLocks noGrp="1"/>
           </p:cNvSpPr>
           <p:nvPr>
-            <p:ph type="sldNum" idx="6"/>
+            <p:ph type="sldNum" idx="5"/>
           </p:nvPr>
         </p:nvSpPr>
         <p:spPr/>
         <p:txBody>
           <a:bodyPr/>
           <a:p>
-            <a:fld id="{3C870B0A-6157-4A78-98F7-8B8CFDB1C72D}" type="slidenum">
+            <a:fld id="{13FE3319-2713-432A-8B0E-201F6B917B6B}" type="slidenum">
               <a:t>&lt;#&gt;</a:t>
             </a:fld>
           </a:p>
@@ -2497,7 +2647,7 @@
             <a:spLocks noGrp="1"/>
           </p:cNvSpPr>
           <p:nvPr>
-            <p:ph type="dt" idx="4"/>
+            <p:ph type="dt" idx="6"/>
           </p:nvPr>
         </p:nvSpPr>
         <p:spPr/>
@@ -2545,8 +2695,8 @@
         </p:nvSpPr>
         <p:spPr>
           <a:xfrm>
-            <a:off x="1069920" y="484560"/>
-            <a:ext cx="10058040" cy="1608840"/>
+            <a:off x="609480" y="273600"/>
+            <a:ext cx="10972440" cy="1144800"/>
           </a:xfrm>
           <a:prstGeom prst="rect">
             <a:avLst/>
@@ -2561,11 +2711,11 @@
             <a:noAutofit/>
           </a:bodyPr>
           <a:p>
-            <a:endParaRPr b="0" lang="en-US" sz="1800" spc="-1" strike="noStrike">
-              <a:solidFill>
-                <a:srgbClr val="000000"/>
-              </a:solidFill>
-              <a:latin typeface="Rockwell"/>
+            <a:pPr algn="ctr">
+              <a:buNone/>
+            </a:pPr>
+            <a:endParaRPr b="0" lang="en-IE" sz="4400" spc="-1" strike="noStrike">
+              <a:latin typeface="Arial"/>
             </a:endParaRPr>
           </a:p>
         </p:txBody>
@@ -2582,8 +2732,8 @@
         </p:nvSpPr>
         <p:spPr>
           <a:xfrm>
-            <a:off x="1069920" y="2121480"/>
-            <a:ext cx="10058040" cy="4050360"/>
+            <a:off x="609480" y="1604520"/>
+            <a:ext cx="10972440" cy="3977280"/>
           </a:xfrm>
           <a:prstGeom prst="rect">
             <a:avLst/>
@@ -2614,7 +2764,7 @@
             <a:spLocks noGrp="1"/>
           </p:cNvSpPr>
           <p:nvPr>
-            <p:ph type="ftr" idx="2"/>
+            <p:ph type="ftr" idx="1"/>
           </p:nvPr>
         </p:nvSpPr>
         <p:spPr/>
@@ -2634,14 +2784,14 @@
             <a:spLocks noGrp="1"/>
           </p:cNvSpPr>
           <p:nvPr>
-            <p:ph type="sldNum" idx="3"/>
+            <p:ph type="sldNum" idx="2"/>
           </p:nvPr>
         </p:nvSpPr>
         <p:spPr/>
         <p:txBody>
           <a:bodyPr/>
           <a:p>
-            <a:fld id="{DB9B56BD-1A2A-474D-9C14-A5A07BC6A450}" type="slidenum">
+            <a:fld id="{6F4418FB-38A7-4C21-A826-45835C6D6122}" type="slidenum">
               <a:t>&lt;#&gt;</a:t>
             </a:fld>
           </a:p>
@@ -2654,7 +2804,7 @@
             <a:spLocks noGrp="1"/>
           </p:cNvSpPr>
           <p:nvPr>
-            <p:ph type="dt" idx="1"/>
+            <p:ph type="dt" idx="3"/>
           </p:nvPr>
         </p:nvSpPr>
         <p:spPr/>
@@ -2702,8 +2852,8 @@
         </p:nvSpPr>
         <p:spPr>
           <a:xfrm>
-            <a:off x="1069920" y="484560"/>
-            <a:ext cx="10058040" cy="1608840"/>
+            <a:off x="609480" y="273600"/>
+            <a:ext cx="10972440" cy="1144800"/>
           </a:xfrm>
           <a:prstGeom prst="rect">
             <a:avLst/>
@@ -2718,11 +2868,11 @@
             <a:noAutofit/>
           </a:bodyPr>
           <a:p>
-            <a:endParaRPr b="0" lang="en-US" sz="1800" spc="-1" strike="noStrike">
-              <a:solidFill>
-                <a:srgbClr val="000000"/>
-              </a:solidFill>
-              <a:latin typeface="Rockwell"/>
+            <a:pPr algn="ctr">
+              <a:buNone/>
+            </a:pPr>
+            <a:endParaRPr b="0" lang="en-IE" sz="4400" spc="-1" strike="noStrike">
+              <a:latin typeface="Arial"/>
             </a:endParaRPr>
           </a:p>
         </p:txBody>
@@ -2739,8 +2889,8 @@
         </p:nvSpPr>
         <p:spPr>
           <a:xfrm>
-            <a:off x="1069920" y="2121480"/>
-            <a:ext cx="4908240" cy="4050360"/>
+            <a:off x="609480" y="1604520"/>
+            <a:ext cx="5354280" cy="3977280"/>
           </a:xfrm>
           <a:prstGeom prst="rect">
             <a:avLst/>
@@ -2755,20 +2905,8 @@
             <a:normAutofit/>
           </a:bodyPr>
           <a:p>
-            <a:pPr>
-              <a:lnSpc>
-                <a:spcPct val="90000"/>
-              </a:lnSpc>
-              <a:spcBef>
-                <a:spcPts val="1417"/>
-              </a:spcBef>
-              <a:buNone/>
-            </a:pPr>
-            <a:endParaRPr b="0" lang="en-US" sz="2000" spc="-1" strike="noStrike">
-              <a:solidFill>
-                <a:srgbClr val="000000"/>
-              </a:solidFill>
-              <a:latin typeface="Rockwell"/>
+            <a:endParaRPr b="0" lang="en-IE" sz="3200" spc="-1" strike="noStrike">
+              <a:latin typeface="Arial"/>
             </a:endParaRPr>
           </a:p>
         </p:txBody>
@@ -2785,8 +2923,8 @@
         </p:nvSpPr>
         <p:spPr>
           <a:xfrm>
-            <a:off x="6224040" y="2121480"/>
-            <a:ext cx="4908240" cy="1931760"/>
+            <a:off x="6231960" y="1604520"/>
+            <a:ext cx="5354280" cy="1896840"/>
           </a:xfrm>
           <a:prstGeom prst="rect">
             <a:avLst/>
@@ -2801,20 +2939,8 @@
             <a:normAutofit/>
           </a:bodyPr>
           <a:p>
-            <a:pPr>
-              <a:lnSpc>
-                <a:spcPct val="90000"/>
-              </a:lnSpc>
-              <a:spcBef>
-                <a:spcPts val="1417"/>
-              </a:spcBef>
-              <a:buNone/>
-            </a:pPr>
-            <a:endParaRPr b="0" lang="en-US" sz="2000" spc="-1" strike="noStrike">
-              <a:solidFill>
-                <a:srgbClr val="000000"/>
-              </a:solidFill>
-              <a:latin typeface="Rockwell"/>
+            <a:endParaRPr b="0" lang="en-IE" sz="3200" spc="-1" strike="noStrike">
+              <a:latin typeface="Arial"/>
             </a:endParaRPr>
           </a:p>
         </p:txBody>
@@ -2831,8 +2957,8 @@
         </p:nvSpPr>
         <p:spPr>
           <a:xfrm>
-            <a:off x="6224040" y="4237200"/>
-            <a:ext cx="4908240" cy="1931760"/>
+            <a:off x="6231960" y="3682080"/>
+            <a:ext cx="5354280" cy="1896840"/>
           </a:xfrm>
           <a:prstGeom prst="rect">
             <a:avLst/>
@@ -2847,20 +2973,8 @@
             <a:normAutofit/>
           </a:bodyPr>
           <a:p>
-            <a:pPr>
-              <a:lnSpc>
-                <a:spcPct val="90000"/>
-              </a:lnSpc>
-              <a:spcBef>
-                <a:spcPts val="1417"/>
-              </a:spcBef>
-              <a:buNone/>
-            </a:pPr>
-            <a:endParaRPr b="0" lang="en-US" sz="2000" spc="-1" strike="noStrike">
-              <a:solidFill>
-                <a:srgbClr val="000000"/>
-              </a:solidFill>
-              <a:latin typeface="Rockwell"/>
+            <a:endParaRPr b="0" lang="en-IE" sz="3200" spc="-1" strike="noStrike">
+              <a:latin typeface="Arial"/>
             </a:endParaRPr>
           </a:p>
         </p:txBody>
@@ -2872,7 +2986,7 @@
             <a:spLocks noGrp="1"/>
           </p:cNvSpPr>
           <p:nvPr>
-            <p:ph type="ftr" idx="5"/>
+            <p:ph type="ftr" idx="4"/>
           </p:nvPr>
         </p:nvSpPr>
         <p:spPr/>
@@ -2892,14 +3006,14 @@
             <a:spLocks noGrp="1"/>
           </p:cNvSpPr>
           <p:nvPr>
-            <p:ph type="sldNum" idx="6"/>
+            <p:ph type="sldNum" idx="5"/>
           </p:nvPr>
         </p:nvSpPr>
         <p:spPr/>
         <p:txBody>
           <a:bodyPr/>
           <a:p>
-            <a:fld id="{DB81B6DA-D22E-401F-BD2B-AEC7B17707D5}" type="slidenum">
+            <a:fld id="{A8D57875-5930-435C-B570-B03577F8721B}" type="slidenum">
               <a:t>&lt;#&gt;</a:t>
             </a:fld>
           </a:p>
@@ -2912,7 +3026,7 @@
             <a:spLocks noGrp="1"/>
           </p:cNvSpPr>
           <p:nvPr>
-            <p:ph type="dt" idx="4"/>
+            <p:ph type="dt" idx="6"/>
           </p:nvPr>
         </p:nvSpPr>
         <p:spPr/>
@@ -2960,8 +3074,8 @@
         </p:nvSpPr>
         <p:spPr>
           <a:xfrm>
-            <a:off x="1069920" y="484560"/>
-            <a:ext cx="10058040" cy="1608840"/>
+            <a:off x="609480" y="273600"/>
+            <a:ext cx="10972440" cy="1144800"/>
           </a:xfrm>
           <a:prstGeom prst="rect">
             <a:avLst/>
@@ -2976,11 +3090,11 @@
             <a:noAutofit/>
           </a:bodyPr>
           <a:p>
-            <a:endParaRPr b="0" lang="en-US" sz="1800" spc="-1" strike="noStrike">
-              <a:solidFill>
-                <a:srgbClr val="000000"/>
-              </a:solidFill>
-              <a:latin typeface="Rockwell"/>
+            <a:pPr algn="ctr">
+              <a:buNone/>
+            </a:pPr>
+            <a:endParaRPr b="0" lang="en-IE" sz="4400" spc="-1" strike="noStrike">
+              <a:latin typeface="Arial"/>
             </a:endParaRPr>
           </a:p>
         </p:txBody>
@@ -2997,8 +3111,8 @@
         </p:nvSpPr>
         <p:spPr>
           <a:xfrm>
-            <a:off x="1069920" y="2121480"/>
-            <a:ext cx="4908240" cy="1931760"/>
+            <a:off x="609480" y="1604520"/>
+            <a:ext cx="5354280" cy="1896840"/>
           </a:xfrm>
           <a:prstGeom prst="rect">
             <a:avLst/>
@@ -3013,20 +3127,8 @@
             <a:normAutofit/>
           </a:bodyPr>
           <a:p>
-            <a:pPr>
-              <a:lnSpc>
-                <a:spcPct val="90000"/>
-              </a:lnSpc>
-              <a:spcBef>
-                <a:spcPts val="1417"/>
-              </a:spcBef>
-              <a:buNone/>
-            </a:pPr>
-            <a:endParaRPr b="0" lang="en-US" sz="2000" spc="-1" strike="noStrike">
-              <a:solidFill>
-                <a:srgbClr val="000000"/>
-              </a:solidFill>
-              <a:latin typeface="Rockwell"/>
+            <a:endParaRPr b="0" lang="en-IE" sz="3200" spc="-1" strike="noStrike">
+              <a:latin typeface="Arial"/>
             </a:endParaRPr>
           </a:p>
         </p:txBody>
@@ -3043,8 +3145,8 @@
         </p:nvSpPr>
         <p:spPr>
           <a:xfrm>
-            <a:off x="6224040" y="2121480"/>
-            <a:ext cx="4908240" cy="1931760"/>
+            <a:off x="6231960" y="1604520"/>
+            <a:ext cx="5354280" cy="1896840"/>
           </a:xfrm>
           <a:prstGeom prst="rect">
             <a:avLst/>
@@ -3059,20 +3161,8 @@
             <a:normAutofit/>
           </a:bodyPr>
           <a:p>
-            <a:pPr>
-              <a:lnSpc>
-                <a:spcPct val="90000"/>
-              </a:lnSpc>
-              <a:spcBef>
-                <a:spcPts val="1417"/>
-              </a:spcBef>
-              <a:buNone/>
-            </a:pPr>
-            <a:endParaRPr b="0" lang="en-US" sz="2000" spc="-1" strike="noStrike">
-              <a:solidFill>
-                <a:srgbClr val="000000"/>
-              </a:solidFill>
-              <a:latin typeface="Rockwell"/>
+            <a:endParaRPr b="0" lang="en-IE" sz="3200" spc="-1" strike="noStrike">
+              <a:latin typeface="Arial"/>
             </a:endParaRPr>
           </a:p>
         </p:txBody>
@@ -3089,8 +3179,8 @@
         </p:nvSpPr>
         <p:spPr>
           <a:xfrm>
-            <a:off x="1069920" y="4237200"/>
-            <a:ext cx="10058040" cy="1931760"/>
+            <a:off x="609480" y="3682080"/>
+            <a:ext cx="10972440" cy="1896840"/>
           </a:xfrm>
           <a:prstGeom prst="rect">
             <a:avLst/>
@@ -3105,20 +3195,8 @@
             <a:normAutofit/>
           </a:bodyPr>
           <a:p>
-            <a:pPr>
-              <a:lnSpc>
-                <a:spcPct val="90000"/>
-              </a:lnSpc>
-              <a:spcBef>
-                <a:spcPts val="1417"/>
-              </a:spcBef>
-              <a:buNone/>
-            </a:pPr>
-            <a:endParaRPr b="0" lang="en-US" sz="2000" spc="-1" strike="noStrike">
-              <a:solidFill>
-                <a:srgbClr val="000000"/>
-              </a:solidFill>
-              <a:latin typeface="Rockwell"/>
+            <a:endParaRPr b="0" lang="en-IE" sz="3200" spc="-1" strike="noStrike">
+              <a:latin typeface="Arial"/>
             </a:endParaRPr>
           </a:p>
         </p:txBody>
@@ -3130,7 +3208,7 @@
             <a:spLocks noGrp="1"/>
           </p:cNvSpPr>
           <p:nvPr>
-            <p:ph type="ftr" idx="5"/>
+            <p:ph type="ftr" idx="4"/>
           </p:nvPr>
         </p:nvSpPr>
         <p:spPr/>
@@ -3150,14 +3228,14 @@
             <a:spLocks noGrp="1"/>
           </p:cNvSpPr>
           <p:nvPr>
-            <p:ph type="sldNum" idx="6"/>
+            <p:ph type="sldNum" idx="5"/>
           </p:nvPr>
         </p:nvSpPr>
         <p:spPr/>
         <p:txBody>
           <a:bodyPr/>
           <a:p>
-            <a:fld id="{C1062B2A-6E6D-4E9D-A9C9-0DA280F06803}" type="slidenum">
+            <a:fld id="{E42CF2CA-939B-4A87-945B-73E15AEB0D07}" type="slidenum">
               <a:t>&lt;#&gt;</a:t>
             </a:fld>
           </a:p>
@@ -3170,7 +3248,7 @@
             <a:spLocks noGrp="1"/>
           </p:cNvSpPr>
           <p:nvPr>
-            <p:ph type="dt" idx="4"/>
+            <p:ph type="dt" idx="6"/>
           </p:nvPr>
         </p:nvSpPr>
         <p:spPr/>
@@ -3218,8 +3296,8 @@
         </p:nvSpPr>
         <p:spPr>
           <a:xfrm>
-            <a:off x="1069920" y="484560"/>
-            <a:ext cx="10058040" cy="1608840"/>
+            <a:off x="609480" y="273600"/>
+            <a:ext cx="10972440" cy="1144800"/>
           </a:xfrm>
           <a:prstGeom prst="rect">
             <a:avLst/>
@@ -3234,11 +3312,11 @@
             <a:noAutofit/>
           </a:bodyPr>
           <a:p>
-            <a:endParaRPr b="0" lang="en-US" sz="1800" spc="-1" strike="noStrike">
-              <a:solidFill>
-                <a:srgbClr val="000000"/>
-              </a:solidFill>
-              <a:latin typeface="Rockwell"/>
+            <a:pPr algn="ctr">
+              <a:buNone/>
+            </a:pPr>
+            <a:endParaRPr b="0" lang="en-IE" sz="4400" spc="-1" strike="noStrike">
+              <a:latin typeface="Arial"/>
             </a:endParaRPr>
           </a:p>
         </p:txBody>
@@ -3255,8 +3333,8 @@
         </p:nvSpPr>
         <p:spPr>
           <a:xfrm>
-            <a:off x="1069920" y="2121480"/>
-            <a:ext cx="10058040" cy="1931760"/>
+            <a:off x="609480" y="1604520"/>
+            <a:ext cx="10972440" cy="1896840"/>
           </a:xfrm>
           <a:prstGeom prst="rect">
             <a:avLst/>
@@ -3271,20 +3349,8 @@
             <a:normAutofit/>
           </a:bodyPr>
           <a:p>
-            <a:pPr>
-              <a:lnSpc>
-                <a:spcPct val="90000"/>
-              </a:lnSpc>
-              <a:spcBef>
-                <a:spcPts val="1417"/>
-              </a:spcBef>
-              <a:buNone/>
-            </a:pPr>
-            <a:endParaRPr b="0" lang="en-US" sz="2000" spc="-1" strike="noStrike">
-              <a:solidFill>
-                <a:srgbClr val="000000"/>
-              </a:solidFill>
-              <a:latin typeface="Rockwell"/>
+            <a:endParaRPr b="0" lang="en-IE" sz="3200" spc="-1" strike="noStrike">
+              <a:latin typeface="Arial"/>
             </a:endParaRPr>
           </a:p>
         </p:txBody>
@@ -3301,8 +3367,8 @@
         </p:nvSpPr>
         <p:spPr>
           <a:xfrm>
-            <a:off x="1069920" y="4237200"/>
-            <a:ext cx="10058040" cy="1931760"/>
+            <a:off x="609480" y="3682080"/>
+            <a:ext cx="10972440" cy="1896840"/>
           </a:xfrm>
           <a:prstGeom prst="rect">
             <a:avLst/>
@@ -3317,20 +3383,8 @@
             <a:normAutofit/>
           </a:bodyPr>
           <a:p>
-            <a:pPr>
-              <a:lnSpc>
-                <a:spcPct val="90000"/>
-              </a:lnSpc>
-              <a:spcBef>
-                <a:spcPts val="1417"/>
-              </a:spcBef>
-              <a:buNone/>
-            </a:pPr>
-            <a:endParaRPr b="0" lang="en-US" sz="2000" spc="-1" strike="noStrike">
-              <a:solidFill>
-                <a:srgbClr val="000000"/>
-              </a:solidFill>
-              <a:latin typeface="Rockwell"/>
+            <a:endParaRPr b="0" lang="en-IE" sz="3200" spc="-1" strike="noStrike">
+              <a:latin typeface="Arial"/>
             </a:endParaRPr>
           </a:p>
         </p:txBody>
@@ -3342,7 +3396,7 @@
             <a:spLocks noGrp="1"/>
           </p:cNvSpPr>
           <p:nvPr>
-            <p:ph type="ftr" idx="5"/>
+            <p:ph type="ftr" idx="4"/>
           </p:nvPr>
         </p:nvSpPr>
         <p:spPr/>
@@ -3362,14 +3416,14 @@
             <a:spLocks noGrp="1"/>
           </p:cNvSpPr>
           <p:nvPr>
-            <p:ph type="sldNum" idx="6"/>
+            <p:ph type="sldNum" idx="5"/>
           </p:nvPr>
         </p:nvSpPr>
         <p:spPr/>
         <p:txBody>
           <a:bodyPr/>
           <a:p>
-            <a:fld id="{0AF6543B-1863-4018-8EF7-30E23F8359C3}" type="slidenum">
+            <a:fld id="{5A710601-BB97-4575-BA99-A2B64D9F08C1}" type="slidenum">
               <a:t>&lt;#&gt;</a:t>
             </a:fld>
           </a:p>
@@ -3382,7 +3436,7 @@
             <a:spLocks noGrp="1"/>
           </p:cNvSpPr>
           <p:nvPr>
-            <p:ph type="dt" idx="4"/>
+            <p:ph type="dt" idx="6"/>
           </p:nvPr>
         </p:nvSpPr>
         <p:spPr/>
@@ -3430,8 +3484,8 @@
         </p:nvSpPr>
         <p:spPr>
           <a:xfrm>
-            <a:off x="1069920" y="484560"/>
-            <a:ext cx="10058040" cy="1608840"/>
+            <a:off x="609480" y="273600"/>
+            <a:ext cx="10972440" cy="1144800"/>
           </a:xfrm>
           <a:prstGeom prst="rect">
             <a:avLst/>
@@ -3446,11 +3500,11 @@
             <a:noAutofit/>
           </a:bodyPr>
           <a:p>
-            <a:endParaRPr b="0" lang="en-US" sz="1800" spc="-1" strike="noStrike">
-              <a:solidFill>
-                <a:srgbClr val="000000"/>
-              </a:solidFill>
-              <a:latin typeface="Rockwell"/>
+            <a:pPr algn="ctr">
+              <a:buNone/>
+            </a:pPr>
+            <a:endParaRPr b="0" lang="en-IE" sz="4400" spc="-1" strike="noStrike">
+              <a:latin typeface="Arial"/>
             </a:endParaRPr>
           </a:p>
         </p:txBody>
@@ -3467,8 +3521,8 @@
         </p:nvSpPr>
         <p:spPr>
           <a:xfrm>
-            <a:off x="1069920" y="2121480"/>
-            <a:ext cx="4908240" cy="1931760"/>
+            <a:off x="609480" y="1604520"/>
+            <a:ext cx="5354280" cy="1896840"/>
           </a:xfrm>
           <a:prstGeom prst="rect">
             <a:avLst/>
@@ -3483,20 +3537,8 @@
             <a:normAutofit/>
           </a:bodyPr>
           <a:p>
-            <a:pPr>
-              <a:lnSpc>
-                <a:spcPct val="90000"/>
-              </a:lnSpc>
-              <a:spcBef>
-                <a:spcPts val="1417"/>
-              </a:spcBef>
-              <a:buNone/>
-            </a:pPr>
-            <a:endParaRPr b="0" lang="en-US" sz="2000" spc="-1" strike="noStrike">
-              <a:solidFill>
-                <a:srgbClr val="000000"/>
-              </a:solidFill>
-              <a:latin typeface="Rockwell"/>
+            <a:endParaRPr b="0" lang="en-IE" sz="3200" spc="-1" strike="noStrike">
+              <a:latin typeface="Arial"/>
             </a:endParaRPr>
           </a:p>
         </p:txBody>
@@ -3513,8 +3555,8 @@
         </p:nvSpPr>
         <p:spPr>
           <a:xfrm>
-            <a:off x="6224040" y="2121480"/>
-            <a:ext cx="4908240" cy="1931760"/>
+            <a:off x="6231960" y="1604520"/>
+            <a:ext cx="5354280" cy="1896840"/>
           </a:xfrm>
           <a:prstGeom prst="rect">
             <a:avLst/>
@@ -3529,20 +3571,8 @@
             <a:normAutofit/>
           </a:bodyPr>
           <a:p>
-            <a:pPr>
-              <a:lnSpc>
-                <a:spcPct val="90000"/>
-              </a:lnSpc>
-              <a:spcBef>
-                <a:spcPts val="1417"/>
-              </a:spcBef>
-              <a:buNone/>
-            </a:pPr>
-            <a:endParaRPr b="0" lang="en-US" sz="2000" spc="-1" strike="noStrike">
-              <a:solidFill>
-                <a:srgbClr val="000000"/>
-              </a:solidFill>
-              <a:latin typeface="Rockwell"/>
+            <a:endParaRPr b="0" lang="en-IE" sz="3200" spc="-1" strike="noStrike">
+              <a:latin typeface="Arial"/>
             </a:endParaRPr>
           </a:p>
         </p:txBody>
@@ -3559,8 +3589,8 @@
         </p:nvSpPr>
         <p:spPr>
           <a:xfrm>
-            <a:off x="1069920" y="4237200"/>
-            <a:ext cx="4908240" cy="1931760"/>
+            <a:off x="609480" y="3682080"/>
+            <a:ext cx="5354280" cy="1896840"/>
           </a:xfrm>
           <a:prstGeom prst="rect">
             <a:avLst/>
@@ -3575,20 +3605,8 @@
             <a:normAutofit/>
           </a:bodyPr>
           <a:p>
-            <a:pPr>
-              <a:lnSpc>
-                <a:spcPct val="90000"/>
-              </a:lnSpc>
-              <a:spcBef>
-                <a:spcPts val="1417"/>
-              </a:spcBef>
-              <a:buNone/>
-            </a:pPr>
-            <a:endParaRPr b="0" lang="en-US" sz="2000" spc="-1" strike="noStrike">
-              <a:solidFill>
-                <a:srgbClr val="000000"/>
-              </a:solidFill>
-              <a:latin typeface="Rockwell"/>
+            <a:endParaRPr b="0" lang="en-IE" sz="3200" spc="-1" strike="noStrike">
+              <a:latin typeface="Arial"/>
             </a:endParaRPr>
           </a:p>
         </p:txBody>
@@ -3605,8 +3623,8 @@
         </p:nvSpPr>
         <p:spPr>
           <a:xfrm>
-            <a:off x="6224040" y="4237200"/>
-            <a:ext cx="4908240" cy="1931760"/>
+            <a:off x="6231960" y="3682080"/>
+            <a:ext cx="5354280" cy="1896840"/>
           </a:xfrm>
           <a:prstGeom prst="rect">
             <a:avLst/>
@@ -3621,20 +3639,8 @@
             <a:normAutofit/>
           </a:bodyPr>
           <a:p>
-            <a:pPr>
-              <a:lnSpc>
-                <a:spcPct val="90000"/>
-              </a:lnSpc>
-              <a:spcBef>
-                <a:spcPts val="1417"/>
-              </a:spcBef>
-              <a:buNone/>
-            </a:pPr>
-            <a:endParaRPr b="0" lang="en-US" sz="2000" spc="-1" strike="noStrike">
-              <a:solidFill>
-                <a:srgbClr val="000000"/>
-              </a:solidFill>
-              <a:latin typeface="Rockwell"/>
+            <a:endParaRPr b="0" lang="en-IE" sz="3200" spc="-1" strike="noStrike">
+              <a:latin typeface="Arial"/>
             </a:endParaRPr>
           </a:p>
         </p:txBody>
@@ -3646,7 +3652,7 @@
             <a:spLocks noGrp="1"/>
           </p:cNvSpPr>
           <p:nvPr>
-            <p:ph type="ftr" idx="5"/>
+            <p:ph type="ftr" idx="4"/>
           </p:nvPr>
         </p:nvSpPr>
         <p:spPr/>
@@ -3666,14 +3672,14 @@
             <a:spLocks noGrp="1"/>
           </p:cNvSpPr>
           <p:nvPr>
-            <p:ph type="sldNum" idx="6"/>
+            <p:ph type="sldNum" idx="5"/>
           </p:nvPr>
         </p:nvSpPr>
         <p:spPr/>
         <p:txBody>
           <a:bodyPr/>
           <a:p>
-            <a:fld id="{8021A51D-F7DF-484D-8B08-932CAA1CC9D6}" type="slidenum">
+            <a:fld id="{CE9C0438-478A-4E31-AC05-F49743530178}" type="slidenum">
               <a:t>&lt;#&gt;</a:t>
             </a:fld>
           </a:p>
@@ -3686,7 +3692,7 @@
             <a:spLocks noGrp="1"/>
           </p:cNvSpPr>
           <p:nvPr>
-            <p:ph type="dt" idx="4"/>
+            <p:ph type="dt" idx="6"/>
           </p:nvPr>
         </p:nvSpPr>
         <p:spPr/>
@@ -3734,8 +3740,8 @@
         </p:nvSpPr>
         <p:spPr>
           <a:xfrm>
-            <a:off x="1069920" y="484560"/>
-            <a:ext cx="10058040" cy="1608840"/>
+            <a:off x="609480" y="273600"/>
+            <a:ext cx="10972440" cy="1144800"/>
           </a:xfrm>
           <a:prstGeom prst="rect">
             <a:avLst/>
@@ -3750,11 +3756,11 @@
             <a:noAutofit/>
           </a:bodyPr>
           <a:p>
-            <a:endParaRPr b="0" lang="en-US" sz="1800" spc="-1" strike="noStrike">
-              <a:solidFill>
-                <a:srgbClr val="000000"/>
-              </a:solidFill>
-              <a:latin typeface="Rockwell"/>
+            <a:pPr algn="ctr">
+              <a:buNone/>
+            </a:pPr>
+            <a:endParaRPr b="0" lang="en-IE" sz="4400" spc="-1" strike="noStrike">
+              <a:latin typeface="Arial"/>
             </a:endParaRPr>
           </a:p>
         </p:txBody>
@@ -3771,8 +3777,8 @@
         </p:nvSpPr>
         <p:spPr>
           <a:xfrm>
-            <a:off x="1069920" y="2121480"/>
-            <a:ext cx="3238560" cy="1931760"/>
+            <a:off x="609480" y="1604520"/>
+            <a:ext cx="3533040" cy="1896840"/>
           </a:xfrm>
           <a:prstGeom prst="rect">
             <a:avLst/>
@@ -3787,20 +3793,8 @@
             <a:normAutofit/>
           </a:bodyPr>
           <a:p>
-            <a:pPr>
-              <a:lnSpc>
-                <a:spcPct val="90000"/>
-              </a:lnSpc>
-              <a:spcBef>
-                <a:spcPts val="1417"/>
-              </a:spcBef>
-              <a:buNone/>
-            </a:pPr>
-            <a:endParaRPr b="0" lang="en-US" sz="2000" spc="-1" strike="noStrike">
-              <a:solidFill>
-                <a:srgbClr val="000000"/>
-              </a:solidFill>
-              <a:latin typeface="Rockwell"/>
+            <a:endParaRPr b="0" lang="en-IE" sz="3200" spc="-1" strike="noStrike">
+              <a:latin typeface="Arial"/>
             </a:endParaRPr>
           </a:p>
         </p:txBody>
@@ -3817,8 +3811,8 @@
         </p:nvSpPr>
         <p:spPr>
           <a:xfrm>
-            <a:off x="4470840" y="2121480"/>
-            <a:ext cx="3238560" cy="1931760"/>
+            <a:off x="4319640" y="1604520"/>
+            <a:ext cx="3533040" cy="1896840"/>
           </a:xfrm>
           <a:prstGeom prst="rect">
             <a:avLst/>
@@ -3833,20 +3827,8 @@
             <a:normAutofit/>
           </a:bodyPr>
           <a:p>
-            <a:pPr>
-              <a:lnSpc>
-                <a:spcPct val="90000"/>
-              </a:lnSpc>
-              <a:spcBef>
-                <a:spcPts val="1417"/>
-              </a:spcBef>
-              <a:buNone/>
-            </a:pPr>
-            <a:endParaRPr b="0" lang="en-US" sz="2000" spc="-1" strike="noStrike">
-              <a:solidFill>
-                <a:srgbClr val="000000"/>
-              </a:solidFill>
-              <a:latin typeface="Rockwell"/>
+            <a:endParaRPr b="0" lang="en-IE" sz="3200" spc="-1" strike="noStrike">
+              <a:latin typeface="Arial"/>
             </a:endParaRPr>
           </a:p>
         </p:txBody>
@@ -3863,8 +3845,8 @@
         </p:nvSpPr>
         <p:spPr>
           <a:xfrm>
-            <a:off x="7871760" y="2121480"/>
-            <a:ext cx="3238560" cy="1931760"/>
+            <a:off x="8029800" y="1604520"/>
+            <a:ext cx="3533040" cy="1896840"/>
           </a:xfrm>
           <a:prstGeom prst="rect">
             <a:avLst/>
@@ -3879,20 +3861,8 @@
             <a:normAutofit/>
           </a:bodyPr>
           <a:p>
-            <a:pPr>
-              <a:lnSpc>
-                <a:spcPct val="90000"/>
-              </a:lnSpc>
-              <a:spcBef>
-                <a:spcPts val="1417"/>
-              </a:spcBef>
-              <a:buNone/>
-            </a:pPr>
-            <a:endParaRPr b="0" lang="en-US" sz="2000" spc="-1" strike="noStrike">
-              <a:solidFill>
-                <a:srgbClr val="000000"/>
-              </a:solidFill>
-              <a:latin typeface="Rockwell"/>
+            <a:endParaRPr b="0" lang="en-IE" sz="3200" spc="-1" strike="noStrike">
+              <a:latin typeface="Arial"/>
             </a:endParaRPr>
           </a:p>
         </p:txBody>
@@ -3909,8 +3879,8 @@
         </p:nvSpPr>
         <p:spPr>
           <a:xfrm>
-            <a:off x="1069920" y="4237200"/>
-            <a:ext cx="3238560" cy="1931760"/>
+            <a:off x="609480" y="3682080"/>
+            <a:ext cx="3533040" cy="1896840"/>
           </a:xfrm>
           <a:prstGeom prst="rect">
             <a:avLst/>
@@ -3925,20 +3895,8 @@
             <a:normAutofit/>
           </a:bodyPr>
           <a:p>
-            <a:pPr>
-              <a:lnSpc>
-                <a:spcPct val="90000"/>
-              </a:lnSpc>
-              <a:spcBef>
-                <a:spcPts val="1417"/>
-              </a:spcBef>
-              <a:buNone/>
-            </a:pPr>
-            <a:endParaRPr b="0" lang="en-US" sz="2000" spc="-1" strike="noStrike">
-              <a:solidFill>
-                <a:srgbClr val="000000"/>
-              </a:solidFill>
-              <a:latin typeface="Rockwell"/>
+            <a:endParaRPr b="0" lang="en-IE" sz="3200" spc="-1" strike="noStrike">
+              <a:latin typeface="Arial"/>
             </a:endParaRPr>
           </a:p>
         </p:txBody>
@@ -3955,8 +3913,8 @@
         </p:nvSpPr>
         <p:spPr>
           <a:xfrm>
-            <a:off x="4470840" y="4237200"/>
-            <a:ext cx="3238560" cy="1931760"/>
+            <a:off x="4319640" y="3682080"/>
+            <a:ext cx="3533040" cy="1896840"/>
           </a:xfrm>
           <a:prstGeom prst="rect">
             <a:avLst/>
@@ -3971,20 +3929,8 @@
             <a:normAutofit/>
           </a:bodyPr>
           <a:p>
-            <a:pPr>
-              <a:lnSpc>
-                <a:spcPct val="90000"/>
-              </a:lnSpc>
-              <a:spcBef>
-                <a:spcPts val="1417"/>
-              </a:spcBef>
-              <a:buNone/>
-            </a:pPr>
-            <a:endParaRPr b="0" lang="en-US" sz="2000" spc="-1" strike="noStrike">
-              <a:solidFill>
-                <a:srgbClr val="000000"/>
-              </a:solidFill>
-              <a:latin typeface="Rockwell"/>
+            <a:endParaRPr b="0" lang="en-IE" sz="3200" spc="-1" strike="noStrike">
+              <a:latin typeface="Arial"/>
             </a:endParaRPr>
           </a:p>
         </p:txBody>
@@ -4001,8 +3947,8 @@
         </p:nvSpPr>
         <p:spPr>
           <a:xfrm>
-            <a:off x="7871760" y="4237200"/>
-            <a:ext cx="3238560" cy="1931760"/>
+            <a:off x="8029800" y="3682080"/>
+            <a:ext cx="3533040" cy="1896840"/>
           </a:xfrm>
           <a:prstGeom prst="rect">
             <a:avLst/>
@@ -4017,20 +3963,8 @@
             <a:normAutofit/>
           </a:bodyPr>
           <a:p>
-            <a:pPr>
-              <a:lnSpc>
-                <a:spcPct val="90000"/>
-              </a:lnSpc>
-              <a:spcBef>
-                <a:spcPts val="1417"/>
-              </a:spcBef>
-              <a:buNone/>
-            </a:pPr>
-            <a:endParaRPr b="0" lang="en-US" sz="2000" spc="-1" strike="noStrike">
-              <a:solidFill>
-                <a:srgbClr val="000000"/>
-              </a:solidFill>
-              <a:latin typeface="Rockwell"/>
+            <a:endParaRPr b="0" lang="en-IE" sz="3200" spc="-1" strike="noStrike">
+              <a:latin typeface="Arial"/>
             </a:endParaRPr>
           </a:p>
         </p:txBody>
@@ -4042,7 +3976,7 @@
             <a:spLocks noGrp="1"/>
           </p:cNvSpPr>
           <p:nvPr>
-            <p:ph type="ftr" idx="5"/>
+            <p:ph type="ftr" idx="4"/>
           </p:nvPr>
         </p:nvSpPr>
         <p:spPr/>
@@ -4062,14 +3996,14 @@
             <a:spLocks noGrp="1"/>
           </p:cNvSpPr>
           <p:nvPr>
-            <p:ph type="sldNum" idx="6"/>
+            <p:ph type="sldNum" idx="5"/>
           </p:nvPr>
         </p:nvSpPr>
         <p:spPr/>
         <p:txBody>
           <a:bodyPr/>
           <a:p>
-            <a:fld id="{7EC9B3E5-4FEC-4ADB-81CB-22D54F064A28}" type="slidenum">
+            <a:fld id="{73470857-5D50-4191-9C3A-DDDF65D5703B}" type="slidenum">
               <a:t>&lt;#&gt;</a:t>
             </a:fld>
           </a:p>
@@ -4082,7 +4016,7 @@
             <a:spLocks noGrp="1"/>
           </p:cNvSpPr>
           <p:nvPr>
-            <p:ph type="dt" idx="4"/>
+            <p:ph type="dt" idx="6"/>
           </p:nvPr>
         </p:nvSpPr>
         <p:spPr/>
@@ -4130,8 +4064,8 @@
         </p:nvSpPr>
         <p:spPr>
           <a:xfrm>
-            <a:off x="1069920" y="484560"/>
-            <a:ext cx="10058040" cy="1608840"/>
+            <a:off x="609480" y="273600"/>
+            <a:ext cx="10972440" cy="1144800"/>
           </a:xfrm>
           <a:prstGeom prst="rect">
             <a:avLst/>
@@ -4146,11 +4080,11 @@
             <a:noAutofit/>
           </a:bodyPr>
           <a:p>
-            <a:endParaRPr b="0" lang="en-US" sz="1800" spc="-1" strike="noStrike">
-              <a:solidFill>
-                <a:srgbClr val="000000"/>
-              </a:solidFill>
-              <a:latin typeface="Rockwell"/>
+            <a:pPr algn="ctr">
+              <a:buNone/>
+            </a:pPr>
+            <a:endParaRPr b="0" lang="en-IE" sz="4400" spc="-1" strike="noStrike">
+              <a:latin typeface="Arial"/>
             </a:endParaRPr>
           </a:p>
         </p:txBody>
@@ -4167,8 +4101,8 @@
         </p:nvSpPr>
         <p:spPr>
           <a:xfrm>
-            <a:off x="1069920" y="2121480"/>
-            <a:ext cx="10058040" cy="4050360"/>
+            <a:off x="609480" y="1604520"/>
+            <a:ext cx="10972440" cy="3977280"/>
           </a:xfrm>
           <a:prstGeom prst="rect">
             <a:avLst/>
@@ -4183,20 +4117,8 @@
             <a:normAutofit/>
           </a:bodyPr>
           <a:p>
-            <a:pPr>
-              <a:lnSpc>
-                <a:spcPct val="90000"/>
-              </a:lnSpc>
-              <a:spcBef>
-                <a:spcPts val="1417"/>
-              </a:spcBef>
-              <a:buNone/>
-            </a:pPr>
-            <a:endParaRPr b="0" lang="en-US" sz="2000" spc="-1" strike="noStrike">
-              <a:solidFill>
-                <a:srgbClr val="000000"/>
-              </a:solidFill>
-              <a:latin typeface="Rockwell"/>
+            <a:endParaRPr b="0" lang="en-IE" sz="3200" spc="-1" strike="noStrike">
+              <a:latin typeface="Arial"/>
             </a:endParaRPr>
           </a:p>
         </p:txBody>
@@ -4208,7 +4130,7 @@
             <a:spLocks noGrp="1"/>
           </p:cNvSpPr>
           <p:nvPr>
-            <p:ph type="ftr" idx="2"/>
+            <p:ph type="ftr" idx="1"/>
           </p:nvPr>
         </p:nvSpPr>
         <p:spPr/>
@@ -4228,14 +4150,14 @@
             <a:spLocks noGrp="1"/>
           </p:cNvSpPr>
           <p:nvPr>
-            <p:ph type="sldNum" idx="3"/>
+            <p:ph type="sldNum" idx="2"/>
           </p:nvPr>
         </p:nvSpPr>
         <p:spPr/>
         <p:txBody>
           <a:bodyPr/>
           <a:p>
-            <a:fld id="{CD746D14-F7AB-4371-BD22-497AB285A2B0}" type="slidenum">
+            <a:fld id="{DDA89ACD-A241-4488-9C5A-1D34DFA2EF26}" type="slidenum">
               <a:t>&lt;#&gt;</a:t>
             </a:fld>
           </a:p>
@@ -4248,7 +4170,7 @@
             <a:spLocks noGrp="1"/>
           </p:cNvSpPr>
           <p:nvPr>
-            <p:ph type="dt" idx="1"/>
+            <p:ph type="dt" idx="3"/>
           </p:nvPr>
         </p:nvSpPr>
         <p:spPr/>
@@ -4296,8 +4218,8 @@
         </p:nvSpPr>
         <p:spPr>
           <a:xfrm>
-            <a:off x="1069920" y="484560"/>
-            <a:ext cx="10058040" cy="1608840"/>
+            <a:off x="609480" y="273600"/>
+            <a:ext cx="10972440" cy="1144800"/>
           </a:xfrm>
           <a:prstGeom prst="rect">
             <a:avLst/>
@@ -4312,11 +4234,11 @@
             <a:noAutofit/>
           </a:bodyPr>
           <a:p>
-            <a:endParaRPr b="0" lang="en-US" sz="1800" spc="-1" strike="noStrike">
-              <a:solidFill>
-                <a:srgbClr val="000000"/>
-              </a:solidFill>
-              <a:latin typeface="Rockwell"/>
+            <a:pPr algn="ctr">
+              <a:buNone/>
+            </a:pPr>
+            <a:endParaRPr b="0" lang="en-IE" sz="4400" spc="-1" strike="noStrike">
+              <a:latin typeface="Arial"/>
             </a:endParaRPr>
           </a:p>
         </p:txBody>
@@ -4333,8 +4255,8 @@
         </p:nvSpPr>
         <p:spPr>
           <a:xfrm>
-            <a:off x="1069920" y="2121480"/>
-            <a:ext cx="4908240" cy="4050360"/>
+            <a:off x="609480" y="1604520"/>
+            <a:ext cx="5354280" cy="3977280"/>
           </a:xfrm>
           <a:prstGeom prst="rect">
             <a:avLst/>
@@ -4349,20 +4271,8 @@
             <a:normAutofit/>
           </a:bodyPr>
           <a:p>
-            <a:pPr>
-              <a:lnSpc>
-                <a:spcPct val="90000"/>
-              </a:lnSpc>
-              <a:spcBef>
-                <a:spcPts val="1417"/>
-              </a:spcBef>
-              <a:buNone/>
-            </a:pPr>
-            <a:endParaRPr b="0" lang="en-US" sz="2000" spc="-1" strike="noStrike">
-              <a:solidFill>
-                <a:srgbClr val="000000"/>
-              </a:solidFill>
-              <a:latin typeface="Rockwell"/>
+            <a:endParaRPr b="0" lang="en-IE" sz="3200" spc="-1" strike="noStrike">
+              <a:latin typeface="Arial"/>
             </a:endParaRPr>
           </a:p>
         </p:txBody>
@@ -4379,8 +4289,8 @@
         </p:nvSpPr>
         <p:spPr>
           <a:xfrm>
-            <a:off x="6224040" y="2121480"/>
-            <a:ext cx="4908240" cy="4050360"/>
+            <a:off x="6231960" y="1604520"/>
+            <a:ext cx="5354280" cy="3977280"/>
           </a:xfrm>
           <a:prstGeom prst="rect">
             <a:avLst/>
@@ -4395,20 +4305,8 @@
             <a:normAutofit/>
           </a:bodyPr>
           <a:p>
-            <a:pPr>
-              <a:lnSpc>
-                <a:spcPct val="90000"/>
-              </a:lnSpc>
-              <a:spcBef>
-                <a:spcPts val="1417"/>
-              </a:spcBef>
-              <a:buNone/>
-            </a:pPr>
-            <a:endParaRPr b="0" lang="en-US" sz="2000" spc="-1" strike="noStrike">
-              <a:solidFill>
-                <a:srgbClr val="000000"/>
-              </a:solidFill>
-              <a:latin typeface="Rockwell"/>
+            <a:endParaRPr b="0" lang="en-IE" sz="3200" spc="-1" strike="noStrike">
+              <a:latin typeface="Arial"/>
             </a:endParaRPr>
           </a:p>
         </p:txBody>
@@ -4420,7 +4318,7 @@
             <a:spLocks noGrp="1"/>
           </p:cNvSpPr>
           <p:nvPr>
-            <p:ph type="ftr" idx="2"/>
+            <p:ph type="ftr" idx="1"/>
           </p:nvPr>
         </p:nvSpPr>
         <p:spPr/>
@@ -4440,14 +4338,14 @@
             <a:spLocks noGrp="1"/>
           </p:cNvSpPr>
           <p:nvPr>
-            <p:ph type="sldNum" idx="3"/>
+            <p:ph type="sldNum" idx="2"/>
           </p:nvPr>
         </p:nvSpPr>
         <p:spPr/>
         <p:txBody>
           <a:bodyPr/>
           <a:p>
-            <a:fld id="{C3660B85-8474-4044-9B39-4F6524DC2BA3}" type="slidenum">
+            <a:fld id="{BEF27BB6-8D2F-43C9-80DD-7D749DC34F03}" type="slidenum">
               <a:t>&lt;#&gt;</a:t>
             </a:fld>
           </a:p>
@@ -4460,7 +4358,7 @@
             <a:spLocks noGrp="1"/>
           </p:cNvSpPr>
           <p:nvPr>
-            <p:ph type="dt" idx="1"/>
+            <p:ph type="dt" idx="3"/>
           </p:nvPr>
         </p:nvSpPr>
         <p:spPr/>
@@ -4508,8 +4406,8 @@
         </p:nvSpPr>
         <p:spPr>
           <a:xfrm>
-            <a:off x="1069920" y="484560"/>
-            <a:ext cx="10058040" cy="1608840"/>
+            <a:off x="609480" y="273600"/>
+            <a:ext cx="10972440" cy="1144800"/>
           </a:xfrm>
           <a:prstGeom prst="rect">
             <a:avLst/>
@@ -4524,11 +4422,11 @@
             <a:noAutofit/>
           </a:bodyPr>
           <a:p>
-            <a:endParaRPr b="0" lang="en-US" sz="1800" spc="-1" strike="noStrike">
-              <a:solidFill>
-                <a:srgbClr val="000000"/>
-              </a:solidFill>
-              <a:latin typeface="Rockwell"/>
+            <a:pPr algn="ctr">
+              <a:buNone/>
+            </a:pPr>
+            <a:endParaRPr b="0" lang="en-IE" sz="4400" spc="-1" strike="noStrike">
+              <a:latin typeface="Arial"/>
             </a:endParaRPr>
           </a:p>
         </p:txBody>
@@ -4540,7 +4438,7 @@
             <a:spLocks noGrp="1"/>
           </p:cNvSpPr>
           <p:nvPr>
-            <p:ph type="ftr" idx="2"/>
+            <p:ph type="ftr" idx="1"/>
           </p:nvPr>
         </p:nvSpPr>
         <p:spPr/>
@@ -4560,14 +4458,14 @@
             <a:spLocks noGrp="1"/>
           </p:cNvSpPr>
           <p:nvPr>
-            <p:ph type="sldNum" idx="3"/>
+            <p:ph type="sldNum" idx="2"/>
           </p:nvPr>
         </p:nvSpPr>
         <p:spPr/>
         <p:txBody>
           <a:bodyPr/>
           <a:p>
-            <a:fld id="{A48D338D-75BE-439C-87C3-065BD130A3E1}" type="slidenum">
+            <a:fld id="{90C2C504-CDD9-4852-BF97-D3A382CCCF14}" type="slidenum">
               <a:t>&lt;#&gt;</a:t>
             </a:fld>
           </a:p>
@@ -4580,7 +4478,7 @@
             <a:spLocks noGrp="1"/>
           </p:cNvSpPr>
           <p:nvPr>
-            <p:ph type="dt" idx="1"/>
+            <p:ph type="dt" idx="3"/>
           </p:nvPr>
         </p:nvSpPr>
         <p:spPr/>
@@ -4628,8 +4526,8 @@
         </p:nvSpPr>
         <p:spPr>
           <a:xfrm>
-            <a:off x="1069920" y="484560"/>
-            <a:ext cx="10058040" cy="7458840"/>
+            <a:off x="609480" y="273600"/>
+            <a:ext cx="10972440" cy="5307840"/>
           </a:xfrm>
           <a:prstGeom prst="rect">
             <a:avLst/>
@@ -4660,7 +4558,7 @@
             <a:spLocks noGrp="1"/>
           </p:cNvSpPr>
           <p:nvPr>
-            <p:ph type="ftr" idx="2"/>
+            <p:ph type="ftr" idx="1"/>
           </p:nvPr>
         </p:nvSpPr>
         <p:spPr/>
@@ -4680,14 +4578,14 @@
             <a:spLocks noGrp="1"/>
           </p:cNvSpPr>
           <p:nvPr>
-            <p:ph type="sldNum" idx="3"/>
+            <p:ph type="sldNum" idx="2"/>
           </p:nvPr>
         </p:nvSpPr>
         <p:spPr/>
         <p:txBody>
           <a:bodyPr/>
           <a:p>
-            <a:fld id="{0A49B2C7-E20B-44E6-9429-E3E28237D180}" type="slidenum">
+            <a:fld id="{1F868EB7-2FD0-4F79-8A5D-3116EEEA1B41}" type="slidenum">
               <a:t>&lt;#&gt;</a:t>
             </a:fld>
           </a:p>
@@ -4700,7 +4598,7 @@
             <a:spLocks noGrp="1"/>
           </p:cNvSpPr>
           <p:nvPr>
-            <p:ph type="dt" idx="1"/>
+            <p:ph type="dt" idx="3"/>
           </p:nvPr>
         </p:nvSpPr>
         <p:spPr/>
@@ -4748,8 +4646,8 @@
         </p:nvSpPr>
         <p:spPr>
           <a:xfrm>
-            <a:off x="1069920" y="484560"/>
-            <a:ext cx="10058040" cy="1608840"/>
+            <a:off x="609480" y="273600"/>
+            <a:ext cx="10972440" cy="1144800"/>
           </a:xfrm>
           <a:prstGeom prst="rect">
             <a:avLst/>
@@ -4764,11 +4662,11 @@
             <a:noAutofit/>
           </a:bodyPr>
           <a:p>
-            <a:endParaRPr b="0" lang="en-US" sz="1800" spc="-1" strike="noStrike">
-              <a:solidFill>
-                <a:srgbClr val="000000"/>
-              </a:solidFill>
-              <a:latin typeface="Rockwell"/>
+            <a:pPr algn="ctr">
+              <a:buNone/>
+            </a:pPr>
+            <a:endParaRPr b="0" lang="en-IE" sz="4400" spc="-1" strike="noStrike">
+              <a:latin typeface="Arial"/>
             </a:endParaRPr>
           </a:p>
         </p:txBody>
@@ -4785,8 +4683,8 @@
         </p:nvSpPr>
         <p:spPr>
           <a:xfrm>
-            <a:off x="1069920" y="2121480"/>
-            <a:ext cx="4908240" cy="1931760"/>
+            <a:off x="609480" y="1604520"/>
+            <a:ext cx="5354280" cy="1896840"/>
           </a:xfrm>
           <a:prstGeom prst="rect">
             <a:avLst/>
@@ -4801,20 +4699,8 @@
             <a:normAutofit/>
           </a:bodyPr>
           <a:p>
-            <a:pPr>
-              <a:lnSpc>
-                <a:spcPct val="90000"/>
-              </a:lnSpc>
-              <a:spcBef>
-                <a:spcPts val="1417"/>
-              </a:spcBef>
-              <a:buNone/>
-            </a:pPr>
-            <a:endParaRPr b="0" lang="en-US" sz="2000" spc="-1" strike="noStrike">
-              <a:solidFill>
-                <a:srgbClr val="000000"/>
-              </a:solidFill>
-              <a:latin typeface="Rockwell"/>
+            <a:endParaRPr b="0" lang="en-IE" sz="3200" spc="-1" strike="noStrike">
+              <a:latin typeface="Arial"/>
             </a:endParaRPr>
           </a:p>
         </p:txBody>
@@ -4831,8 +4717,8 @@
         </p:nvSpPr>
         <p:spPr>
           <a:xfrm>
-            <a:off x="6224040" y="2121480"/>
-            <a:ext cx="4908240" cy="4050360"/>
+            <a:off x="6231960" y="1604520"/>
+            <a:ext cx="5354280" cy="3977280"/>
           </a:xfrm>
           <a:prstGeom prst="rect">
             <a:avLst/>
@@ -4847,20 +4733,8 @@
             <a:normAutofit/>
           </a:bodyPr>
           <a:p>
-            <a:pPr>
-              <a:lnSpc>
-                <a:spcPct val="90000"/>
-              </a:lnSpc>
-              <a:spcBef>
-                <a:spcPts val="1417"/>
-              </a:spcBef>
-              <a:buNone/>
-            </a:pPr>
-            <a:endParaRPr b="0" lang="en-US" sz="2000" spc="-1" strike="noStrike">
-              <a:solidFill>
-                <a:srgbClr val="000000"/>
-              </a:solidFill>
-              <a:latin typeface="Rockwell"/>
+            <a:endParaRPr b="0" lang="en-IE" sz="3200" spc="-1" strike="noStrike">
+              <a:latin typeface="Arial"/>
             </a:endParaRPr>
           </a:p>
         </p:txBody>
@@ -4877,8 +4751,8 @@
         </p:nvSpPr>
         <p:spPr>
           <a:xfrm>
-            <a:off x="1069920" y="4237200"/>
-            <a:ext cx="4908240" cy="1931760"/>
+            <a:off x="609480" y="3682080"/>
+            <a:ext cx="5354280" cy="1896840"/>
           </a:xfrm>
           <a:prstGeom prst="rect">
             <a:avLst/>
@@ -4893,20 +4767,8 @@
             <a:normAutofit/>
           </a:bodyPr>
           <a:p>
-            <a:pPr>
-              <a:lnSpc>
-                <a:spcPct val="90000"/>
-              </a:lnSpc>
-              <a:spcBef>
-                <a:spcPts val="1417"/>
-              </a:spcBef>
-              <a:buNone/>
-            </a:pPr>
-            <a:endParaRPr b="0" lang="en-US" sz="2000" spc="-1" strike="noStrike">
-              <a:solidFill>
-                <a:srgbClr val="000000"/>
-              </a:solidFill>
-              <a:latin typeface="Rockwell"/>
+            <a:endParaRPr b="0" lang="en-IE" sz="3200" spc="-1" strike="noStrike">
+              <a:latin typeface="Arial"/>
             </a:endParaRPr>
           </a:p>
         </p:txBody>
@@ -4918,7 +4780,7 @@
             <a:spLocks noGrp="1"/>
           </p:cNvSpPr>
           <p:nvPr>
-            <p:ph type="ftr" idx="2"/>
+            <p:ph type="ftr" idx="1"/>
           </p:nvPr>
         </p:nvSpPr>
         <p:spPr/>
@@ -4938,14 +4800,14 @@
             <a:spLocks noGrp="1"/>
           </p:cNvSpPr>
           <p:nvPr>
-            <p:ph type="sldNum" idx="3"/>
+            <p:ph type="sldNum" idx="2"/>
           </p:nvPr>
         </p:nvSpPr>
         <p:spPr/>
         <p:txBody>
           <a:bodyPr/>
           <a:p>
-            <a:fld id="{A00D1A72-AAD4-48CD-B155-7B5FD750D82D}" type="slidenum">
+            <a:fld id="{08B109BA-8CAB-4BF1-B233-4F2F23D0068F}" type="slidenum">
               <a:t>&lt;#&gt;</a:t>
             </a:fld>
           </a:p>
@@ -4958,7 +4820,7 @@
             <a:spLocks noGrp="1"/>
           </p:cNvSpPr>
           <p:nvPr>
-            <p:ph type="dt" idx="1"/>
+            <p:ph type="dt" idx="3"/>
           </p:nvPr>
         </p:nvSpPr>
         <p:spPr/>
@@ -5006,8 +4868,8 @@
         </p:nvSpPr>
         <p:spPr>
           <a:xfrm>
-            <a:off x="1069920" y="484560"/>
-            <a:ext cx="10058040" cy="1608840"/>
+            <a:off x="609480" y="273600"/>
+            <a:ext cx="10972440" cy="1144800"/>
           </a:xfrm>
           <a:prstGeom prst="rect">
             <a:avLst/>
@@ -5022,11 +4884,11 @@
             <a:noAutofit/>
           </a:bodyPr>
           <a:p>
-            <a:endParaRPr b="0" lang="en-US" sz="1800" spc="-1" strike="noStrike">
-              <a:solidFill>
-                <a:srgbClr val="000000"/>
-              </a:solidFill>
-              <a:latin typeface="Rockwell"/>
+            <a:pPr algn="ctr">
+              <a:buNone/>
+            </a:pPr>
+            <a:endParaRPr b="0" lang="en-IE" sz="4400" spc="-1" strike="noStrike">
+              <a:latin typeface="Arial"/>
             </a:endParaRPr>
           </a:p>
         </p:txBody>
@@ -5043,8 +4905,8 @@
         </p:nvSpPr>
         <p:spPr>
           <a:xfrm>
-            <a:off x="1069920" y="2121480"/>
-            <a:ext cx="4908240" cy="4050360"/>
+            <a:off x="609480" y="1604520"/>
+            <a:ext cx="5354280" cy="3977280"/>
           </a:xfrm>
           <a:prstGeom prst="rect">
             <a:avLst/>
@@ -5059,20 +4921,8 @@
             <a:normAutofit/>
           </a:bodyPr>
           <a:p>
-            <a:pPr>
-              <a:lnSpc>
-                <a:spcPct val="90000"/>
-              </a:lnSpc>
-              <a:spcBef>
-                <a:spcPts val="1417"/>
-              </a:spcBef>
-              <a:buNone/>
-            </a:pPr>
-            <a:endParaRPr b="0" lang="en-US" sz="2000" spc="-1" strike="noStrike">
-              <a:solidFill>
-                <a:srgbClr val="000000"/>
-              </a:solidFill>
-              <a:latin typeface="Rockwell"/>
+            <a:endParaRPr b="0" lang="en-IE" sz="3200" spc="-1" strike="noStrike">
+              <a:latin typeface="Arial"/>
             </a:endParaRPr>
           </a:p>
         </p:txBody>
@@ -5089,8 +4939,8 @@
         </p:nvSpPr>
         <p:spPr>
           <a:xfrm>
-            <a:off x="6224040" y="2121480"/>
-            <a:ext cx="4908240" cy="1931760"/>
+            <a:off x="6231960" y="1604520"/>
+            <a:ext cx="5354280" cy="1896840"/>
           </a:xfrm>
           <a:prstGeom prst="rect">
             <a:avLst/>
@@ -5105,20 +4955,8 @@
             <a:normAutofit/>
           </a:bodyPr>
           <a:p>
-            <a:pPr>
-              <a:lnSpc>
-                <a:spcPct val="90000"/>
-              </a:lnSpc>
-              <a:spcBef>
-                <a:spcPts val="1417"/>
-              </a:spcBef>
-              <a:buNone/>
-            </a:pPr>
-            <a:endParaRPr b="0" lang="en-US" sz="2000" spc="-1" strike="noStrike">
-              <a:solidFill>
-                <a:srgbClr val="000000"/>
-              </a:solidFill>
-              <a:latin typeface="Rockwell"/>
+            <a:endParaRPr b="0" lang="en-IE" sz="3200" spc="-1" strike="noStrike">
+              <a:latin typeface="Arial"/>
             </a:endParaRPr>
           </a:p>
         </p:txBody>
@@ -5135,8 +4973,8 @@
         </p:nvSpPr>
         <p:spPr>
           <a:xfrm>
-            <a:off x="6224040" y="4237200"/>
-            <a:ext cx="4908240" cy="1931760"/>
+            <a:off x="6231960" y="3682080"/>
+            <a:ext cx="5354280" cy="1896840"/>
           </a:xfrm>
           <a:prstGeom prst="rect">
             <a:avLst/>
@@ -5151,20 +4989,8 @@
             <a:normAutofit/>
           </a:bodyPr>
           <a:p>
-            <a:pPr>
-              <a:lnSpc>
-                <a:spcPct val="90000"/>
-              </a:lnSpc>
-              <a:spcBef>
-                <a:spcPts val="1417"/>
-              </a:spcBef>
-              <a:buNone/>
-            </a:pPr>
-            <a:endParaRPr b="0" lang="en-US" sz="2000" spc="-1" strike="noStrike">
-              <a:solidFill>
-                <a:srgbClr val="000000"/>
-              </a:solidFill>
-              <a:latin typeface="Rockwell"/>
+            <a:endParaRPr b="0" lang="en-IE" sz="3200" spc="-1" strike="noStrike">
+              <a:latin typeface="Arial"/>
             </a:endParaRPr>
           </a:p>
         </p:txBody>
@@ -5176,7 +5002,7 @@
             <a:spLocks noGrp="1"/>
           </p:cNvSpPr>
           <p:nvPr>
-            <p:ph type="ftr" idx="2"/>
+            <p:ph type="ftr" idx="1"/>
           </p:nvPr>
         </p:nvSpPr>
         <p:spPr/>
@@ -5196,14 +5022,14 @@
             <a:spLocks noGrp="1"/>
           </p:cNvSpPr>
           <p:nvPr>
-            <p:ph type="sldNum" idx="3"/>
+            <p:ph type="sldNum" idx="2"/>
           </p:nvPr>
         </p:nvSpPr>
         <p:spPr/>
         <p:txBody>
           <a:bodyPr/>
           <a:p>
-            <a:fld id="{C5B2AAF4-B084-4818-AB39-EFD18FB271C2}" type="slidenum">
+            <a:fld id="{9558F563-AF81-4709-B36B-507122997116}" type="slidenum">
               <a:t>&lt;#&gt;</a:t>
             </a:fld>
           </a:p>
@@ -5216,7 +5042,7 @@
             <a:spLocks noGrp="1"/>
           </p:cNvSpPr>
           <p:nvPr>
-            <p:ph type="dt" idx="1"/>
+            <p:ph type="dt" idx="3"/>
           </p:nvPr>
         </p:nvSpPr>
         <p:spPr/>
@@ -5264,8 +5090,8 @@
         </p:nvSpPr>
         <p:spPr>
           <a:xfrm>
-            <a:off x="1069920" y="484560"/>
-            <a:ext cx="10058040" cy="1608840"/>
+            <a:off x="609480" y="273600"/>
+            <a:ext cx="10972440" cy="1144800"/>
           </a:xfrm>
           <a:prstGeom prst="rect">
             <a:avLst/>
@@ -5280,11 +5106,11 @@
             <a:noAutofit/>
           </a:bodyPr>
           <a:p>
-            <a:endParaRPr b="0" lang="en-US" sz="1800" spc="-1" strike="noStrike">
-              <a:solidFill>
-                <a:srgbClr val="000000"/>
-              </a:solidFill>
-              <a:latin typeface="Rockwell"/>
+            <a:pPr algn="ctr">
+              <a:buNone/>
+            </a:pPr>
+            <a:endParaRPr b="0" lang="en-IE" sz="4400" spc="-1" strike="noStrike">
+              <a:latin typeface="Arial"/>
             </a:endParaRPr>
           </a:p>
         </p:txBody>
@@ -5301,8 +5127,8 @@
         </p:nvSpPr>
         <p:spPr>
           <a:xfrm>
-            <a:off x="1069920" y="2121480"/>
-            <a:ext cx="4908240" cy="1931760"/>
+            <a:off x="609480" y="1604520"/>
+            <a:ext cx="5354280" cy="1896840"/>
           </a:xfrm>
           <a:prstGeom prst="rect">
             <a:avLst/>
@@ -5317,20 +5143,8 @@
             <a:normAutofit/>
           </a:bodyPr>
           <a:p>
-            <a:pPr>
-              <a:lnSpc>
-                <a:spcPct val="90000"/>
-              </a:lnSpc>
-              <a:spcBef>
-                <a:spcPts val="1417"/>
-              </a:spcBef>
-              <a:buNone/>
-            </a:pPr>
-            <a:endParaRPr b="0" lang="en-US" sz="2000" spc="-1" strike="noStrike">
-              <a:solidFill>
-                <a:srgbClr val="000000"/>
-              </a:solidFill>
-              <a:latin typeface="Rockwell"/>
+            <a:endParaRPr b="0" lang="en-IE" sz="3200" spc="-1" strike="noStrike">
+              <a:latin typeface="Arial"/>
             </a:endParaRPr>
           </a:p>
         </p:txBody>
@@ -5347,8 +5161,8 @@
         </p:nvSpPr>
         <p:spPr>
           <a:xfrm>
-            <a:off x="6224040" y="2121480"/>
-            <a:ext cx="4908240" cy="1931760"/>
+            <a:off x="6231960" y="1604520"/>
+            <a:ext cx="5354280" cy="1896840"/>
           </a:xfrm>
           <a:prstGeom prst="rect">
             <a:avLst/>
@@ -5363,20 +5177,8 @@
             <a:normAutofit/>
           </a:bodyPr>
           <a:p>
-            <a:pPr>
-              <a:lnSpc>
-                <a:spcPct val="90000"/>
-              </a:lnSpc>
-              <a:spcBef>
-                <a:spcPts val="1417"/>
-              </a:spcBef>
-              <a:buNone/>
-            </a:pPr>
-            <a:endParaRPr b="0" lang="en-US" sz="2000" spc="-1" strike="noStrike">
-              <a:solidFill>
-                <a:srgbClr val="000000"/>
-              </a:solidFill>
-              <a:latin typeface="Rockwell"/>
+            <a:endParaRPr b="0" lang="en-IE" sz="3200" spc="-1" strike="noStrike">
+              <a:latin typeface="Arial"/>
             </a:endParaRPr>
           </a:p>
         </p:txBody>
@@ -5393,8 +5195,8 @@
         </p:nvSpPr>
         <p:spPr>
           <a:xfrm>
-            <a:off x="1069920" y="4237200"/>
-            <a:ext cx="10058040" cy="1931760"/>
+            <a:off x="609480" y="3682080"/>
+            <a:ext cx="10972440" cy="1896840"/>
           </a:xfrm>
           <a:prstGeom prst="rect">
             <a:avLst/>
@@ -5409,20 +5211,8 @@
             <a:normAutofit/>
           </a:bodyPr>
           <a:p>
-            <a:pPr>
-              <a:lnSpc>
-                <a:spcPct val="90000"/>
-              </a:lnSpc>
-              <a:spcBef>
-                <a:spcPts val="1417"/>
-              </a:spcBef>
-              <a:buNone/>
-            </a:pPr>
-            <a:endParaRPr b="0" lang="en-US" sz="2000" spc="-1" strike="noStrike">
-              <a:solidFill>
-                <a:srgbClr val="000000"/>
-              </a:solidFill>
-              <a:latin typeface="Rockwell"/>
+            <a:endParaRPr b="0" lang="en-IE" sz="3200" spc="-1" strike="noStrike">
+              <a:latin typeface="Arial"/>
             </a:endParaRPr>
           </a:p>
         </p:txBody>
@@ -5434,7 +5224,7 @@
             <a:spLocks noGrp="1"/>
           </p:cNvSpPr>
           <p:nvPr>
-            <p:ph type="ftr" idx="2"/>
+            <p:ph type="ftr" idx="1"/>
           </p:nvPr>
         </p:nvSpPr>
         <p:spPr/>
@@ -5454,14 +5244,14 @@
             <a:spLocks noGrp="1"/>
           </p:cNvSpPr>
           <p:nvPr>
-            <p:ph type="sldNum" idx="3"/>
+            <p:ph type="sldNum" idx="2"/>
           </p:nvPr>
         </p:nvSpPr>
         <p:spPr/>
         <p:txBody>
           <a:bodyPr/>
           <a:p>
-            <a:fld id="{CEE2C142-7776-465D-9D29-7CF18C79B4EE}" type="slidenum">
+            <a:fld id="{ABE79C10-DF3D-4BF0-95EF-224DF5BBB6E0}" type="slidenum">
               <a:t>&lt;#&gt;</a:t>
             </a:fld>
           </a:p>
@@ -5474,7 +5264,7 @@
             <a:spLocks noGrp="1"/>
           </p:cNvSpPr>
           <p:nvPr>
-            <p:ph type="dt" idx="1"/>
+            <p:ph type="dt" idx="3"/>
           </p:nvPr>
         </p:nvSpPr>
         <p:spPr/>
@@ -5526,9 +5316,9 @@
         <p:grpSpPr>
           <a:xfrm>
             <a:off x="11401560" y="6229800"/>
-            <a:ext cx="456840" cy="456840"/>
+            <a:ext cx="455760" cy="455760"/>
             <a:chOff x="11401560" y="6229800"/>
-            <a:chExt cx="456840" cy="456840"/>
+            <a:chExt cx="455760" cy="455760"/>
           </a:xfrm>
         </p:grpSpPr>
         <p:sp>
@@ -5540,7 +5330,7 @@
           <p:spPr>
             <a:xfrm>
               <a:off x="11401560" y="6229800"/>
-              <a:ext cx="456840" cy="456840"/>
+              <a:ext cx="455760" cy="455760"/>
             </a:xfrm>
             <a:prstGeom prst="ellipse">
               <a:avLst/>
@@ -5570,7 +5360,7 @@
           <p:spPr>
             <a:xfrm>
               <a:off x="11431080" y="6258960"/>
-              <a:ext cx="398520" cy="398520"/>
+              <a:ext cx="397440" cy="397440"/>
             </a:xfrm>
             <a:prstGeom prst="ellipse">
               <a:avLst/>
@@ -5600,7 +5390,7 @@
         <p:spPr>
           <a:xfrm>
             <a:off x="920880" y="1347120"/>
-            <a:ext cx="10222560" cy="80280"/>
+            <a:ext cx="10221480" cy="79200"/>
           </a:xfrm>
           <a:prstGeom prst="rect">
             <a:avLst/>
@@ -5640,7 +5430,7 @@
         <p:spPr>
           <a:xfrm>
             <a:off x="920880" y="4299840"/>
-            <a:ext cx="10222560" cy="80280"/>
+            <a:ext cx="10221480" cy="79200"/>
           </a:xfrm>
           <a:prstGeom prst="rect">
             <a:avLst/>
@@ -5680,7 +5470,7 @@
         <p:spPr>
           <a:xfrm>
             <a:off x="920880" y="1484640"/>
-            <a:ext cx="10222560" cy="2742840"/>
+            <a:ext cx="10221480" cy="2741760"/>
           </a:xfrm>
           <a:prstGeom prst="rect">
             <a:avLst/>
@@ -5720,9 +5510,9 @@
         <p:grpSpPr>
           <a:xfrm>
             <a:off x="9649080" y="4069080"/>
-            <a:ext cx="1080720" cy="1080720"/>
+            <a:ext cx="1079640" cy="1079640"/>
             <a:chOff x="9649080" y="4069080"/>
-            <a:chExt cx="1080720" cy="1080720"/>
+            <a:chExt cx="1079640" cy="1079640"/>
           </a:xfrm>
         </p:grpSpPr>
         <p:sp>
@@ -5734,7 +5524,7 @@
           <p:spPr>
             <a:xfrm>
               <a:off x="9649080" y="4069080"/>
-              <a:ext cx="1080720" cy="1080720"/>
+              <a:ext cx="1079640" cy="1079640"/>
             </a:xfrm>
             <a:prstGeom prst="ellipse">
               <a:avLst/>
@@ -5764,7 +5554,7 @@
           <p:spPr>
             <a:xfrm>
               <a:off x="9757440" y="4177080"/>
-              <a:ext cx="864360" cy="864360"/>
+              <a:ext cx="863280" cy="863280"/>
             </a:xfrm>
             <a:prstGeom prst="ellipse">
               <a:avLst/>
@@ -5792,140 +5582,31 @@
             <a:spLocks noGrp="1"/>
           </p:cNvSpPr>
           <p:nvPr>
-            <p:ph type="title"/>
-          </p:nvPr>
-        </p:nvSpPr>
-        <p:spPr>
-          <a:xfrm>
-            <a:off x="1051560" y="1432080"/>
-            <a:ext cx="9966600" cy="3035520"/>
-          </a:xfrm>
-          <a:prstGeom prst="rect">
-            <a:avLst/>
-          </a:prstGeom>
-          <a:noFill/>
-          <a:ln w="0">
-            <a:noFill/>
-          </a:ln>
-        </p:spPr>
-        <p:txBody>
-          <a:bodyPr anchor="ctr">
+            <p:ph type="ftr" idx="1"/>
+          </p:nvPr>
+        </p:nvSpPr>
+        <p:spPr>
+          <a:xfrm>
+            <a:off x="1088280" y="6272640"/>
+            <a:ext cx="6326280" cy="363600"/>
+          </a:xfrm>
+          <a:prstGeom prst="rect">
+            <a:avLst/>
+          </a:prstGeom>
+          <a:noFill/>
+          <a:ln w="0">
+            <a:noFill/>
+          </a:ln>
+        </p:spPr>
+        <p:txBody>
+          <a:bodyPr lIns="90000" rIns="90000" tIns="45000" bIns="45000" anchor="ctr">
             <a:noAutofit/>
           </a:bodyPr>
-          <a:p>
-            <a:pPr>
-              <a:lnSpc>
-                <a:spcPct val="80000"/>
-              </a:lnSpc>
-              <a:buNone/>
-            </a:pPr>
-            <a:r>
-              <a:rPr b="0" lang="en-US" sz="9600" spc="-1" strike="noStrike" cap="all">
-                <a:latin typeface="Rockwell Condensed"/>
-              </a:rPr>
-              <a:t>Click to edit Master title style</a:t>
-            </a:r>
-            <a:endParaRPr b="0" lang="en-US" sz="9600" spc="-1" strike="noStrike">
-              <a:solidFill>
-                <a:srgbClr val="000000"/>
-              </a:solidFill>
-              <a:latin typeface="Rockwell"/>
-            </a:endParaRPr>
-          </a:p>
-        </p:txBody>
-      </p:sp>
-      <p:sp>
-        <p:nvSpPr>
-          <p:cNvPr id="10" name="PlaceHolder 2"/>
-          <p:cNvSpPr>
-            <a:spLocks noGrp="1"/>
-          </p:cNvSpPr>
-          <p:nvPr>
-            <p:ph type="dt" idx="1"/>
-          </p:nvPr>
-        </p:nvSpPr>
-        <p:spPr>
-          <a:xfrm>
-            <a:off x="7964280" y="6272640"/>
-            <a:ext cx="3273120" cy="364680"/>
-          </a:xfrm>
-          <a:prstGeom prst="rect">
-            <a:avLst/>
-          </a:prstGeom>
-          <a:noFill/>
-          <a:ln w="0">
-            <a:noFill/>
-          </a:ln>
-        </p:spPr>
-        <p:txBody>
-          <a:bodyPr anchor="ctr">
-            <a:noAutofit/>
-          </a:bodyPr>
           <a:lstStyle>
-            <a:lvl1pPr algn="r">
+            <a:lvl1pPr algn="ctr">
               <a:lnSpc>
                 <a:spcPct val="100000"/>
               </a:lnSpc>
-              <a:buNone/>
-              <a:defRPr b="0" lang="en-US" sz="1100" spc="-1" strike="noStrike">
-                <a:solidFill>
-                  <a:srgbClr val="696464"/>
-                </a:solidFill>
-                <a:latin typeface="Rockwell"/>
-              </a:defRPr>
-            </a:lvl1pPr>
-          </a:lstStyle>
-          <a:p>
-            <a:pPr algn="r">
-              <a:lnSpc>
-                <a:spcPct val="100000"/>
-              </a:lnSpc>
-              <a:buNone/>
-            </a:pPr>
-            <a:r>
-              <a:rPr b="0" lang="en-US" sz="1100" spc="-1" strike="noStrike">
-                <a:solidFill>
-                  <a:srgbClr val="696464"/>
-                </a:solidFill>
-                <a:latin typeface="Rockwell"/>
-              </a:rPr>
-              <a:t>&lt;date/time&gt;</a:t>
-            </a:r>
-            <a:endParaRPr b="0" lang="en-IE" sz="1100" spc="-1" strike="noStrike">
-              <a:latin typeface="Times New Roman"/>
-            </a:endParaRPr>
-          </a:p>
-        </p:txBody>
-      </p:sp>
-      <p:sp>
-        <p:nvSpPr>
-          <p:cNvPr id="11" name="PlaceHolder 3"/>
-          <p:cNvSpPr>
-            <a:spLocks noGrp="1"/>
-          </p:cNvSpPr>
-          <p:nvPr>
-            <p:ph type="ftr" idx="2"/>
-          </p:nvPr>
-        </p:nvSpPr>
-        <p:spPr>
-          <a:xfrm>
-            <a:off x="1088280" y="6272640"/>
-            <a:ext cx="6327360" cy="364680"/>
-          </a:xfrm>
-          <a:prstGeom prst="rect">
-            <a:avLst/>
-          </a:prstGeom>
-          <a:noFill/>
-          <a:ln w="0">
-            <a:noFill/>
-          </a:ln>
-        </p:spPr>
-        <p:txBody>
-          <a:bodyPr anchor="ctr">
-            <a:noAutofit/>
-          </a:bodyPr>
-          <a:lstStyle>
-            <a:lvl1pPr algn="ctr">
               <a:buNone/>
               <a:defRPr b="0" lang="en-IE" sz="1400" spc="-1" strike="noStrike">
                 <a:latin typeface="Times New Roman"/>
@@ -5934,6 +5615,9 @@
           </a:lstStyle>
           <a:p>
             <a:pPr algn="ctr">
+              <a:lnSpc>
+                <a:spcPct val="100000"/>
+              </a:lnSpc>
               <a:buNone/>
             </a:pPr>
             <a:r>
@@ -5950,29 +5634,29 @@
       </p:sp>
       <p:sp>
         <p:nvSpPr>
-          <p:cNvPr id="12" name="PlaceHolder 4"/>
-          <p:cNvSpPr>
-            <a:spLocks noGrp="1"/>
-          </p:cNvSpPr>
-          <p:nvPr>
-            <p:ph type="sldNum" idx="3"/>
+          <p:cNvPr id="10" name="PlaceHolder 2"/>
+          <p:cNvSpPr>
+            <a:spLocks noGrp="1"/>
+          </p:cNvSpPr>
+          <p:nvPr>
+            <p:ph type="sldNum" idx="2"/>
           </p:nvPr>
         </p:nvSpPr>
         <p:spPr>
           <a:xfrm>
             <a:off x="9592560" y="4289400"/>
-            <a:ext cx="1193400" cy="639720"/>
-          </a:xfrm>
-          <a:prstGeom prst="rect">
-            <a:avLst/>
-          </a:prstGeom>
-          <a:noFill/>
-          <a:ln w="0">
-            <a:noFill/>
-          </a:ln>
-        </p:spPr>
-        <p:txBody>
-          <a:bodyPr anchor="ctr">
+            <a:ext cx="1192320" cy="638640"/>
+          </a:xfrm>
+          <a:prstGeom prst="rect">
+            <a:avLst/>
+          </a:prstGeom>
+          <a:noFill/>
+          <a:ln w="0">
+            <a:noFill/>
+          </a:ln>
+        </p:spPr>
+        <p:txBody>
+          <a:bodyPr lIns="90000" rIns="90000" tIns="45000" bIns="45000" anchor="ctr">
             <a:noAutofit/>
           </a:bodyPr>
           <a:lstStyle>
@@ -5996,7 +5680,7 @@
               </a:lnSpc>
               <a:buNone/>
             </a:pPr>
-            <a:fld id="{BBD1EDD2-DF50-4E53-B124-4175C7458205}" type="slidenum">
+            <a:fld id="{D2360597-135E-4AE8-860D-1FFDEF081EA1}" type="slidenum">
               <a:rPr b="1" lang="en-US" sz="2800" spc="-1" strike="noStrike">
                 <a:solidFill>
                   <a:srgbClr val="ffffff"/>
@@ -6013,6 +5697,96 @@
       </p:sp>
       <p:sp>
         <p:nvSpPr>
+          <p:cNvPr id="11" name="PlaceHolder 3"/>
+          <p:cNvSpPr>
+            <a:spLocks noGrp="1"/>
+          </p:cNvSpPr>
+          <p:nvPr>
+            <p:ph type="dt" idx="3"/>
+          </p:nvPr>
+        </p:nvSpPr>
+        <p:spPr>
+          <a:xfrm>
+            <a:off x="7964280" y="6272640"/>
+            <a:ext cx="3272040" cy="363600"/>
+          </a:xfrm>
+          <a:prstGeom prst="rect">
+            <a:avLst/>
+          </a:prstGeom>
+          <a:noFill/>
+          <a:ln w="0">
+            <a:noFill/>
+          </a:ln>
+        </p:spPr>
+        <p:txBody>
+          <a:bodyPr lIns="90000" rIns="90000" tIns="45000" bIns="45000" anchor="ctr">
+            <a:noAutofit/>
+          </a:bodyPr>
+          <a:lstStyle>
+            <a:lvl1pPr>
+              <a:defRPr b="0" lang="en-IE" sz="1400" spc="-1" strike="noStrike">
+                <a:latin typeface="Times New Roman"/>
+              </a:defRPr>
+            </a:lvl1pPr>
+          </a:lstStyle>
+          <a:p>
+            <a:r>
+              <a:rPr b="0" lang="en-IE" sz="1400" spc="-1" strike="noStrike">
+                <a:latin typeface="Times New Roman"/>
+              </a:rPr>
+              <a:t>&lt;date/time&gt;</a:t>
+            </a:r>
+            <a:endParaRPr b="0" lang="en-IE" sz="1400" spc="-1" strike="noStrike">
+              <a:latin typeface="Times New Roman"/>
+            </a:endParaRPr>
+          </a:p>
+        </p:txBody>
+      </p:sp>
+      <p:sp>
+        <p:nvSpPr>
+          <p:cNvPr id="12" name="PlaceHolder 4"/>
+          <p:cNvSpPr>
+            <a:spLocks noGrp="1"/>
+          </p:cNvSpPr>
+          <p:nvPr>
+            <p:ph type="title"/>
+          </p:nvPr>
+        </p:nvSpPr>
+        <p:spPr>
+          <a:xfrm>
+            <a:off x="609480" y="273600"/>
+            <a:ext cx="10972440" cy="1144800"/>
+          </a:xfrm>
+          <a:prstGeom prst="rect">
+            <a:avLst/>
+          </a:prstGeom>
+          <a:noFill/>
+          <a:ln w="0">
+            <a:noFill/>
+          </a:ln>
+        </p:spPr>
+        <p:txBody>
+          <a:bodyPr lIns="0" rIns="0" tIns="0" bIns="0" anchor="ctr">
+            <a:noAutofit/>
+          </a:bodyPr>
+          <a:p>
+            <a:pPr algn="ctr">
+              <a:buNone/>
+            </a:pPr>
+            <a:r>
+              <a:rPr b="0" lang="en-IE" sz="4400" spc="-1" strike="noStrike">
+                <a:latin typeface="Arial"/>
+              </a:rPr>
+              <a:t>Click to edit the title text format</a:t>
+            </a:r>
+            <a:endParaRPr b="0" lang="en-IE" sz="4400" spc="-1" strike="noStrike">
+              <a:latin typeface="Arial"/>
+            </a:endParaRPr>
+          </a:p>
+        </p:txBody>
+      </p:sp>
+      <p:sp>
+        <p:nvSpPr>
           <p:cNvPr id="13" name="PlaceHolder 5"/>
           <p:cNvSpPr>
             <a:spLocks noGrp="1"/>
@@ -6040,9 +5814,6 @@
           </a:bodyPr>
           <a:p>
             <a:pPr marL="432000" indent="-324000">
-              <a:lnSpc>
-                <a:spcPct val="90000"/>
-              </a:lnSpc>
               <a:spcBef>
                 <a:spcPts val="1417"/>
               </a:spcBef>
@@ -6054,26 +5825,17 @@
               <a:buChar char=""/>
             </a:pPr>
             <a:r>
-              <a:rPr b="0" lang="en-US" sz="2000" spc="-1" strike="noStrike">
-                <a:solidFill>
-                  <a:srgbClr val="000000"/>
-                </a:solidFill>
-                <a:latin typeface="Rockwell"/>
+              <a:rPr b="0" lang="en-IE" sz="3200" spc="-1" strike="noStrike">
+                <a:latin typeface="Arial"/>
               </a:rPr>
               <a:t>Click to edit the outline text format</a:t>
             </a:r>
-            <a:endParaRPr b="0" lang="en-US" sz="2000" spc="-1" strike="noStrike">
-              <a:solidFill>
-                <a:srgbClr val="000000"/>
-              </a:solidFill>
-              <a:latin typeface="Rockwell"/>
+            <a:endParaRPr b="0" lang="en-IE" sz="3200" spc="-1" strike="noStrike">
+              <a:latin typeface="Arial"/>
             </a:endParaRPr>
           </a:p>
           <a:p>
             <a:pPr lvl="1" marL="864000" indent="-324000">
-              <a:lnSpc>
-                <a:spcPct val="90000"/>
-              </a:lnSpc>
               <a:spcBef>
                 <a:spcPts val="1134"/>
               </a:spcBef>
@@ -6085,26 +5847,17 @@
               <a:buChar char=""/>
             </a:pPr>
             <a:r>
-              <a:rPr b="0" lang="en-US" sz="1600" spc="-1" strike="noStrike">
-                <a:solidFill>
-                  <a:srgbClr val="000000"/>
-                </a:solidFill>
-                <a:latin typeface="Rockwell"/>
+              <a:rPr b="0" lang="en-IE" sz="2800" spc="-1" strike="noStrike">
+                <a:latin typeface="Arial"/>
               </a:rPr>
               <a:t>Second Outline Level</a:t>
             </a:r>
-            <a:endParaRPr b="0" lang="en-US" sz="1600" spc="-1" strike="noStrike">
-              <a:solidFill>
-                <a:srgbClr val="000000"/>
-              </a:solidFill>
-              <a:latin typeface="Rockwell"/>
+            <a:endParaRPr b="0" lang="en-IE" sz="2800" spc="-1" strike="noStrike">
+              <a:latin typeface="Arial"/>
             </a:endParaRPr>
           </a:p>
           <a:p>
             <a:pPr lvl="2" marL="1296000" indent="-288000">
-              <a:lnSpc>
-                <a:spcPct val="90000"/>
-              </a:lnSpc>
               <a:spcBef>
                 <a:spcPts val="850"/>
               </a:spcBef>
@@ -6116,26 +5869,17 @@
               <a:buChar char=""/>
             </a:pPr>
             <a:r>
-              <a:rPr b="0" lang="en-US" sz="1600" spc="-1" strike="noStrike">
-                <a:solidFill>
-                  <a:srgbClr val="000000"/>
-                </a:solidFill>
-                <a:latin typeface="Rockwell"/>
+              <a:rPr b="0" lang="en-IE" sz="2400" spc="-1" strike="noStrike">
+                <a:latin typeface="Arial"/>
               </a:rPr>
               <a:t>Third Outline Level</a:t>
             </a:r>
-            <a:endParaRPr b="0" lang="en-US" sz="1600" spc="-1" strike="noStrike">
-              <a:solidFill>
-                <a:srgbClr val="000000"/>
-              </a:solidFill>
-              <a:latin typeface="Rockwell"/>
+            <a:endParaRPr b="0" lang="en-IE" sz="2400" spc="-1" strike="noStrike">
+              <a:latin typeface="Arial"/>
             </a:endParaRPr>
           </a:p>
           <a:p>
             <a:pPr lvl="3" marL="1728000" indent="-216000">
-              <a:lnSpc>
-                <a:spcPct val="90000"/>
-              </a:lnSpc>
               <a:spcBef>
                 <a:spcPts val="567"/>
               </a:spcBef>
@@ -6147,26 +5891,17 @@
               <a:buChar char=""/>
             </a:pPr>
             <a:r>
-              <a:rPr b="0" lang="en-US" sz="1600" spc="-1" strike="noStrike">
-                <a:solidFill>
-                  <a:srgbClr val="000000"/>
-                </a:solidFill>
-                <a:latin typeface="Rockwell"/>
+              <a:rPr b="0" lang="en-IE" sz="2000" spc="-1" strike="noStrike">
+                <a:latin typeface="Arial"/>
               </a:rPr>
               <a:t>Fourth Outline Level</a:t>
             </a:r>
-            <a:endParaRPr b="0" lang="en-US" sz="1600" spc="-1" strike="noStrike">
-              <a:solidFill>
-                <a:srgbClr val="000000"/>
-              </a:solidFill>
-              <a:latin typeface="Rockwell"/>
+            <a:endParaRPr b="0" lang="en-IE" sz="2000" spc="-1" strike="noStrike">
+              <a:latin typeface="Arial"/>
             </a:endParaRPr>
           </a:p>
           <a:p>
             <a:pPr lvl="4" marL="2160000" indent="-216000">
-              <a:lnSpc>
-                <a:spcPct val="90000"/>
-              </a:lnSpc>
               <a:spcBef>
                 <a:spcPts val="283"/>
               </a:spcBef>
@@ -6178,26 +5913,17 @@
               <a:buChar char=""/>
             </a:pPr>
             <a:r>
-              <a:rPr b="0" lang="en-US" sz="2000" spc="-1" strike="noStrike">
-                <a:solidFill>
-                  <a:srgbClr val="000000"/>
-                </a:solidFill>
-                <a:latin typeface="Rockwell"/>
+              <a:rPr b="0" lang="en-IE" sz="2000" spc="-1" strike="noStrike">
+                <a:latin typeface="Arial"/>
               </a:rPr>
               <a:t>Fifth Outline Level</a:t>
             </a:r>
-            <a:endParaRPr b="0" lang="en-US" sz="2000" spc="-1" strike="noStrike">
-              <a:solidFill>
-                <a:srgbClr val="000000"/>
-              </a:solidFill>
-              <a:latin typeface="Rockwell"/>
+            <a:endParaRPr b="0" lang="en-IE" sz="2000" spc="-1" strike="noStrike">
+              <a:latin typeface="Arial"/>
             </a:endParaRPr>
           </a:p>
           <a:p>
             <a:pPr lvl="5" marL="2592000" indent="-216000">
-              <a:lnSpc>
-                <a:spcPct val="90000"/>
-              </a:lnSpc>
               <a:spcBef>
                 <a:spcPts val="283"/>
               </a:spcBef>
@@ -6209,26 +5935,17 @@
               <a:buChar char=""/>
             </a:pPr>
             <a:r>
-              <a:rPr b="0" lang="en-US" sz="2000" spc="-1" strike="noStrike">
-                <a:solidFill>
-                  <a:srgbClr val="000000"/>
-                </a:solidFill>
-                <a:latin typeface="Rockwell"/>
+              <a:rPr b="0" lang="en-IE" sz="2000" spc="-1" strike="noStrike">
+                <a:latin typeface="Arial"/>
               </a:rPr>
               <a:t>Sixth Outline Level</a:t>
             </a:r>
-            <a:endParaRPr b="0" lang="en-US" sz="2000" spc="-1" strike="noStrike">
-              <a:solidFill>
-                <a:srgbClr val="000000"/>
-              </a:solidFill>
-              <a:latin typeface="Rockwell"/>
+            <a:endParaRPr b="0" lang="en-IE" sz="2000" spc="-1" strike="noStrike">
+              <a:latin typeface="Arial"/>
             </a:endParaRPr>
           </a:p>
           <a:p>
             <a:pPr lvl="6" marL="3024000" indent="-216000">
-              <a:lnSpc>
-                <a:spcPct val="90000"/>
-              </a:lnSpc>
               <a:spcBef>
                 <a:spcPts val="283"/>
               </a:spcBef>
@@ -6240,19 +5957,13 @@
               <a:buChar char=""/>
             </a:pPr>
             <a:r>
-              <a:rPr b="0" lang="en-US" sz="2000" spc="-1" strike="noStrike">
-                <a:solidFill>
-                  <a:srgbClr val="000000"/>
-                </a:solidFill>
-                <a:latin typeface="Rockwell"/>
+              <a:rPr b="0" lang="en-IE" sz="2000" spc="-1" strike="noStrike">
+                <a:latin typeface="Arial"/>
               </a:rPr>
               <a:t>Seventh Outline Level</a:t>
             </a:r>
-            <a:endParaRPr b="0" lang="en-US" sz="2000" spc="-1" strike="noStrike">
-              <a:solidFill>
-                <a:srgbClr val="000000"/>
-              </a:solidFill>
-              <a:latin typeface="Rockwell"/>
+            <a:endParaRPr b="0" lang="en-IE" sz="2000" spc="-1" strike="noStrike">
+              <a:latin typeface="Arial"/>
             </a:endParaRPr>
           </a:p>
         </p:txBody>
@@ -6310,9 +6021,9 @@
         <p:grpSpPr>
           <a:xfrm>
             <a:off x="11401560" y="6229800"/>
-            <a:ext cx="456840" cy="456840"/>
+            <a:ext cx="455760" cy="455760"/>
             <a:chOff x="11401560" y="6229800"/>
-            <a:chExt cx="456840" cy="456840"/>
+            <a:chExt cx="455760" cy="455760"/>
           </a:xfrm>
         </p:grpSpPr>
         <p:sp>
@@ -6324,7 +6035,7 @@
           <p:spPr>
             <a:xfrm>
               <a:off x="11401560" y="6229800"/>
-              <a:ext cx="456840" cy="456840"/>
+              <a:ext cx="455760" cy="455760"/>
             </a:xfrm>
             <a:prstGeom prst="ellipse">
               <a:avLst/>
@@ -6354,7 +6065,7 @@
           <p:spPr>
             <a:xfrm>
               <a:off x="11431080" y="6258960"/>
-              <a:ext cx="398520" cy="398520"/>
+              <a:ext cx="397440" cy="397440"/>
             </a:xfrm>
             <a:prstGeom prst="ellipse">
               <a:avLst/>
@@ -6382,336 +6093,31 @@
             <a:spLocks noGrp="1"/>
           </p:cNvSpPr>
           <p:nvPr>
-            <p:ph type="title"/>
-          </p:nvPr>
-        </p:nvSpPr>
-        <p:spPr>
-          <a:xfrm>
-            <a:off x="1069920" y="484560"/>
-            <a:ext cx="10058040" cy="1608840"/>
-          </a:xfrm>
-          <a:prstGeom prst="rect">
-            <a:avLst/>
-          </a:prstGeom>
-          <a:noFill/>
-          <a:ln w="0">
-            <a:noFill/>
-          </a:ln>
-        </p:spPr>
-        <p:txBody>
-          <a:bodyPr anchor="ctr">
+            <p:ph type="ftr" idx="4"/>
+          </p:nvPr>
+        </p:nvSpPr>
+        <p:spPr>
+          <a:xfrm>
+            <a:off x="1088280" y="6272640"/>
+            <a:ext cx="6326280" cy="363600"/>
+          </a:xfrm>
+          <a:prstGeom prst="rect">
+            <a:avLst/>
+          </a:prstGeom>
+          <a:noFill/>
+          <a:ln w="0">
+            <a:noFill/>
+          </a:ln>
+        </p:spPr>
+        <p:txBody>
+          <a:bodyPr lIns="90000" rIns="90000" tIns="45000" bIns="45000" anchor="ctr">
             <a:noAutofit/>
           </a:bodyPr>
-          <a:p>
-            <a:pPr>
-              <a:lnSpc>
-                <a:spcPct val="90000"/>
-              </a:lnSpc>
-              <a:buNone/>
-            </a:pPr>
-            <a:r>
-              <a:rPr b="0" lang="en-US" sz="5400" spc="-1" strike="noStrike" cap="all">
-                <a:latin typeface="Rockwell Condensed"/>
-              </a:rPr>
-              <a:t>Click to edit Master title style</a:t>
-            </a:r>
-            <a:endParaRPr b="0" lang="en-US" sz="5400" spc="-1" strike="noStrike">
-              <a:solidFill>
-                <a:srgbClr val="000000"/>
-              </a:solidFill>
-              <a:latin typeface="Rockwell"/>
-            </a:endParaRPr>
-          </a:p>
-        </p:txBody>
-      </p:sp>
-      <p:sp>
-        <p:nvSpPr>
-          <p:cNvPr id="54" name="PlaceHolder 2"/>
-          <p:cNvSpPr>
-            <a:spLocks noGrp="1"/>
-          </p:cNvSpPr>
-          <p:nvPr>
-            <p:ph type="body"/>
-          </p:nvPr>
-        </p:nvSpPr>
-        <p:spPr>
-          <a:xfrm>
-            <a:off x="1069920" y="2121480"/>
-            <a:ext cx="10058040" cy="4050360"/>
-          </a:xfrm>
-          <a:prstGeom prst="rect">
-            <a:avLst/>
-          </a:prstGeom>
-          <a:noFill/>
-          <a:ln w="0">
-            <a:noFill/>
-          </a:ln>
-        </p:spPr>
-        <p:txBody>
-          <a:bodyPr anchor="t">
-            <a:noAutofit/>
-          </a:bodyPr>
-          <a:p>
-            <a:pPr marL="182880" indent="-182880">
-              <a:lnSpc>
-                <a:spcPct val="90000"/>
-              </a:lnSpc>
-              <a:spcBef>
-                <a:spcPts val="1199"/>
-              </a:spcBef>
-              <a:buClr>
-                <a:srgbClr val="9e3611"/>
-              </a:buClr>
-              <a:buSzPct val="85000"/>
-              <a:buFont typeface="Wingdings" charset="2"/>
-              <a:buChar char=""/>
-            </a:pPr>
-            <a:r>
-              <a:rPr b="0" lang="en-US" sz="2000" spc="-1" strike="noStrike">
-                <a:solidFill>
-                  <a:srgbClr val="000000"/>
-                </a:solidFill>
-                <a:latin typeface="Rockwell"/>
-              </a:rPr>
-              <a:t>Click to edit Master text styles</a:t>
-            </a:r>
-            <a:endParaRPr b="0" lang="en-US" sz="2000" spc="-1" strike="noStrike">
-              <a:solidFill>
-                <a:srgbClr val="000000"/>
-              </a:solidFill>
-              <a:latin typeface="Rockwell"/>
-            </a:endParaRPr>
-          </a:p>
-          <a:p>
-            <a:pPr lvl="1" marL="457200" indent="-182880">
-              <a:lnSpc>
-                <a:spcPct val="90000"/>
-              </a:lnSpc>
-              <a:spcBef>
-                <a:spcPts val="400"/>
-              </a:spcBef>
-              <a:spcAft>
-                <a:spcPts val="201"/>
-              </a:spcAft>
-              <a:buClr>
-                <a:srgbClr val="9e3611"/>
-              </a:buClr>
-              <a:buSzPct val="85000"/>
-              <a:buFont typeface="Wingdings" charset="2"/>
-              <a:buChar char=""/>
-            </a:pPr>
-            <a:r>
-              <a:rPr b="0" lang="en-US" sz="1800" spc="-1" strike="noStrike">
-                <a:solidFill>
-                  <a:srgbClr val="000000"/>
-                </a:solidFill>
-                <a:latin typeface="Rockwell"/>
-              </a:rPr>
-              <a:t>Second level</a:t>
-            </a:r>
-            <a:endParaRPr b="0" lang="en-US" sz="1800" spc="-1" strike="noStrike">
-              <a:solidFill>
-                <a:srgbClr val="000000"/>
-              </a:solidFill>
-              <a:latin typeface="Rockwell"/>
-            </a:endParaRPr>
-          </a:p>
-          <a:p>
-            <a:pPr lvl="2" marL="731520" indent="-182880">
-              <a:lnSpc>
-                <a:spcPct val="90000"/>
-              </a:lnSpc>
-              <a:spcBef>
-                <a:spcPts val="400"/>
-              </a:spcBef>
-              <a:spcAft>
-                <a:spcPts val="201"/>
-              </a:spcAft>
-              <a:buClr>
-                <a:srgbClr val="9e3611"/>
-              </a:buClr>
-              <a:buSzPct val="85000"/>
-              <a:buFont typeface="Wingdings" charset="2"/>
-              <a:buChar char=""/>
-            </a:pPr>
-            <a:r>
-              <a:rPr b="0" lang="en-US" sz="1600" spc="-1" strike="noStrike">
-                <a:solidFill>
-                  <a:srgbClr val="000000"/>
-                </a:solidFill>
-                <a:latin typeface="Rockwell"/>
-              </a:rPr>
-              <a:t>Third level</a:t>
-            </a:r>
-            <a:endParaRPr b="0" lang="en-US" sz="1600" spc="-1" strike="noStrike">
-              <a:solidFill>
-                <a:srgbClr val="000000"/>
-              </a:solidFill>
-              <a:latin typeface="Rockwell"/>
-            </a:endParaRPr>
-          </a:p>
-          <a:p>
-            <a:pPr lvl="3" marL="1005840" indent="-182880">
-              <a:lnSpc>
-                <a:spcPct val="90000"/>
-              </a:lnSpc>
-              <a:spcBef>
-                <a:spcPts val="400"/>
-              </a:spcBef>
-              <a:spcAft>
-                <a:spcPts val="201"/>
-              </a:spcAft>
-              <a:buClr>
-                <a:srgbClr val="9e3611"/>
-              </a:buClr>
-              <a:buSzPct val="85000"/>
-              <a:buFont typeface="Wingdings" charset="2"/>
-              <a:buChar char=""/>
-            </a:pPr>
-            <a:r>
-              <a:rPr b="0" lang="en-US" sz="1600" spc="-1" strike="noStrike">
-                <a:solidFill>
-                  <a:srgbClr val="000000"/>
-                </a:solidFill>
-                <a:latin typeface="Rockwell"/>
-              </a:rPr>
-              <a:t>Fourth level</a:t>
-            </a:r>
-            <a:endParaRPr b="0" lang="en-US" sz="1600" spc="-1" strike="noStrike">
-              <a:solidFill>
-                <a:srgbClr val="000000"/>
-              </a:solidFill>
-              <a:latin typeface="Rockwell"/>
-            </a:endParaRPr>
-          </a:p>
-          <a:p>
-            <a:pPr lvl="4" marL="1280160" indent="-182880">
-              <a:lnSpc>
-                <a:spcPct val="90000"/>
-              </a:lnSpc>
-              <a:spcBef>
-                <a:spcPts val="400"/>
-              </a:spcBef>
-              <a:spcAft>
-                <a:spcPts val="201"/>
-              </a:spcAft>
-              <a:buClr>
-                <a:srgbClr val="9e3611"/>
-              </a:buClr>
-              <a:buSzPct val="85000"/>
-              <a:buFont typeface="Wingdings" charset="2"/>
-              <a:buChar char=""/>
-            </a:pPr>
-            <a:r>
-              <a:rPr b="0" lang="en-US" sz="1600" spc="-1" strike="noStrike">
-                <a:solidFill>
-                  <a:srgbClr val="000000"/>
-                </a:solidFill>
-                <a:latin typeface="Rockwell"/>
-              </a:rPr>
-              <a:t>Fifth level</a:t>
-            </a:r>
-            <a:endParaRPr b="0" lang="en-US" sz="1600" spc="-1" strike="noStrike">
-              <a:solidFill>
-                <a:srgbClr val="000000"/>
-              </a:solidFill>
-              <a:latin typeface="Rockwell"/>
-            </a:endParaRPr>
-          </a:p>
-        </p:txBody>
-      </p:sp>
-      <p:sp>
-        <p:nvSpPr>
-          <p:cNvPr id="55" name="PlaceHolder 3"/>
-          <p:cNvSpPr>
-            <a:spLocks noGrp="1"/>
-          </p:cNvSpPr>
-          <p:nvPr>
-            <p:ph type="dt" idx="4"/>
-          </p:nvPr>
-        </p:nvSpPr>
-        <p:spPr>
-          <a:xfrm>
-            <a:off x="7964280" y="6272640"/>
-            <a:ext cx="3273120" cy="364680"/>
-          </a:xfrm>
-          <a:prstGeom prst="rect">
-            <a:avLst/>
-          </a:prstGeom>
-          <a:noFill/>
-          <a:ln w="0">
-            <a:noFill/>
-          </a:ln>
-        </p:spPr>
-        <p:txBody>
-          <a:bodyPr anchor="ctr">
-            <a:noAutofit/>
-          </a:bodyPr>
           <a:lstStyle>
-            <a:lvl1pPr algn="r">
+            <a:lvl1pPr algn="ctr">
               <a:lnSpc>
                 <a:spcPct val="100000"/>
               </a:lnSpc>
-              <a:buNone/>
-              <a:defRPr b="0" lang="en-US" sz="1100" spc="-1" strike="noStrike">
-                <a:solidFill>
-                  <a:srgbClr val="696464"/>
-                </a:solidFill>
-                <a:latin typeface="Rockwell"/>
-              </a:defRPr>
-            </a:lvl1pPr>
-          </a:lstStyle>
-          <a:p>
-            <a:pPr algn="r">
-              <a:lnSpc>
-                <a:spcPct val="100000"/>
-              </a:lnSpc>
-              <a:buNone/>
-            </a:pPr>
-            <a:r>
-              <a:rPr b="0" lang="en-US" sz="1100" spc="-1" strike="noStrike">
-                <a:solidFill>
-                  <a:srgbClr val="696464"/>
-                </a:solidFill>
-                <a:latin typeface="Rockwell"/>
-              </a:rPr>
-              <a:t>&lt;date/time&gt;</a:t>
-            </a:r>
-            <a:endParaRPr b="0" lang="en-IE" sz="1100" spc="-1" strike="noStrike">
-              <a:latin typeface="Times New Roman"/>
-            </a:endParaRPr>
-          </a:p>
-        </p:txBody>
-      </p:sp>
-      <p:sp>
-        <p:nvSpPr>
-          <p:cNvPr id="56" name="PlaceHolder 4"/>
-          <p:cNvSpPr>
-            <a:spLocks noGrp="1"/>
-          </p:cNvSpPr>
-          <p:nvPr>
-            <p:ph type="ftr" idx="5"/>
-          </p:nvPr>
-        </p:nvSpPr>
-        <p:spPr>
-          <a:xfrm>
-            <a:off x="1088280" y="6272640"/>
-            <a:ext cx="6327360" cy="364680"/>
-          </a:xfrm>
-          <a:prstGeom prst="rect">
-            <a:avLst/>
-          </a:prstGeom>
-          <a:noFill/>
-          <a:ln w="0">
-            <a:noFill/>
-          </a:ln>
-        </p:spPr>
-        <p:txBody>
-          <a:bodyPr anchor="ctr">
-            <a:noAutofit/>
-          </a:bodyPr>
-          <a:lstStyle>
-            <a:lvl1pPr algn="ctr">
               <a:buNone/>
               <a:defRPr b="0" lang="en-IE" sz="1400" spc="-1" strike="noStrike">
                 <a:latin typeface="Times New Roman"/>
@@ -6720,6 +6126,9 @@
           </a:lstStyle>
           <a:p>
             <a:pPr algn="ctr">
+              <a:lnSpc>
+                <a:spcPct val="100000"/>
+              </a:lnSpc>
               <a:buNone/>
             </a:pPr>
             <a:r>
@@ -6736,29 +6145,29 @@
       </p:sp>
       <p:sp>
         <p:nvSpPr>
-          <p:cNvPr id="57" name="PlaceHolder 5"/>
-          <p:cNvSpPr>
-            <a:spLocks noGrp="1"/>
-          </p:cNvSpPr>
-          <p:nvPr>
-            <p:ph type="sldNum" idx="6"/>
+          <p:cNvPr id="54" name="PlaceHolder 2"/>
+          <p:cNvSpPr>
+            <a:spLocks noGrp="1"/>
+          </p:cNvSpPr>
+          <p:nvPr>
+            <p:ph type="sldNum" idx="5"/>
           </p:nvPr>
         </p:nvSpPr>
         <p:spPr>
           <a:xfrm>
             <a:off x="11311200" y="6272640"/>
-            <a:ext cx="639720" cy="364680"/>
-          </a:xfrm>
-          <a:prstGeom prst="rect">
-            <a:avLst/>
-          </a:prstGeom>
-          <a:noFill/>
-          <a:ln w="0">
-            <a:noFill/>
-          </a:ln>
-        </p:spPr>
-        <p:txBody>
-          <a:bodyPr anchor="ctr">
+            <a:ext cx="638640" cy="363600"/>
+          </a:xfrm>
+          <a:prstGeom prst="rect">
+            <a:avLst/>
+          </a:prstGeom>
+          <a:noFill/>
+          <a:ln w="0">
+            <a:noFill/>
+          </a:ln>
+        </p:spPr>
+        <p:txBody>
+          <a:bodyPr lIns="90000" rIns="90000" tIns="45000" bIns="45000" anchor="ctr">
             <a:noAutofit/>
           </a:bodyPr>
           <a:lstStyle>
@@ -6782,7 +6191,7 @@
               </a:lnSpc>
               <a:buNone/>
             </a:pPr>
-            <a:fld id="{8CE4DF52-F731-441B-BF3C-0705BCE3677C}" type="slidenum">
+            <a:fld id="{BD2991BD-7DA4-4FBB-A7D9-E91517B04497}" type="slidenum">
               <a:rPr b="1" lang="en-US" sz="1400" spc="-1" strike="noStrike">
                 <a:solidFill>
                   <a:srgbClr val="ffffff"/>
@@ -6793,6 +6202,279 @@
             </a:fld>
             <a:endParaRPr b="0" lang="en-IE" sz="1400" spc="-1" strike="noStrike">
               <a:latin typeface="Times New Roman"/>
+            </a:endParaRPr>
+          </a:p>
+        </p:txBody>
+      </p:sp>
+      <p:sp>
+        <p:nvSpPr>
+          <p:cNvPr id="55" name="PlaceHolder 3"/>
+          <p:cNvSpPr>
+            <a:spLocks noGrp="1"/>
+          </p:cNvSpPr>
+          <p:nvPr>
+            <p:ph type="dt" idx="6"/>
+          </p:nvPr>
+        </p:nvSpPr>
+        <p:spPr>
+          <a:xfrm>
+            <a:off x="7964280" y="6272640"/>
+            <a:ext cx="3272040" cy="363600"/>
+          </a:xfrm>
+          <a:prstGeom prst="rect">
+            <a:avLst/>
+          </a:prstGeom>
+          <a:noFill/>
+          <a:ln w="0">
+            <a:noFill/>
+          </a:ln>
+        </p:spPr>
+        <p:txBody>
+          <a:bodyPr lIns="90000" rIns="90000" tIns="45000" bIns="45000" anchor="ctr">
+            <a:noAutofit/>
+          </a:bodyPr>
+          <a:lstStyle>
+            <a:lvl1pPr>
+              <a:defRPr b="0" lang="en-IE" sz="1400" spc="-1" strike="noStrike">
+                <a:latin typeface="Times New Roman"/>
+              </a:defRPr>
+            </a:lvl1pPr>
+          </a:lstStyle>
+          <a:p>
+            <a:r>
+              <a:rPr b="0" lang="en-IE" sz="1400" spc="-1" strike="noStrike">
+                <a:latin typeface="Times New Roman"/>
+              </a:rPr>
+              <a:t>&lt;date/time&gt;</a:t>
+            </a:r>
+            <a:endParaRPr b="0" lang="en-IE" sz="1400" spc="-1" strike="noStrike">
+              <a:latin typeface="Times New Roman"/>
+            </a:endParaRPr>
+          </a:p>
+        </p:txBody>
+      </p:sp>
+      <p:sp>
+        <p:nvSpPr>
+          <p:cNvPr id="56" name="PlaceHolder 4"/>
+          <p:cNvSpPr>
+            <a:spLocks noGrp="1"/>
+          </p:cNvSpPr>
+          <p:nvPr>
+            <p:ph type="title"/>
+          </p:nvPr>
+        </p:nvSpPr>
+        <p:spPr>
+          <a:xfrm>
+            <a:off x="609480" y="273600"/>
+            <a:ext cx="10972440" cy="1144800"/>
+          </a:xfrm>
+          <a:prstGeom prst="rect">
+            <a:avLst/>
+          </a:prstGeom>
+          <a:noFill/>
+          <a:ln w="0">
+            <a:noFill/>
+          </a:ln>
+        </p:spPr>
+        <p:txBody>
+          <a:bodyPr lIns="0" rIns="0" tIns="0" bIns="0" anchor="ctr">
+            <a:noAutofit/>
+          </a:bodyPr>
+          <a:p>
+            <a:pPr algn="ctr">
+              <a:buNone/>
+            </a:pPr>
+            <a:r>
+              <a:rPr b="0" lang="en-IE" sz="4400" spc="-1" strike="noStrike">
+                <a:latin typeface="Arial"/>
+              </a:rPr>
+              <a:t>Click to edit the title text format</a:t>
+            </a:r>
+            <a:endParaRPr b="0" lang="en-IE" sz="4400" spc="-1" strike="noStrike">
+              <a:latin typeface="Arial"/>
+            </a:endParaRPr>
+          </a:p>
+        </p:txBody>
+      </p:sp>
+      <p:sp>
+        <p:nvSpPr>
+          <p:cNvPr id="57" name="PlaceHolder 5"/>
+          <p:cNvSpPr>
+            <a:spLocks noGrp="1"/>
+          </p:cNvSpPr>
+          <p:nvPr>
+            <p:ph type="body"/>
+          </p:nvPr>
+        </p:nvSpPr>
+        <p:spPr>
+          <a:xfrm>
+            <a:off x="609480" y="1604520"/>
+            <a:ext cx="10972440" cy="3977280"/>
+          </a:xfrm>
+          <a:prstGeom prst="rect">
+            <a:avLst/>
+          </a:prstGeom>
+          <a:noFill/>
+          <a:ln w="0">
+            <a:noFill/>
+          </a:ln>
+        </p:spPr>
+        <p:txBody>
+          <a:bodyPr lIns="0" rIns="0" tIns="0" bIns="0" anchor="t">
+            <a:normAutofit/>
+          </a:bodyPr>
+          <a:p>
+            <a:pPr marL="432000" indent="-324000">
+              <a:spcBef>
+                <a:spcPts val="1417"/>
+              </a:spcBef>
+              <a:buClr>
+                <a:srgbClr val="000000"/>
+              </a:buClr>
+              <a:buSzPct val="45000"/>
+              <a:buFont typeface="Wingdings" charset="2"/>
+              <a:buChar char=""/>
+            </a:pPr>
+            <a:r>
+              <a:rPr b="0" lang="en-IE" sz="3200" spc="-1" strike="noStrike">
+                <a:latin typeface="Arial"/>
+              </a:rPr>
+              <a:t>Click to edit the outline text format</a:t>
+            </a:r>
+            <a:endParaRPr b="0" lang="en-IE" sz="3200" spc="-1" strike="noStrike">
+              <a:latin typeface="Arial"/>
+            </a:endParaRPr>
+          </a:p>
+          <a:p>
+            <a:pPr lvl="1" marL="864000" indent="-324000">
+              <a:spcBef>
+                <a:spcPts val="1134"/>
+              </a:spcBef>
+              <a:buClr>
+                <a:srgbClr val="000000"/>
+              </a:buClr>
+              <a:buSzPct val="75000"/>
+              <a:buFont typeface="Symbol" charset="2"/>
+              <a:buChar char=""/>
+            </a:pPr>
+            <a:r>
+              <a:rPr b="0" lang="en-IE" sz="2800" spc="-1" strike="noStrike">
+                <a:latin typeface="Arial"/>
+              </a:rPr>
+              <a:t>Second Outline Level</a:t>
+            </a:r>
+            <a:endParaRPr b="0" lang="en-IE" sz="2800" spc="-1" strike="noStrike">
+              <a:latin typeface="Arial"/>
+            </a:endParaRPr>
+          </a:p>
+          <a:p>
+            <a:pPr lvl="2" marL="1296000" indent="-288000">
+              <a:spcBef>
+                <a:spcPts val="850"/>
+              </a:spcBef>
+              <a:buClr>
+                <a:srgbClr val="000000"/>
+              </a:buClr>
+              <a:buSzPct val="45000"/>
+              <a:buFont typeface="Wingdings" charset="2"/>
+              <a:buChar char=""/>
+            </a:pPr>
+            <a:r>
+              <a:rPr b="0" lang="en-IE" sz="2400" spc="-1" strike="noStrike">
+                <a:latin typeface="Arial"/>
+              </a:rPr>
+              <a:t>Third Outline Level</a:t>
+            </a:r>
+            <a:endParaRPr b="0" lang="en-IE" sz="2400" spc="-1" strike="noStrike">
+              <a:latin typeface="Arial"/>
+            </a:endParaRPr>
+          </a:p>
+          <a:p>
+            <a:pPr lvl="3" marL="1728000" indent="-216000">
+              <a:spcBef>
+                <a:spcPts val="567"/>
+              </a:spcBef>
+              <a:buClr>
+                <a:srgbClr val="000000"/>
+              </a:buClr>
+              <a:buSzPct val="75000"/>
+              <a:buFont typeface="Symbol" charset="2"/>
+              <a:buChar char=""/>
+            </a:pPr>
+            <a:r>
+              <a:rPr b="0" lang="en-IE" sz="2000" spc="-1" strike="noStrike">
+                <a:latin typeface="Arial"/>
+              </a:rPr>
+              <a:t>Fourth Outline Level</a:t>
+            </a:r>
+            <a:endParaRPr b="0" lang="en-IE" sz="2000" spc="-1" strike="noStrike">
+              <a:latin typeface="Arial"/>
+            </a:endParaRPr>
+          </a:p>
+          <a:p>
+            <a:pPr lvl="4" marL="2160000" indent="-216000">
+              <a:spcBef>
+                <a:spcPts val="283"/>
+              </a:spcBef>
+              <a:buClr>
+                <a:srgbClr val="000000"/>
+              </a:buClr>
+              <a:buSzPct val="45000"/>
+              <a:buFont typeface="Wingdings" charset="2"/>
+              <a:buChar char=""/>
+            </a:pPr>
+            <a:r>
+              <a:rPr b="0" lang="en-IE" sz="2000" spc="-1" strike="noStrike">
+                <a:latin typeface="Arial"/>
+              </a:rPr>
+              <a:t>Fifth Outline Level</a:t>
+            </a:r>
+            <a:endParaRPr b="0" lang="en-IE" sz="2000" spc="-1" strike="noStrike">
+              <a:latin typeface="Arial"/>
+            </a:endParaRPr>
+          </a:p>
+          <a:p>
+            <a:pPr lvl="5" marL="2592000" indent="-216000">
+              <a:spcBef>
+                <a:spcPts val="283"/>
+              </a:spcBef>
+              <a:buClr>
+                <a:srgbClr val="000000"/>
+              </a:buClr>
+              <a:buSzPct val="45000"/>
+              <a:buFont typeface="Wingdings" charset="2"/>
+              <a:buChar char=""/>
+            </a:pPr>
+            <a:r>
+              <a:rPr b="0" lang="en-IE" sz="2000" spc="-1" strike="noStrike">
+                <a:latin typeface="Arial"/>
+              </a:rPr>
+              <a:t>Sixth Outline Level</a:t>
+            </a:r>
+            <a:endParaRPr b="0" lang="en-IE" sz="2000" spc="-1" strike="noStrike">
+              <a:latin typeface="Arial"/>
+            </a:endParaRPr>
+          </a:p>
+          <a:p>
+            <a:pPr lvl="6" marL="3024000" indent="-216000">
+              <a:spcBef>
+                <a:spcPts val="283"/>
+              </a:spcBef>
+              <a:buClr>
+                <a:srgbClr val="000000"/>
+              </a:buClr>
+              <a:buSzPct val="45000"/>
+              <a:buFont typeface="Wingdings" charset="2"/>
+              <a:buChar char=""/>
+            </a:pPr>
+            <a:r>
+              <a:rPr b="0" lang="en-IE" sz="2000" spc="-1" strike="noStrike">
+                <a:latin typeface="Arial"/>
+              </a:rPr>
+              <a:t>Seventh Outline Level</a:t>
+            </a:r>
+            <a:endParaRPr b="0" lang="en-IE" sz="2000" spc="-1" strike="noStrike">
+              <a:latin typeface="Arial"/>
             </a:endParaRPr>
           </a:p>
         </p:txBody>
@@ -6847,18 +6529,18 @@
         <p:spPr>
           <a:xfrm>
             <a:off x="1051560" y="1432080"/>
-            <a:ext cx="9966600" cy="3035520"/>
-          </a:xfrm>
-          <a:prstGeom prst="rect">
-            <a:avLst/>
-          </a:prstGeom>
-          <a:noFill/>
-          <a:ln w="0">
-            <a:noFill/>
-          </a:ln>
-        </p:spPr>
-        <p:txBody>
-          <a:bodyPr anchor="ctr">
+            <a:ext cx="9965520" cy="3034440"/>
+          </a:xfrm>
+          <a:prstGeom prst="rect">
+            <a:avLst/>
+          </a:prstGeom>
+          <a:noFill/>
+          <a:ln w="0">
+            <a:noFill/>
+          </a:ln>
+        </p:spPr>
+        <p:txBody>
+          <a:bodyPr lIns="0" rIns="0" tIns="0" bIns="0" anchor="ctr">
             <a:noAutofit/>
           </a:bodyPr>
           <a:p>
@@ -6883,11 +6565,8 @@
               </a:rPr>
               <a:t>HTML</a:t>
             </a:r>
-            <a:endParaRPr b="0" lang="en-US" sz="9600" spc="-1" strike="noStrike">
-              <a:solidFill>
-                <a:srgbClr val="000000"/>
-              </a:solidFill>
-              <a:latin typeface="Rockwell"/>
+            <a:endParaRPr b="0" lang="en-IE" sz="9600" spc="-1" strike="noStrike">
+              <a:latin typeface="Arial"/>
             </a:endParaRPr>
           </a:p>
         </p:txBody>
@@ -6905,18 +6584,18 @@
         <p:spPr>
           <a:xfrm>
             <a:off x="1069920" y="4389120"/>
-            <a:ext cx="7890840" cy="1069560"/>
-          </a:xfrm>
-          <a:prstGeom prst="rect">
-            <a:avLst/>
-          </a:prstGeom>
-          <a:noFill/>
-          <a:ln w="0">
-            <a:noFill/>
-          </a:ln>
-        </p:spPr>
-        <p:txBody>
-          <a:bodyPr anchor="t">
+            <a:ext cx="7889760" cy="1068480"/>
+          </a:xfrm>
+          <a:prstGeom prst="rect">
+            <a:avLst/>
+          </a:prstGeom>
+          <a:noFill/>
+          <a:ln w="0">
+            <a:noFill/>
+          </a:ln>
+        </p:spPr>
+        <p:txBody>
+          <a:bodyPr lIns="0" rIns="0" tIns="0" bIns="0" anchor="t">
             <a:normAutofit/>
           </a:bodyPr>
           <a:p>
@@ -7021,7 +6700,7 @@
         <p:spPr>
           <a:xfrm>
             <a:off x="0" y="0"/>
-            <a:ext cx="12191760" cy="6857640"/>
+            <a:ext cx="12190680" cy="6856560"/>
           </a:xfrm>
           <a:prstGeom prst="rect">
             <a:avLst/>
@@ -7057,7 +6736,7 @@
         <p:spPr>
           <a:xfrm>
             <a:off x="984600" y="464040"/>
-            <a:ext cx="10222560" cy="80280"/>
+            <a:ext cx="10221480" cy="79200"/>
           </a:xfrm>
           <a:prstGeom prst="rect">
             <a:avLst/>
@@ -7097,7 +6776,7 @@
         <p:spPr>
           <a:xfrm>
             <a:off x="984600" y="601920"/>
-            <a:ext cx="10222560" cy="1385640"/>
+            <a:ext cx="10221480" cy="1384560"/>
           </a:xfrm>
           <a:prstGeom prst="rect">
             <a:avLst/>
@@ -7137,7 +6816,7 @@
         <p:spPr>
           <a:xfrm>
             <a:off x="984600" y="2038680"/>
-            <a:ext cx="10222560" cy="80280"/>
+            <a:ext cx="10221480" cy="79200"/>
           </a:xfrm>
           <a:prstGeom prst="rect">
             <a:avLst/>
@@ -7181,18 +6860,18 @@
         <p:spPr>
           <a:xfrm>
             <a:off x="1069920" y="484560"/>
-            <a:ext cx="10058040" cy="1608840"/>
-          </a:xfrm>
-          <a:prstGeom prst="rect">
-            <a:avLst/>
-          </a:prstGeom>
-          <a:noFill/>
-          <a:ln w="0">
-            <a:noFill/>
-          </a:ln>
-        </p:spPr>
-        <p:txBody>
-          <a:bodyPr anchor="ctr">
+            <a:ext cx="10056960" cy="1607760"/>
+          </a:xfrm>
+          <a:prstGeom prst="rect">
+            <a:avLst/>
+          </a:prstGeom>
+          <a:noFill/>
+          <a:ln w="0">
+            <a:noFill/>
+          </a:ln>
+        </p:spPr>
+        <p:txBody>
+          <a:bodyPr lIns="90000" rIns="90000" tIns="45000" bIns="45000" anchor="ctr">
             <a:normAutofit/>
           </a:bodyPr>
           <a:p>
@@ -7208,11 +6887,8 @@
               </a:rPr>
               <a:t>Html</a:t>
             </a:r>
-            <a:endParaRPr b="0" lang="en-US" sz="5400" spc="-1" strike="noStrike">
-              <a:solidFill>
-                <a:srgbClr val="000000"/>
-              </a:solidFill>
-              <a:latin typeface="Rockwell"/>
+            <a:endParaRPr b="0" lang="en-IE" sz="5400" spc="-1" strike="noStrike">
+              <a:latin typeface="Arial"/>
             </a:endParaRPr>
           </a:p>
         </p:txBody>
@@ -7230,18 +6906,18 @@
         <p:spPr>
           <a:xfrm>
             <a:off x="1069920" y="2320560"/>
-            <a:ext cx="10058040" cy="3851280"/>
-          </a:xfrm>
-          <a:prstGeom prst="rect">
-            <a:avLst/>
-          </a:prstGeom>
-          <a:noFill/>
-          <a:ln w="0">
-            <a:noFill/>
-          </a:ln>
-        </p:spPr>
-        <p:txBody>
-          <a:bodyPr anchor="t">
+            <a:ext cx="10056960" cy="3850200"/>
+          </a:xfrm>
+          <a:prstGeom prst="rect">
+            <a:avLst/>
+          </a:prstGeom>
+          <a:noFill/>
+          <a:ln w="0">
+            <a:noFill/>
+          </a:ln>
+        </p:spPr>
+        <p:txBody>
+          <a:bodyPr lIns="90000" rIns="90000" tIns="45000" bIns="45000" anchor="t">
             <a:normAutofit/>
           </a:bodyPr>
           <a:p>
@@ -7268,11 +6944,8 @@
               </a:rPr>
               <a:t>Using W3Schools to learn html</a:t>
             </a:r>
-            <a:endParaRPr b="0" lang="en-US" sz="2000" spc="-1" strike="noStrike">
-              <a:solidFill>
-                <a:srgbClr val="000000"/>
-              </a:solidFill>
-              <a:latin typeface="Rockwell"/>
+            <a:endParaRPr b="0" lang="en-IE" sz="2000" spc="-1" strike="noStrike">
+              <a:latin typeface="Arial"/>
             </a:endParaRPr>
           </a:p>
           <a:p>
@@ -7299,11 +6972,8 @@
               </a:rPr>
               <a:t>The page tags (&lt;html&gt;,&lt;head&gt;,&lt;body&gt;)</a:t>
             </a:r>
-            <a:endParaRPr b="0" lang="en-US" sz="2000" spc="-1" strike="noStrike">
-              <a:solidFill>
-                <a:srgbClr val="000000"/>
-              </a:solidFill>
-              <a:latin typeface="Rockwell"/>
+            <a:endParaRPr b="0" lang="en-IE" sz="2000" spc="-1" strike="noStrike">
+              <a:latin typeface="Arial"/>
             </a:endParaRPr>
           </a:p>
           <a:p>
@@ -7330,11 +7000,8 @@
               </a:rPr>
               <a:t>The attributes id and class (for later)</a:t>
             </a:r>
-            <a:endParaRPr b="0" lang="en-US" sz="2000" spc="-1" strike="noStrike">
-              <a:solidFill>
-                <a:srgbClr val="000000"/>
-              </a:solidFill>
-              <a:latin typeface="Rockwell"/>
+            <a:endParaRPr b="0" lang="en-IE" sz="2000" spc="-1" strike="noStrike">
+              <a:latin typeface="Arial"/>
             </a:endParaRPr>
           </a:p>
           <a:p>
@@ -7361,11 +7028,8 @@
               </a:rPr>
               <a:t>The &lt;div&gt; tag</a:t>
             </a:r>
-            <a:endParaRPr b="0" lang="en-US" sz="2000" spc="-1" strike="noStrike">
-              <a:solidFill>
-                <a:srgbClr val="000000"/>
-              </a:solidFill>
-              <a:latin typeface="Rockwell"/>
+            <a:endParaRPr b="0" lang="en-IE" sz="2000" spc="-1" strike="noStrike">
+              <a:latin typeface="Arial"/>
             </a:endParaRPr>
           </a:p>
           <a:p>
@@ -7392,11 +7056,8 @@
               </a:rPr>
               <a:t>The table tags (&lt;table&gt;,&lt;tr&gt;,&lt;th&gt;,&lt;td&gt;)</a:t>
             </a:r>
-            <a:endParaRPr b="0" lang="en-US" sz="2000" spc="-1" strike="noStrike">
-              <a:solidFill>
-                <a:srgbClr val="000000"/>
-              </a:solidFill>
-              <a:latin typeface="Rockwell"/>
+            <a:endParaRPr b="0" lang="en-IE" sz="2000" spc="-1" strike="noStrike">
+              <a:latin typeface="Arial"/>
             </a:endParaRPr>
           </a:p>
           <a:p>
@@ -7423,11 +7084,8 @@
               </a:rPr>
               <a:t>The form tags (&lt;form&gt;, &lt;input&gt;,&lt;button&gt;,&lt;select&gt;,&lt;option&gt;)</a:t>
             </a:r>
-            <a:endParaRPr b="0" lang="en-US" sz="2000" spc="-1" strike="noStrike">
-              <a:solidFill>
-                <a:srgbClr val="000000"/>
-              </a:solidFill>
-              <a:latin typeface="Rockwell"/>
+            <a:endParaRPr b="0" lang="en-IE" sz="2000" spc="-1" strike="noStrike">
+              <a:latin typeface="Arial"/>
             </a:endParaRPr>
           </a:p>
           <a:p>
@@ -7452,11 +7110,8 @@
               </a:rPr>
               <a:t>I am not going through how to make pages look nice, that is a whole course in itself. Know that CSS exists and is used to format webpages.</a:t>
             </a:r>
-            <a:endParaRPr b="0" lang="en-US" sz="2000" spc="-1" strike="noStrike">
-              <a:solidFill>
-                <a:srgbClr val="000000"/>
-              </a:solidFill>
-              <a:latin typeface="Rockwell"/>
+            <a:endParaRPr b="0" lang="en-IE" sz="2000" spc="-1" strike="noStrike">
+              <a:latin typeface="Arial"/>
             </a:endParaRPr>
           </a:p>
           <a:p>
@@ -7481,11 +7136,8 @@
               </a:rPr>
               <a:t>The &lt;script&gt; tag: is where you write your javascript</a:t>
             </a:r>
-            <a:endParaRPr b="0" lang="en-US" sz="2000" spc="-1" strike="noStrike">
-              <a:solidFill>
-                <a:srgbClr val="000000"/>
-              </a:solidFill>
-              <a:latin typeface="Rockwell"/>
+            <a:endParaRPr b="0" lang="en-IE" sz="2000" spc="-1" strike="noStrike">
+              <a:latin typeface="Arial"/>
             </a:endParaRPr>
           </a:p>
         </p:txBody>
@@ -7499,7 +7151,7 @@
         <p:spPr>
           <a:xfrm>
             <a:off x="11401560" y="6229800"/>
-            <a:ext cx="456840" cy="456840"/>
+            <a:ext cx="455760" cy="455760"/>
           </a:xfrm>
           <a:prstGeom prst="ellipse">
             <a:avLst/>
@@ -7529,7 +7181,7 @@
         <p:spPr>
           <a:xfrm>
             <a:off x="11431080" y="6258960"/>
-            <a:ext cx="398520" cy="398520"/>
+            <a:ext cx="397440" cy="397440"/>
           </a:xfrm>
           <a:prstGeom prst="ellipse">
             <a:avLst/>
@@ -7592,18 +7244,18 @@
         <p:spPr>
           <a:xfrm>
             <a:off x="1066680" y="2096280"/>
-            <a:ext cx="10058040" cy="4050360"/>
-          </a:xfrm>
-          <a:prstGeom prst="rect">
-            <a:avLst/>
-          </a:prstGeom>
-          <a:noFill/>
-          <a:ln w="0">
-            <a:noFill/>
-          </a:ln>
-        </p:spPr>
-        <p:txBody>
-          <a:bodyPr anchor="t">
+            <a:ext cx="10056960" cy="4049280"/>
+          </a:xfrm>
+          <a:prstGeom prst="rect">
+            <a:avLst/>
+          </a:prstGeom>
+          <a:noFill/>
+          <a:ln w="0">
+            <a:noFill/>
+          </a:ln>
+        </p:spPr>
+        <p:txBody>
+          <a:bodyPr lIns="90000" rIns="90000" tIns="45000" bIns="45000" anchor="t">
             <a:noAutofit/>
           </a:bodyPr>
           <a:p>
@@ -7630,11 +7282,8 @@
               </a:rPr>
               <a:t>Try this your self</a:t>
             </a:r>
-            <a:endParaRPr b="0" lang="en-US" sz="2000" spc="-1" strike="noStrike">
-              <a:solidFill>
-                <a:srgbClr val="000000"/>
-              </a:solidFill>
-              <a:latin typeface="Rockwell"/>
+            <a:endParaRPr b="0" lang="en-IE" sz="2000" spc="-1" strike="noStrike">
+              <a:latin typeface="Arial"/>
             </a:endParaRPr>
           </a:p>
         </p:txBody>

--- a/labs/WSAA 9 DR6.1 html_ed.pptx
+++ b/labs/WSAA 9 DR6.1 html_ed.pptx
@@ -295,7 +295,7 @@
             <a:pPr algn="r">
               <a:buNone/>
             </a:pPr>
-            <a:fld id="{25F3432F-37A0-41AB-9E7D-A14DF6C4BD85}" type="slidenum">
+            <a:fld id="{E34A902C-3359-4FF3-A6BB-804BA561AA68}" type="slidenum">
               <a:rPr b="0" lang="en-IE" sz="1400" spc="-1" strike="noStrike">
                 <a:latin typeface="Times New Roman"/>
               </a:rPr>
@@ -343,7 +343,7 @@
         <p:spPr>
           <a:xfrm>
             <a:off x="216000" y="812520"/>
-            <a:ext cx="7126200" cy="4007880"/>
+            <a:ext cx="7125840" cy="4007520"/>
           </a:xfrm>
           <a:prstGeom prst="rect">
             <a:avLst/>
@@ -366,7 +366,7 @@
         <p:spPr>
           <a:xfrm>
             <a:off x="135000" y="5078520"/>
-            <a:ext cx="7333920" cy="4809960"/>
+            <a:ext cx="7333560" cy="4809600"/>
           </a:xfrm>
           <a:prstGeom prst="rect">
             <a:avLst/>
@@ -394,7 +394,31 @@
               <a:rPr b="0" lang="en-IE" sz="2000" spc="-1" strike="noStrike">
                 <a:latin typeface="Arial"/>
               </a:rPr>
-              <a:t>&gt; My9lecture1.html</a:t>
+              <a:t>There is one form of the project you can do which is making your </a:t>
+            </a:r>
+            <a:r>
+              <a:rPr b="0" lang="en-IE" sz="2000" spc="-1" strike="noStrike">
+                <a:latin typeface="Arial"/>
+              </a:rPr>
+              <a:t>own stack, where you make your own Restful API and you </a:t>
+            </a:r>
+            <a:r>
+              <a:rPr b="0" lang="en-IE" sz="2000" spc="-1" strike="noStrike">
+                <a:latin typeface="Arial"/>
+              </a:rPr>
+              <a:t>make your own HTML interface to that. Basically you're going </a:t>
+            </a:r>
+            <a:r>
+              <a:rPr b="0" lang="en-IE" sz="2000" spc="-1" strike="noStrike">
+                <a:latin typeface="Arial"/>
+              </a:rPr>
+              <a:t>to be following along a lot of the labs that we're doing in this </a:t>
+            </a:r>
+            <a:r>
+              <a:rPr b="0" lang="en-IE" sz="2000" spc="-1" strike="noStrike">
+                <a:latin typeface="Arial"/>
+              </a:rPr>
+              <a:t>lecture</a:t>
             </a:r>
             <a:endParaRPr b="0" lang="en-IE" sz="2000" spc="-1" strike="noStrike">
               <a:latin typeface="Arial"/>
@@ -424,6 +448,144 @@
                 <a:tab algn="l" pos="0"/>
               </a:tabLst>
             </a:pPr>
+            <a:r>
+              <a:rPr b="0" lang="en-IE" sz="2000" spc="-1" strike="noStrike">
+                <a:latin typeface="Arial"/>
+              </a:rPr>
+              <a:t>&gt; My9lecture1.html – run through server, not terminal </a:t>
+            </a:r>
+            <a:r>
+              <a:rPr b="0" lang="en-IE" sz="2000" spc="-1" strike="noStrike">
+                <a:latin typeface="Arial"/>
+              </a:rPr>
+              <a:t>(shift+alt+R) or right click &gt; reveal in File Explorer (in andrew)</a:t>
+            </a:r>
+            <a:endParaRPr b="0" lang="en-IE" sz="2000" spc="-1" strike="noStrike">
+              <a:latin typeface="Arial"/>
+            </a:endParaRPr>
+          </a:p>
+          <a:p>
+            <a:pPr marL="216000" indent="-216000">
+              <a:lnSpc>
+                <a:spcPct val="100000"/>
+              </a:lnSpc>
+              <a:buNone/>
+              <a:tabLst>
+                <a:tab algn="l" pos="0"/>
+              </a:tabLst>
+            </a:pPr>
+            <a:r>
+              <a:rPr b="0" lang="en-IE" sz="2000" spc="-1" strike="noStrike">
+                <a:latin typeface="Arial"/>
+              </a:rPr>
+              <a:t>Mine: right click, copy path, open in browser</a:t>
+            </a:r>
+            <a:endParaRPr b="0" lang="en-IE" sz="2000" spc="-1" strike="noStrike">
+              <a:latin typeface="Arial"/>
+            </a:endParaRPr>
+          </a:p>
+          <a:p>
+            <a:pPr marL="216000" indent="-216000">
+              <a:lnSpc>
+                <a:spcPct val="100000"/>
+              </a:lnSpc>
+              <a:buNone/>
+              <a:tabLst>
+                <a:tab algn="l" pos="0"/>
+              </a:tabLst>
+            </a:pPr>
+            <a:r>
+              <a:rPr b="0" lang="en-IE" sz="2000" spc="-1" strike="noStrike">
+                <a:latin typeface="Arial"/>
+              </a:rPr>
+              <a:t>&gt; burger button (top right) &gt; more tools &gt; web developer tools</a:t>
+            </a:r>
+            <a:endParaRPr b="0" lang="en-IE" sz="2000" spc="-1" strike="noStrike">
+              <a:latin typeface="Arial"/>
+            </a:endParaRPr>
+          </a:p>
+          <a:p>
+            <a:pPr marL="216000" indent="-216000">
+              <a:lnSpc>
+                <a:spcPct val="100000"/>
+              </a:lnSpc>
+              <a:buNone/>
+              <a:tabLst>
+                <a:tab algn="l" pos="0"/>
+              </a:tabLst>
+            </a:pPr>
+            <a:r>
+              <a:rPr b="0" lang="en-IE" sz="2000" spc="-1" strike="noStrike">
+                <a:latin typeface="Arial"/>
+              </a:rPr>
+              <a:t>Go to elements, console, network etc</a:t>
+            </a:r>
+            <a:endParaRPr b="0" lang="en-IE" sz="2000" spc="-1" strike="noStrike">
+              <a:latin typeface="Arial"/>
+            </a:endParaRPr>
+          </a:p>
+          <a:p>
+            <a:pPr marL="216000" indent="-216000">
+              <a:lnSpc>
+                <a:spcPct val="100000"/>
+              </a:lnSpc>
+              <a:buNone/>
+              <a:tabLst>
+                <a:tab algn="l" pos="0"/>
+              </a:tabLst>
+            </a:pPr>
+            <a:endParaRPr b="0" lang="en-IE" sz="2000" spc="-1" strike="noStrike">
+              <a:latin typeface="Arial"/>
+            </a:endParaRPr>
+          </a:p>
+          <a:p>
+            <a:pPr marL="216000" indent="-216000">
+              <a:lnSpc>
+                <a:spcPct val="100000"/>
+              </a:lnSpc>
+              <a:buNone/>
+              <a:tabLst>
+                <a:tab algn="l" pos="0"/>
+              </a:tabLst>
+            </a:pPr>
+            <a:r>
+              <a:rPr b="0" lang="en-IE" sz="2000" spc="-1" strike="noStrike">
+                <a:latin typeface="Arial"/>
+              </a:rPr>
+              <a:t>&lt;script&gt;</a:t>
+            </a:r>
+            <a:endParaRPr b="0" lang="en-IE" sz="2000" spc="-1" strike="noStrike">
+              <a:latin typeface="Arial"/>
+            </a:endParaRPr>
+          </a:p>
+          <a:p>
+            <a:pPr marL="216000" indent="-216000">
+              <a:lnSpc>
+                <a:spcPct val="100000"/>
+              </a:lnSpc>
+              <a:buNone/>
+              <a:tabLst>
+                <a:tab algn="l" pos="0"/>
+              </a:tabLst>
+            </a:pPr>
+            <a:r>
+              <a:rPr b="0" lang="en-IE" sz="2000" spc="-1" strike="noStrike">
+                <a:latin typeface="Arial"/>
+              </a:rPr>
+              <a:t>            </a:t>
+            </a:r>
+            <a:r>
+              <a:rPr b="0" lang="en-IE" sz="2000" spc="-1" strike="noStrike">
+                <a:latin typeface="Arial"/>
+              </a:rPr>
+              <a:t>console.log("hello mum")      - will say hello mum on other </a:t>
+            </a:r>
+            <a:r>
+              <a:rPr b="0" lang="en-IE" sz="2000" spc="-1" strike="noStrike">
+                <a:latin typeface="Arial"/>
+              </a:rPr>
+              <a:t>tools&gt;web developer tools &gt; console. useful for debugging. </a:t>
+            </a:r>
             <a:endParaRPr b="0" lang="en-IE" sz="2000" spc="-1" strike="noStrike">
               <a:latin typeface="Arial"/>
             </a:endParaRPr>
@@ -479,7 +641,7 @@
         <p:spPr>
           <a:xfrm>
             <a:off x="216000" y="812520"/>
-            <a:ext cx="7126560" cy="4008240"/>
+            <a:ext cx="7126200" cy="4007880"/>
           </a:xfrm>
           <a:prstGeom prst="rect">
             <a:avLst/>
@@ -502,7 +664,7 @@
         <p:spPr>
           <a:xfrm>
             <a:off x="0" y="4859280"/>
-            <a:ext cx="7558920" cy="5715000"/>
+            <a:ext cx="7558560" cy="5714640"/>
           </a:xfrm>
           <a:prstGeom prst="rect">
             <a:avLst/>
@@ -527,12 +689,12 @@
               </a:tabLst>
             </a:pPr>
             <a:r>
-              <a:rPr b="0" lang="en-IE" sz="1500" spc="-1" strike="noStrike">
+              <a:rPr b="0" lang="en-IE" sz="1400" spc="-1" strike="noStrike">
                 <a:latin typeface="Arial"/>
               </a:rPr>
               <a:t>well formed HTML have beginning and end tags. The root tag in HTML pages is HTML. There's often a child of that called head which will have a beginning and an end tag and there will be a child element called body which will have a beginning and end.</a:t>
             </a:r>
-            <a:endParaRPr b="0" lang="en-IE" sz="1500" spc="-1" strike="noStrike">
+            <a:endParaRPr b="0" lang="en-IE" sz="1400" spc="-1" strike="noStrike">
               <a:latin typeface="Arial"/>
             </a:endParaRPr>
           </a:p>
@@ -547,12 +709,12 @@
               </a:tabLst>
             </a:pPr>
             <a:r>
-              <a:rPr b="0" lang="en-IE" sz="1500" spc="-1" strike="noStrike">
+              <a:rPr b="0" lang="en-IE" sz="1400" spc="-1" strike="noStrike">
                 <a:latin typeface="Arial"/>
               </a:rPr>
-              <a:t>Attributes which are very handy in HTML especially for JavaScript are ID and class. Class applies more for CSS. Cascading Style Sheets used to make your page looked nice. IDs are for uniquely identifying a particular element of particular tag. Very handy. The diva tag is very handy for JavaScript as well. It's basically divides up a page and says this part of the page so handy for things like output. So you could say make a Dave tag with ID output and then you could do in your JavaScript document getelementbyid output and set the inner text of that to be whatever you want the output to be.</a:t>
-            </a:r>
-            <a:endParaRPr b="0" lang="en-IE" sz="1500" spc="-1" strike="noStrike">
+              <a:t>Attributes which are very handy in HTML especially for JavaScript are ID and class. Class applies more for CSS. Cascading Style Sheets used to make your page looked nice. IDs are for uniquely identifying a particular element of particular tag. The div tag is very handy for JavaScript as well. It's basically divides up a page and says this part of the page so handy for things like output. So you could say make a Dave tag with ID output and then you could do in your JavaScript document getelementbyid output and set the inner text of that to be whatever you want the output to be.</a:t>
+            </a:r>
+            <a:endParaRPr b="0" lang="en-IE" sz="1400" spc="-1" strike="noStrike">
               <a:latin typeface="Arial"/>
             </a:endParaRPr>
           </a:p>
@@ -567,12 +729,12 @@
               </a:tabLst>
             </a:pPr>
             <a:r>
-              <a:rPr b="0" lang="en-IE" sz="1500" spc="-1" strike="noStrike">
+              <a:rPr b="0" lang="en-IE" sz="1400" spc="-1" strike="noStrike">
                 <a:latin typeface="Arial"/>
               </a:rPr>
               <a:t>The other tags which are handy for displaying data are table. Table comes with a whole pile of under tags like TR which is table row, TH which is a table held head element and TD which is a table data element.</a:t>
             </a:r>
-            <a:endParaRPr b="0" lang="en-IE" sz="1500" spc="-1" strike="noStrike">
+            <a:endParaRPr b="0" lang="en-IE" sz="1400" spc="-1" strike="noStrike">
               <a:latin typeface="Arial"/>
             </a:endParaRPr>
           </a:p>
@@ -587,12 +749,12 @@
               </a:tabLst>
             </a:pPr>
             <a:r>
-              <a:rPr b="0" lang="en-IE" sz="1500" spc="-1" strike="noStrike">
+              <a:rPr b="0" lang="en-IE" sz="1400" spc="-1" strike="noStrike">
                 <a:latin typeface="Arial"/>
               </a:rPr>
-              <a:t>There's also form tags, form. Traditionally in HTML you'd have a form tag and then you'd have inputs inside that and button.</a:t>
-            </a:r>
-            <a:endParaRPr b="0" lang="en-IE" sz="1500" spc="-1" strike="noStrike">
+              <a:t>There's also form tags, form. Traditionally in HTML you'd have a form tag and then you'd have inputs inside that end button.</a:t>
+            </a:r>
+            <a:endParaRPr b="0" lang="en-IE" sz="1400" spc="-1" strike="noStrike">
               <a:latin typeface="Arial"/>
             </a:endParaRPr>
           </a:p>
@@ -607,12 +769,12 @@
               </a:tabLst>
             </a:pPr>
             <a:r>
-              <a:rPr b="0" lang="en-IE" sz="1500" spc="-1" strike="noStrike">
+              <a:rPr b="0" lang="en-IE" sz="1400" spc="-1" strike="noStrike">
                 <a:latin typeface="Arial"/>
               </a:rPr>
               <a:t>And I'm going to be using JavaScript, so I don't want the form tag because I don't want the browser to do the submitting of data. I want my JavaScript to do that. So I'll just be showing you input tags.</a:t>
             </a:r>
-            <a:endParaRPr b="0" lang="en-IE" sz="1500" spc="-1" strike="noStrike">
+            <a:endParaRPr b="0" lang="en-IE" sz="1400" spc="-1" strike="noStrike">
               <a:latin typeface="Arial"/>
             </a:endParaRPr>
           </a:p>
@@ -627,12 +789,12 @@
               </a:tabLst>
             </a:pPr>
             <a:r>
-              <a:rPr b="0" lang="en-IE" sz="1500" spc="-1" strike="noStrike">
+              <a:rPr b="0" lang="en-IE" sz="1400" spc="-1" strike="noStrike">
                 <a:latin typeface="Arial"/>
               </a:rPr>
               <a:t>I'm not going to go through too much of how to make a page look nice. That's whole course in multimedia on that itself.</a:t>
             </a:r>
-            <a:endParaRPr b="0" lang="en-IE" sz="1500" spc="-1" strike="noStrike">
+            <a:endParaRPr b="0" lang="en-IE" sz="1400" spc="-1" strike="noStrike">
               <a:latin typeface="Arial"/>
             </a:endParaRPr>
           </a:p>
@@ -647,12 +809,12 @@
               </a:tabLst>
             </a:pPr>
             <a:r>
-              <a:rPr b="0" lang="en-IE" sz="1500" spc="-1" strike="noStrike">
+              <a:rPr b="0" lang="en-IE" sz="1400" spc="-1" strike="noStrike">
                 <a:latin typeface="Arial"/>
               </a:rPr>
               <a:t>I do want you to know that CSS Cascading style sheets do exist and there is a quick and easy way to make your page look nice which is import or the cascading style sheets from bootstrap or some other system. Bootstrap is what Twitter uses so I like using that. The last tag, which is of course for us one of the most important is the script tag and inside there you do your JavaScript.</a:t>
             </a:r>
-            <a:endParaRPr b="0" lang="en-IE" sz="1500" spc="-1" strike="noStrike">
+            <a:endParaRPr b="0" lang="en-IE" sz="1400" spc="-1" strike="noStrike">
               <a:latin typeface="Arial"/>
             </a:endParaRPr>
           </a:p>
@@ -693,7 +855,7 @@
         <p:spPr>
           <a:xfrm>
             <a:off x="216000" y="812520"/>
-            <a:ext cx="7126920" cy="4008600"/>
+            <a:ext cx="7126560" cy="4008240"/>
           </a:xfrm>
           <a:prstGeom prst="rect">
             <a:avLst/>
@@ -715,8 +877,8 @@
         </p:nvSpPr>
         <p:spPr>
           <a:xfrm>
-            <a:off x="755640" y="5078520"/>
-            <a:ext cx="6046920" cy="4810320"/>
+            <a:off x="-90000" y="5078520"/>
+            <a:ext cx="7649640" cy="5613120"/>
           </a:xfrm>
           <a:prstGeom prst="rect">
             <a:avLst/>
@@ -736,6 +898,9 @@
                 <a:spcPct val="100000"/>
               </a:lnSpc>
               <a:buNone/>
+              <a:tabLst>
+                <a:tab algn="l" pos="0"/>
+              </a:tabLst>
             </a:pPr>
             <a:r>
               <a:rPr b="0" lang="en-IE" sz="2000" spc="-1" strike="noStrike">
@@ -753,12 +918,182 @@
                 <a:spcPct val="100000"/>
               </a:lnSpc>
               <a:buNone/>
+              <a:tabLst>
+                <a:tab algn="l" pos="0"/>
+              </a:tabLst>
+            </a:pPr>
+            <a:endParaRPr b="0" lang="en-IE" sz="2000" spc="-1" strike="noStrike">
+              <a:latin typeface="Arial"/>
+            </a:endParaRPr>
+          </a:p>
+          <a:p>
+            <a:pPr marL="216000" indent="-216000">
+              <a:lnSpc>
+                <a:spcPct val="100000"/>
+              </a:lnSpc>
+              <a:buNone/>
+              <a:tabLst>
+                <a:tab algn="l" pos="0"/>
+              </a:tabLst>
+            </a:pPr>
+            <a:r>
+              <a:rPr b="0" lang="en-IE" sz="2000" spc="-1" strike="noStrike">
+                <a:latin typeface="Arial"/>
+                <a:hlinkClick r:id="rId1"/>
+              </a:rPr>
+              <a:t>https://getbootstrap.com</a:t>
+            </a:r>
+            <a:endParaRPr b="0" lang="en-IE" sz="2000" spc="-1" strike="noStrike">
+              <a:latin typeface="Arial"/>
+            </a:endParaRPr>
+          </a:p>
+          <a:p>
+            <a:pPr marL="216000" indent="-216000">
+              <a:lnSpc>
+                <a:spcPct val="100000"/>
+              </a:lnSpc>
+              <a:buNone/>
+              <a:tabLst>
+                <a:tab algn="l" pos="0"/>
+              </a:tabLst>
             </a:pPr>
             <a:r>
               <a:rPr b="0" lang="en-IE" sz="2000" spc="-1" strike="noStrike">
                 <a:latin typeface="Arial"/>
               </a:rPr>
-              <a:t>https://getbootstrap.com</a:t>
+              <a:t>&gt; go down to Include via CDN </a:t>
+            </a:r>
+            <a:endParaRPr b="0" lang="en-IE" sz="2000" spc="-1" strike="noStrike">
+              <a:latin typeface="Arial"/>
+            </a:endParaRPr>
+          </a:p>
+          <a:p>
+            <a:pPr marL="216000" indent="-216000">
+              <a:lnSpc>
+                <a:spcPct val="100000"/>
+              </a:lnSpc>
+              <a:buNone/>
+              <a:tabLst>
+                <a:tab algn="l" pos="0"/>
+              </a:tabLst>
+            </a:pPr>
+            <a:r>
+              <a:rPr b="0" lang="en-IE" sz="2000" spc="-1" strike="noStrike">
+                <a:latin typeface="Arial"/>
+              </a:rPr>
+              <a:t>&gt; copy 1</a:t>
+            </a:r>
+            <a:r>
+              <a:rPr b="0" lang="en-IE" sz="2000" spc="-1" strike="noStrike" baseline="33000">
+                <a:latin typeface="Arial"/>
+              </a:rPr>
+              <a:t>st</a:t>
+            </a:r>
+            <a:r>
+              <a:rPr b="0" lang="en-IE" sz="2000" spc="-1" strike="noStrike">
+                <a:latin typeface="Arial"/>
+              </a:rPr>
+              <a:t> link into your header: &lt;link href="https://cdn.jsdelivr.net/npm/bootstrap@5.3.3/dist/css/bootstrap.min.css" rel="stylesheet" integrity="sha384-QWTKZyjpPEjISv5WaRU9OFeRpok6YctnYmDr5pNlyT2bRjXh0JMhjY6hW+ALEwIH" crossorigin="anonymous"&gt;</a:t>
+            </a:r>
+            <a:endParaRPr b="0" lang="en-IE" sz="2000" spc="-1" strike="noStrike">
+              <a:latin typeface="Arial"/>
+            </a:endParaRPr>
+          </a:p>
+          <a:p>
+            <a:pPr marL="216000" indent="-216000">
+              <a:lnSpc>
+                <a:spcPct val="100000"/>
+              </a:lnSpc>
+              <a:buNone/>
+              <a:tabLst>
+                <a:tab algn="l" pos="0"/>
+              </a:tabLst>
+            </a:pPr>
+            <a:r>
+              <a:rPr b="0" lang="en-IE" sz="2000" spc="-1" strike="noStrike">
+                <a:latin typeface="Arial"/>
+              </a:rPr>
+              <a:t>Bootstrap is a way of making a code look nice. All you need to do is include this magic piece of code, link that in your header and that includes a whole pile of CSS which makes things look nicer.</a:t>
+            </a:r>
+            <a:endParaRPr b="0" lang="en-IE" sz="2000" spc="-1" strike="noStrike">
+              <a:latin typeface="Arial"/>
+            </a:endParaRPr>
+          </a:p>
+          <a:p>
+            <a:pPr marL="216000" indent="-216000">
+              <a:lnSpc>
+                <a:spcPct val="100000"/>
+              </a:lnSpc>
+              <a:buNone/>
+              <a:tabLst>
+                <a:tab algn="l" pos="0"/>
+              </a:tabLst>
+            </a:pPr>
+            <a:endParaRPr b="0" lang="en-IE" sz="2000" spc="-1" strike="noStrike">
+              <a:latin typeface="Arial"/>
+            </a:endParaRPr>
+          </a:p>
+          <a:p>
+            <a:pPr marL="216000" indent="-216000">
+              <a:lnSpc>
+                <a:spcPct val="100000"/>
+              </a:lnSpc>
+              <a:buNone/>
+              <a:tabLst>
+                <a:tab algn="l" pos="0"/>
+              </a:tabLst>
+            </a:pPr>
+            <a:r>
+              <a:rPr b="0" lang="en-IE" sz="2000" spc="-1" strike="noStrike">
+                <a:latin typeface="Arial"/>
+              </a:rPr>
+              <a:t>&gt; 2</a:t>
+            </a:r>
+            <a:r>
+              <a:rPr b="0" lang="en-IE" sz="2000" spc="-1" strike="noStrike" baseline="33000">
+                <a:latin typeface="Arial"/>
+              </a:rPr>
+              <a:t>nd</a:t>
+            </a:r>
+            <a:r>
+              <a:rPr b="0" lang="en-IE" sz="2000" spc="-1" strike="noStrike">
+                <a:latin typeface="Arial"/>
+              </a:rPr>
+              <a:t> link is the functionality (add accordians etc)</a:t>
+            </a:r>
+            <a:endParaRPr b="0" lang="en-IE" sz="2000" spc="-1" strike="noStrike">
+              <a:latin typeface="Arial"/>
+            </a:endParaRPr>
+          </a:p>
+          <a:p>
+            <a:pPr marL="216000" indent="-216000">
+              <a:lnSpc>
+                <a:spcPct val="100000"/>
+              </a:lnSpc>
+              <a:buNone/>
+              <a:tabLst>
+                <a:tab algn="l" pos="0"/>
+              </a:tabLst>
+            </a:pPr>
+            <a:endParaRPr b="0" lang="en-IE" sz="2000" spc="-1" strike="noStrike">
+              <a:latin typeface="Arial"/>
+            </a:endParaRPr>
+          </a:p>
+          <a:p>
+            <a:pPr marL="216000" indent="-216000">
+              <a:lnSpc>
+                <a:spcPct val="100000"/>
+              </a:lnSpc>
+              <a:buNone/>
+              <a:tabLst>
+                <a:tab algn="l" pos="0"/>
+              </a:tabLst>
+            </a:pPr>
+            <a:r>
+              <a:rPr b="0" lang="en-IE" sz="2000" spc="-1" strike="noStrike">
+                <a:latin typeface="Arial"/>
+              </a:rPr>
+              <a:t>&gt;Docs &gt; content &gt;tables</a:t>
             </a:r>
             <a:endParaRPr b="0" lang="en-IE" sz="2000" spc="-1" strike="noStrike">
               <a:latin typeface="Arial"/>
@@ -822,7 +1157,7 @@
         <p:txBody>
           <a:bodyPr/>
           <a:p>
-            <a:fld id="{91ECD86B-D60B-4570-9FF4-12B090CB449F}" type="slidenum">
+            <a:fld id="{EF256549-9B02-4A93-9291-EA8D1DDE03BC}" type="slidenum">
               <a:t>&lt;#&gt;</a:t>
             </a:fld>
           </a:p>
@@ -1010,7 +1345,7 @@
         <p:txBody>
           <a:bodyPr/>
           <a:p>
-            <a:fld id="{020255E7-7A17-4038-84CA-ADC4A6AA7262}" type="slidenum">
+            <a:fld id="{564D8A05-3F23-42E4-86BD-9DA1926D4B45}" type="slidenum">
               <a:t>&lt;#&gt;</a:t>
             </a:fld>
           </a:p>
@@ -1266,7 +1601,7 @@
         <p:txBody>
           <a:bodyPr/>
           <a:p>
-            <a:fld id="{E314F57E-EDC1-4181-BD6D-710E838A95C2}" type="slidenum">
+            <a:fld id="{AFA73FD6-EE67-46D3-8B6A-F7CBCF35A51F}" type="slidenum">
               <a:t>&lt;#&gt;</a:t>
             </a:fld>
           </a:p>
@@ -1590,7 +1925,7 @@
         <p:txBody>
           <a:bodyPr/>
           <a:p>
-            <a:fld id="{B853BA2A-3A88-47D8-9805-6D43578494A6}" type="slidenum">
+            <a:fld id="{E2D55B16-1D5D-4171-94FD-359130B4DCD7}" type="slidenum">
               <a:t>&lt;#&gt;</a:t>
             </a:fld>
           </a:p>
@@ -1673,7 +2008,7 @@
         <p:txBody>
           <a:bodyPr/>
           <a:p>
-            <a:fld id="{E0B2B2EE-24B3-4225-B954-52951EB3DF6E}" type="slidenum">
+            <a:fld id="{F0628F11-A599-44BA-BE6A-C0B83E2DCBBE}" type="slidenum">
               <a:t>&lt;#&gt;</a:t>
             </a:fld>
           </a:p>
@@ -1830,7 +2165,7 @@
         <p:txBody>
           <a:bodyPr/>
           <a:p>
-            <a:fld id="{0638C358-BF71-4ED1-B835-936C2AD026C0}" type="slidenum">
+            <a:fld id="{39A84E12-A073-4EA2-BB0E-EFE7961C4942}" type="slidenum">
               <a:t>&lt;#&gt;</a:t>
             </a:fld>
           </a:p>
@@ -1984,7 +2319,7 @@
         <p:txBody>
           <a:bodyPr/>
           <a:p>
-            <a:fld id="{4F7D9350-7750-4AEA-933A-26368BB55196}" type="slidenum">
+            <a:fld id="{9EF2D484-9DCA-46BE-B52B-D4B1C2E59CF2}" type="slidenum">
               <a:t>&lt;#&gt;</a:t>
             </a:fld>
           </a:p>
@@ -2172,7 +2507,7 @@
         <p:txBody>
           <a:bodyPr/>
           <a:p>
-            <a:fld id="{1DC1031A-55DD-4734-90CA-1EB41D2523B8}" type="slidenum">
+            <a:fld id="{6698486A-24E9-4D22-8DA3-FAC773FDB23B}" type="slidenum">
               <a:t>&lt;#&gt;</a:t>
             </a:fld>
           </a:p>
@@ -2292,7 +2627,7 @@
         <p:txBody>
           <a:bodyPr/>
           <a:p>
-            <a:fld id="{0DBF60C0-EE13-474F-B540-00191C4F5056}" type="slidenum">
+            <a:fld id="{576AED3A-47FD-4743-B6E3-B31E65F7734D}" type="slidenum">
               <a:t>&lt;#&gt;</a:t>
             </a:fld>
           </a:p>
@@ -2412,7 +2747,7 @@
         <p:txBody>
           <a:bodyPr/>
           <a:p>
-            <a:fld id="{215C02AC-12BC-45B1-AB56-03D3A6EC101C}" type="slidenum">
+            <a:fld id="{7A1F308C-CB3C-4D5C-9C82-A0E1103DE9AB}" type="slidenum">
               <a:t>&lt;#&gt;</a:t>
             </a:fld>
           </a:p>
@@ -2634,7 +2969,7 @@
         <p:txBody>
           <a:bodyPr/>
           <a:p>
-            <a:fld id="{13FE3319-2713-432A-8B0E-201F6B917B6B}" type="slidenum">
+            <a:fld id="{7DE1E7B4-3553-44D1-8E41-E87C7A9EDBE4}" type="slidenum">
               <a:t>&lt;#&gt;</a:t>
             </a:fld>
           </a:p>
@@ -2791,7 +3126,7 @@
         <p:txBody>
           <a:bodyPr/>
           <a:p>
-            <a:fld id="{6F4418FB-38A7-4C21-A826-45835C6D6122}" type="slidenum">
+            <a:fld id="{69425E9D-C86A-4071-899B-FE23622A73A8}" type="slidenum">
               <a:t>&lt;#&gt;</a:t>
             </a:fld>
           </a:p>
@@ -3013,7 +3348,7 @@
         <p:txBody>
           <a:bodyPr/>
           <a:p>
-            <a:fld id="{A8D57875-5930-435C-B570-B03577F8721B}" type="slidenum">
+            <a:fld id="{6C639961-71FD-4FE2-8CA7-1A840430B71D}" type="slidenum">
               <a:t>&lt;#&gt;</a:t>
             </a:fld>
           </a:p>
@@ -3235,7 +3570,7 @@
         <p:txBody>
           <a:bodyPr/>
           <a:p>
-            <a:fld id="{E42CF2CA-939B-4A87-945B-73E15AEB0D07}" type="slidenum">
+            <a:fld id="{92185E6F-273A-4F08-A64A-634794C658CE}" type="slidenum">
               <a:t>&lt;#&gt;</a:t>
             </a:fld>
           </a:p>
@@ -3423,7 +3758,7 @@
         <p:txBody>
           <a:bodyPr/>
           <a:p>
-            <a:fld id="{5A710601-BB97-4575-BA99-A2B64D9F08C1}" type="slidenum">
+            <a:fld id="{AC4248D6-DD19-46B9-84D8-0ADCDA2D1A98}" type="slidenum">
               <a:t>&lt;#&gt;</a:t>
             </a:fld>
           </a:p>
@@ -3679,7 +4014,7 @@
         <p:txBody>
           <a:bodyPr/>
           <a:p>
-            <a:fld id="{CE9C0438-478A-4E31-AC05-F49743530178}" type="slidenum">
+            <a:fld id="{3B54D6AC-A7DC-42ED-95E1-1DC4A9534083}" type="slidenum">
               <a:t>&lt;#&gt;</a:t>
             </a:fld>
           </a:p>
@@ -4003,7 +4338,7 @@
         <p:txBody>
           <a:bodyPr/>
           <a:p>
-            <a:fld id="{73470857-5D50-4191-9C3A-DDDF65D5703B}" type="slidenum">
+            <a:fld id="{6EFA8BA2-7179-4D5C-B440-E5A441494FE7}" type="slidenum">
               <a:t>&lt;#&gt;</a:t>
             </a:fld>
           </a:p>
@@ -4157,7 +4492,7 @@
         <p:txBody>
           <a:bodyPr/>
           <a:p>
-            <a:fld id="{DDA89ACD-A241-4488-9C5A-1D34DFA2EF26}" type="slidenum">
+            <a:fld id="{BF9B40D9-C6F4-4EC6-9270-9A49492E1C7D}" type="slidenum">
               <a:t>&lt;#&gt;</a:t>
             </a:fld>
           </a:p>
@@ -4345,7 +4680,7 @@
         <p:txBody>
           <a:bodyPr/>
           <a:p>
-            <a:fld id="{BEF27BB6-8D2F-43C9-80DD-7D749DC34F03}" type="slidenum">
+            <a:fld id="{78539B0D-ED76-44FC-A94B-A85C104CCDF2}" type="slidenum">
               <a:t>&lt;#&gt;</a:t>
             </a:fld>
           </a:p>
@@ -4465,7 +4800,7 @@
         <p:txBody>
           <a:bodyPr/>
           <a:p>
-            <a:fld id="{90C2C504-CDD9-4852-BF97-D3A382CCCF14}" type="slidenum">
+            <a:fld id="{BA56283A-31F3-4BC8-B3E6-9C07CC869512}" type="slidenum">
               <a:t>&lt;#&gt;</a:t>
             </a:fld>
           </a:p>
@@ -4585,7 +4920,7 @@
         <p:txBody>
           <a:bodyPr/>
           <a:p>
-            <a:fld id="{1F868EB7-2FD0-4F79-8A5D-3116EEEA1B41}" type="slidenum">
+            <a:fld id="{FAB2B9ED-4963-48B0-802F-4C876D58581D}" type="slidenum">
               <a:t>&lt;#&gt;</a:t>
             </a:fld>
           </a:p>
@@ -4807,7 +5142,7 @@
         <p:txBody>
           <a:bodyPr/>
           <a:p>
-            <a:fld id="{08B109BA-8CAB-4BF1-B233-4F2F23D0068F}" type="slidenum">
+            <a:fld id="{F632B045-B6B2-4473-817E-112F53A39E85}" type="slidenum">
               <a:t>&lt;#&gt;</a:t>
             </a:fld>
           </a:p>
@@ -5029,7 +5364,7 @@
         <p:txBody>
           <a:bodyPr/>
           <a:p>
-            <a:fld id="{9558F563-AF81-4709-B36B-507122997116}" type="slidenum">
+            <a:fld id="{527599D9-05E0-4D4A-89CE-91F49C4A3982}" type="slidenum">
               <a:t>&lt;#&gt;</a:t>
             </a:fld>
           </a:p>
@@ -5251,7 +5586,7 @@
         <p:txBody>
           <a:bodyPr/>
           <a:p>
-            <a:fld id="{ABE79C10-DF3D-4BF0-95EF-224DF5BBB6E0}" type="slidenum">
+            <a:fld id="{01F04C9F-88A3-4CCA-993F-44306AA35319}" type="slidenum">
               <a:t>&lt;#&gt;</a:t>
             </a:fld>
           </a:p>
@@ -5316,9 +5651,9 @@
         <p:grpSpPr>
           <a:xfrm>
             <a:off x="11401560" y="6229800"/>
-            <a:ext cx="455760" cy="455760"/>
+            <a:ext cx="455400" cy="455400"/>
             <a:chOff x="11401560" y="6229800"/>
-            <a:chExt cx="455760" cy="455760"/>
+            <a:chExt cx="455400" cy="455400"/>
           </a:xfrm>
         </p:grpSpPr>
         <p:sp>
@@ -5330,7 +5665,7 @@
           <p:spPr>
             <a:xfrm>
               <a:off x="11401560" y="6229800"/>
-              <a:ext cx="455760" cy="455760"/>
+              <a:ext cx="455400" cy="455400"/>
             </a:xfrm>
             <a:prstGeom prst="ellipse">
               <a:avLst/>
@@ -5360,7 +5695,7 @@
           <p:spPr>
             <a:xfrm>
               <a:off x="11431080" y="6258960"/>
-              <a:ext cx="397440" cy="397440"/>
+              <a:ext cx="397080" cy="397080"/>
             </a:xfrm>
             <a:prstGeom prst="ellipse">
               <a:avLst/>
@@ -5390,7 +5725,7 @@
         <p:spPr>
           <a:xfrm>
             <a:off x="920880" y="1347120"/>
-            <a:ext cx="10221480" cy="79200"/>
+            <a:ext cx="10221120" cy="78840"/>
           </a:xfrm>
           <a:prstGeom prst="rect">
             <a:avLst/>
@@ -5430,7 +5765,7 @@
         <p:spPr>
           <a:xfrm>
             <a:off x="920880" y="4299840"/>
-            <a:ext cx="10221480" cy="79200"/>
+            <a:ext cx="10221120" cy="78840"/>
           </a:xfrm>
           <a:prstGeom prst="rect">
             <a:avLst/>
@@ -5470,7 +5805,7 @@
         <p:spPr>
           <a:xfrm>
             <a:off x="920880" y="1484640"/>
-            <a:ext cx="10221480" cy="2741760"/>
+            <a:ext cx="10221120" cy="2741400"/>
           </a:xfrm>
           <a:prstGeom prst="rect">
             <a:avLst/>
@@ -5510,9 +5845,9 @@
         <p:grpSpPr>
           <a:xfrm>
             <a:off x="9649080" y="4069080"/>
-            <a:ext cx="1079640" cy="1079640"/>
+            <a:ext cx="1079280" cy="1079280"/>
             <a:chOff x="9649080" y="4069080"/>
-            <a:chExt cx="1079640" cy="1079640"/>
+            <a:chExt cx="1079280" cy="1079280"/>
           </a:xfrm>
         </p:grpSpPr>
         <p:sp>
@@ -5524,7 +5859,7 @@
           <p:spPr>
             <a:xfrm>
               <a:off x="9649080" y="4069080"/>
-              <a:ext cx="1079640" cy="1079640"/>
+              <a:ext cx="1079280" cy="1079280"/>
             </a:xfrm>
             <a:prstGeom prst="ellipse">
               <a:avLst/>
@@ -5554,7 +5889,7 @@
           <p:spPr>
             <a:xfrm>
               <a:off x="9757440" y="4177080"/>
-              <a:ext cx="863280" cy="863280"/>
+              <a:ext cx="862920" cy="862920"/>
             </a:xfrm>
             <a:prstGeom prst="ellipse">
               <a:avLst/>
@@ -5588,7 +5923,7 @@
         <p:spPr>
           <a:xfrm>
             <a:off x="1088280" y="6272640"/>
-            <a:ext cx="6326280" cy="363600"/>
+            <a:ext cx="6325920" cy="363240"/>
           </a:xfrm>
           <a:prstGeom prst="rect">
             <a:avLst/>
@@ -5645,7 +5980,7 @@
         <p:spPr>
           <a:xfrm>
             <a:off x="9592560" y="4289400"/>
-            <a:ext cx="1192320" cy="638640"/>
+            <a:ext cx="1191960" cy="638280"/>
           </a:xfrm>
           <a:prstGeom prst="rect">
             <a:avLst/>
@@ -5680,7 +6015,7 @@
               </a:lnSpc>
               <a:buNone/>
             </a:pPr>
-            <a:fld id="{D2360597-135E-4AE8-860D-1FFDEF081EA1}" type="slidenum">
+            <a:fld id="{6532E35E-06E1-4B00-8CD7-2A9B59751A55}" type="slidenum">
               <a:rPr b="1" lang="en-US" sz="2800" spc="-1" strike="noStrike">
                 <a:solidFill>
                   <a:srgbClr val="ffffff"/>
@@ -5708,7 +6043,7 @@
         <p:spPr>
           <a:xfrm>
             <a:off x="7964280" y="6272640"/>
-            <a:ext cx="3272040" cy="363600"/>
+            <a:ext cx="3271680" cy="363240"/>
           </a:xfrm>
           <a:prstGeom prst="rect">
             <a:avLst/>
@@ -6021,9 +6356,9 @@
         <p:grpSpPr>
           <a:xfrm>
             <a:off x="11401560" y="6229800"/>
-            <a:ext cx="455760" cy="455760"/>
+            <a:ext cx="455400" cy="455400"/>
             <a:chOff x="11401560" y="6229800"/>
-            <a:chExt cx="455760" cy="455760"/>
+            <a:chExt cx="455400" cy="455400"/>
           </a:xfrm>
         </p:grpSpPr>
         <p:sp>
@@ -6035,7 +6370,7 @@
           <p:spPr>
             <a:xfrm>
               <a:off x="11401560" y="6229800"/>
-              <a:ext cx="455760" cy="455760"/>
+              <a:ext cx="455400" cy="455400"/>
             </a:xfrm>
             <a:prstGeom prst="ellipse">
               <a:avLst/>
@@ -6065,7 +6400,7 @@
           <p:spPr>
             <a:xfrm>
               <a:off x="11431080" y="6258960"/>
-              <a:ext cx="397440" cy="397440"/>
+              <a:ext cx="397080" cy="397080"/>
             </a:xfrm>
             <a:prstGeom prst="ellipse">
               <a:avLst/>
@@ -6099,7 +6434,7 @@
         <p:spPr>
           <a:xfrm>
             <a:off x="1088280" y="6272640"/>
-            <a:ext cx="6326280" cy="363600"/>
+            <a:ext cx="6325920" cy="363240"/>
           </a:xfrm>
           <a:prstGeom prst="rect">
             <a:avLst/>
@@ -6156,7 +6491,7 @@
         <p:spPr>
           <a:xfrm>
             <a:off x="11311200" y="6272640"/>
-            <a:ext cx="638640" cy="363600"/>
+            <a:ext cx="638280" cy="363240"/>
           </a:xfrm>
           <a:prstGeom prst="rect">
             <a:avLst/>
@@ -6191,7 +6526,7 @@
               </a:lnSpc>
               <a:buNone/>
             </a:pPr>
-            <a:fld id="{BD2991BD-7DA4-4FBB-A7D9-E91517B04497}" type="slidenum">
+            <a:fld id="{4ECEED2C-993C-4F5C-B94F-4D2F4A8A3E64}" type="slidenum">
               <a:rPr b="1" lang="en-US" sz="1400" spc="-1" strike="noStrike">
                 <a:solidFill>
                   <a:srgbClr val="ffffff"/>
@@ -6219,7 +6554,7 @@
         <p:spPr>
           <a:xfrm>
             <a:off x="7964280" y="6272640"/>
-            <a:ext cx="3272040" cy="363600"/>
+            <a:ext cx="3271680" cy="363240"/>
           </a:xfrm>
           <a:prstGeom prst="rect">
             <a:avLst/>
@@ -6529,7 +6864,7 @@
         <p:spPr>
           <a:xfrm>
             <a:off x="1051560" y="1432080"/>
-            <a:ext cx="9965520" cy="3034440"/>
+            <a:ext cx="9965160" cy="3034080"/>
           </a:xfrm>
           <a:prstGeom prst="rect">
             <a:avLst/>
@@ -6584,7 +6919,7 @@
         <p:spPr>
           <a:xfrm>
             <a:off x="1069920" y="4389120"/>
-            <a:ext cx="7889760" cy="1068480"/>
+            <a:ext cx="7889400" cy="1068120"/>
           </a:xfrm>
           <a:prstGeom prst="rect">
             <a:avLst/>
@@ -6700,7 +7035,7 @@
         <p:spPr>
           <a:xfrm>
             <a:off x="0" y="0"/>
-            <a:ext cx="12190680" cy="6856560"/>
+            <a:ext cx="12190320" cy="6856200"/>
           </a:xfrm>
           <a:prstGeom prst="rect">
             <a:avLst/>
@@ -6736,7 +7071,7 @@
         <p:spPr>
           <a:xfrm>
             <a:off x="984600" y="464040"/>
-            <a:ext cx="10221480" cy="79200"/>
+            <a:ext cx="10221120" cy="78840"/>
           </a:xfrm>
           <a:prstGeom prst="rect">
             <a:avLst/>
@@ -6776,7 +7111,7 @@
         <p:spPr>
           <a:xfrm>
             <a:off x="984600" y="601920"/>
-            <a:ext cx="10221480" cy="1384560"/>
+            <a:ext cx="10221120" cy="1384200"/>
           </a:xfrm>
           <a:prstGeom prst="rect">
             <a:avLst/>
@@ -6816,7 +7151,7 @@
         <p:spPr>
           <a:xfrm>
             <a:off x="984600" y="2038680"/>
-            <a:ext cx="10221480" cy="79200"/>
+            <a:ext cx="10221120" cy="78840"/>
           </a:xfrm>
           <a:prstGeom prst="rect">
             <a:avLst/>
@@ -6860,7 +7195,7 @@
         <p:spPr>
           <a:xfrm>
             <a:off x="1069920" y="484560"/>
-            <a:ext cx="10056960" cy="1607760"/>
+            <a:ext cx="10056600" cy="1607400"/>
           </a:xfrm>
           <a:prstGeom prst="rect">
             <a:avLst/>
@@ -6906,7 +7241,7 @@
         <p:spPr>
           <a:xfrm>
             <a:off x="1069920" y="2320560"/>
-            <a:ext cx="10056960" cy="3850200"/>
+            <a:ext cx="10056600" cy="3849840"/>
           </a:xfrm>
           <a:prstGeom prst="rect">
             <a:avLst/>
@@ -7151,7 +7486,7 @@
         <p:spPr>
           <a:xfrm>
             <a:off x="11401560" y="6229800"/>
-            <a:ext cx="455760" cy="455760"/>
+            <a:ext cx="455400" cy="455400"/>
           </a:xfrm>
           <a:prstGeom prst="ellipse">
             <a:avLst/>
@@ -7181,7 +7516,7 @@
         <p:spPr>
           <a:xfrm>
             <a:off x="11431080" y="6258960"/>
-            <a:ext cx="397440" cy="397440"/>
+            <a:ext cx="397080" cy="397080"/>
           </a:xfrm>
           <a:prstGeom prst="ellipse">
             <a:avLst/>
@@ -7244,7 +7579,7 @@
         <p:spPr>
           <a:xfrm>
             <a:off x="1066680" y="2096280"/>
-            <a:ext cx="10056960" cy="4049280"/>
+            <a:ext cx="10056600" cy="4048920"/>
           </a:xfrm>
           <a:prstGeom prst="rect">
             <a:avLst/>
